--- a/Python Data Analytics.pptx
+++ b/Python Data Analytics.pptx
@@ -2,31 +2,32 @@
 <file path=ppt/presentation.xml><?xml version="1.0" encoding="utf-8"?>
 <p:presentation xmlns:a="http://schemas.openxmlformats.org/drawingml/2006/main" xmlns:r="http://schemas.openxmlformats.org/officeDocument/2006/relationships" xmlns:p="http://schemas.openxmlformats.org/presentationml/2006/main">
   <p:sldMasterIdLst>
-    <p:sldMasterId id="2147483648" r:id="rId1"/>
+    <p:sldMasterId id="2147483648" r:id="rId5"/>
   </p:sldMasterIdLst>
   <p:notesMasterIdLst>
-    <p:notesMasterId r:id="rId21"/>
+    <p:notesMasterId r:id="rId7"/>
   </p:notesMasterIdLst>
   <p:sldIdLst>
-    <p:sldId id="256" r:id="rId2"/>
-    <p:sldId id="257" r:id="rId3"/>
-    <p:sldId id="258" r:id="rId4"/>
-    <p:sldId id="259" r:id="rId5"/>
-    <p:sldId id="260" r:id="rId6"/>
-    <p:sldId id="261" r:id="rId7"/>
-    <p:sldId id="262" r:id="rId8"/>
-    <p:sldId id="263" r:id="rId9"/>
-    <p:sldId id="264" r:id="rId10"/>
-    <p:sldId id="265" r:id="rId11"/>
-    <p:sldId id="266" r:id="rId12"/>
-    <p:sldId id="267" r:id="rId13"/>
-    <p:sldId id="268" r:id="rId14"/>
-    <p:sldId id="269" r:id="rId15"/>
-    <p:sldId id="270" r:id="rId16"/>
-    <p:sldId id="271" r:id="rId17"/>
-    <p:sldId id="272" r:id="rId18"/>
-    <p:sldId id="273" r:id="rId19"/>
-    <p:sldId id="274" r:id="rId20"/>
+    <p:sldId id="256" r:id="rId8"/>
+    <p:sldId id="257" r:id="rId9"/>
+    <p:sldId id="258" r:id="rId10"/>
+    <p:sldId id="259" r:id="rId11"/>
+    <p:sldId id="260" r:id="rId12"/>
+    <p:sldId id="261" r:id="rId13"/>
+    <p:sldId id="262" r:id="rId14"/>
+    <p:sldId id="263" r:id="rId15"/>
+    <p:sldId id="264" r:id="rId16"/>
+    <p:sldId id="265" r:id="rId17"/>
+    <p:sldId id="266" r:id="rId18"/>
+    <p:sldId id="267" r:id="rId19"/>
+    <p:sldId id="268" r:id="rId20"/>
+    <p:sldId id="269" r:id="rId21"/>
+    <p:sldId id="270" r:id="rId22"/>
+    <p:sldId id="271" r:id="rId23"/>
+    <p:sldId id="272" r:id="rId24"/>
+    <p:sldId id="273" r:id="rId25"/>
+    <p:sldId id="274" r:id="rId26"/>
+    <p:sldId id="275" r:id="rId27"/>
   </p:sldIdLst>
   <p:sldSz cx="24384000" cy="13716000"/>
   <p:notesSz cx="6858000" cy="9144000"/>
@@ -46,7 +47,7 @@
       <a:buFontTx/>
       <a:buNone/>
       <a:tabLst/>
-      <a:defRPr kumimoji="0" sz="1800" b="0" i="0" u="none" strike="noStrike" cap="none" spc="0" normalizeH="0" baseline="0">
+      <a:defRPr b="0" baseline="0" cap="none" i="0" spc="0" strike="noStrike" sz="1800" u="none" kumimoji="0" normalizeH="0">
         <a:ln>
           <a:noFill/>
         </a:ln>
@@ -72,7 +73,7 @@
       <a:buFontTx/>
       <a:buNone/>
       <a:tabLst/>
-      <a:defRPr kumimoji="0" sz="5000" b="0" i="0" u="none" strike="noStrike" cap="none" spc="0" normalizeH="0" baseline="0">
+      <a:defRPr b="0" baseline="0" cap="none" i="0" spc="0" strike="noStrike" sz="5000" u="none" kumimoji="0" normalizeH="0">
         <a:ln>
           <a:noFill/>
         </a:ln>
@@ -102,7 +103,7 @@
       <a:buFontTx/>
       <a:buNone/>
       <a:tabLst/>
-      <a:defRPr kumimoji="0" sz="5000" b="0" i="0" u="none" strike="noStrike" cap="none" spc="0" normalizeH="0" baseline="0">
+      <a:defRPr b="0" baseline="0" cap="none" i="0" spc="0" strike="noStrike" sz="5000" u="none" kumimoji="0" normalizeH="0">
         <a:ln>
           <a:noFill/>
         </a:ln>
@@ -132,7 +133,7 @@
       <a:buFontTx/>
       <a:buNone/>
       <a:tabLst/>
-      <a:defRPr kumimoji="0" sz="5000" b="0" i="0" u="none" strike="noStrike" cap="none" spc="0" normalizeH="0" baseline="0">
+      <a:defRPr b="0" baseline="0" cap="none" i="0" spc="0" strike="noStrike" sz="5000" u="none" kumimoji="0" normalizeH="0">
         <a:ln>
           <a:noFill/>
         </a:ln>
@@ -162,7 +163,7 @@
       <a:buFontTx/>
       <a:buNone/>
       <a:tabLst/>
-      <a:defRPr kumimoji="0" sz="5000" b="0" i="0" u="none" strike="noStrike" cap="none" spc="0" normalizeH="0" baseline="0">
+      <a:defRPr b="0" baseline="0" cap="none" i="0" spc="0" strike="noStrike" sz="5000" u="none" kumimoji="0" normalizeH="0">
         <a:ln>
           <a:noFill/>
         </a:ln>
@@ -192,7 +193,7 @@
       <a:buFontTx/>
       <a:buNone/>
       <a:tabLst/>
-      <a:defRPr kumimoji="0" sz="5000" b="0" i="0" u="none" strike="noStrike" cap="none" spc="0" normalizeH="0" baseline="0">
+      <a:defRPr b="0" baseline="0" cap="none" i="0" spc="0" strike="noStrike" sz="5000" u="none" kumimoji="0" normalizeH="0">
         <a:ln>
           <a:noFill/>
         </a:ln>
@@ -222,7 +223,7 @@
       <a:buFontTx/>
       <a:buNone/>
       <a:tabLst/>
-      <a:defRPr kumimoji="0" sz="5000" b="0" i="0" u="none" strike="noStrike" cap="none" spc="0" normalizeH="0" baseline="0">
+      <a:defRPr b="0" baseline="0" cap="none" i="0" spc="0" strike="noStrike" sz="5000" u="none" kumimoji="0" normalizeH="0">
         <a:ln>
           <a:noFill/>
         </a:ln>
@@ -252,7 +253,7 @@
       <a:buFontTx/>
       <a:buNone/>
       <a:tabLst/>
-      <a:defRPr kumimoji="0" sz="5000" b="0" i="0" u="none" strike="noStrike" cap="none" spc="0" normalizeH="0" baseline="0">
+      <a:defRPr b="0" baseline="0" cap="none" i="0" spc="0" strike="noStrike" sz="5000" u="none" kumimoji="0" normalizeH="0">
         <a:ln>
           <a:noFill/>
         </a:ln>
@@ -282,7 +283,7 @@
       <a:buFontTx/>
       <a:buNone/>
       <a:tabLst/>
-      <a:defRPr kumimoji="0" sz="5000" b="0" i="0" u="none" strike="noStrike" cap="none" spc="0" normalizeH="0" baseline="0">
+      <a:defRPr b="0" baseline="0" cap="none" i="0" spc="0" strike="noStrike" sz="5000" u="none" kumimoji="0" normalizeH="0">
         <a:ln>
           <a:noFill/>
         </a:ln>
@@ -312,7 +313,7 @@
       <a:buFontTx/>
       <a:buNone/>
       <a:tabLst/>
-      <a:defRPr kumimoji="0" sz="5000" b="0" i="0" u="none" strike="noStrike" cap="none" spc="0" normalizeH="0" baseline="0">
+      <a:defRPr b="0" baseline="0" cap="none" i="0" spc="0" strike="noStrike" sz="5000" u="none" kumimoji="0" normalizeH="0">
         <a:ln>
           <a:noFill/>
         </a:ln>
@@ -331,14 +332,13 @@
 </p:presentation>
 </file>
 
+<file path=ppt/commentAuthors.xml><?xml version="1.0" encoding="utf-8"?>
+<p:cmAuthorLst xmlns:a="http://schemas.openxmlformats.org/drawingml/2006/main" xmlns:r="http://schemas.openxmlformats.org/officeDocument/2006/relationships" xmlns:p="http://schemas.openxmlformats.org/presentationml/2006/main"/>
+</file>
+
 <file path=ppt/notesMasters/notesMaster1.xml><?xml version="1.0" encoding="utf-8"?>
 <p:notesMaster xmlns:a="http://schemas.openxmlformats.org/drawingml/2006/main" xmlns:r="http://schemas.openxmlformats.org/officeDocument/2006/relationships" xmlns:p="http://schemas.openxmlformats.org/presentationml/2006/main">
   <p:cSld>
-    <p:bg>
-      <p:bgRef idx="1001">
-        <a:schemeClr val="bg1"/>
-      </p:bgRef>
-    </p:bg>
     <p:spTree>
       <p:nvGrpSpPr>
         <p:cNvPr id="1" name=""/>
@@ -356,9 +356,7 @@
       <p:sp>
         <p:nvSpPr>
           <p:cNvPr id="116" name="Shape 116"/>
-          <p:cNvSpPr>
-            <a:spLocks noGrp="1" noRot="1" noChangeAspect="1"/>
-          </p:cNvSpPr>
+          <p:cNvSpPr/>
           <p:nvPr>
             <p:ph type="sldImg"/>
           </p:nvPr>
@@ -376,16 +374,14 @@
           <a:bodyPr/>
           <a:lstStyle/>
           <a:p>
-            <a:endParaRPr/>
+            <a:pPr/>
           </a:p>
         </p:txBody>
       </p:sp>
       <p:sp>
         <p:nvSpPr>
           <p:cNvPr id="117" name="Shape 117"/>
-          <p:cNvSpPr>
-            <a:spLocks noGrp="1"/>
-          </p:cNvSpPr>
+          <p:cNvSpPr/>
           <p:nvPr>
             <p:ph type="body" sz="quarter" idx="1"/>
           </p:nvPr>
@@ -403,16 +399,11 @@
           <a:bodyPr/>
           <a:lstStyle/>
           <a:p>
-            <a:endParaRPr/>
+            <a:pPr/>
           </a:p>
         </p:txBody>
       </p:sp>
     </p:spTree>
-    <p:extLst>
-      <p:ext uri="{BB962C8B-B14F-4D97-AF65-F5344CB8AC3E}">
-        <p14:creationId xmlns:p14="http://schemas.microsoft.com/office/powerpoint/2010/main" val="4130030894"/>
-      </p:ext>
-    </p:extLst>
   </p:cSld>
   <p:clrMap bg1="lt1" tx1="dk1" bg2="lt2" tx2="dk2" accent1="accent1" accent2="accent2" accent3="accent3" accent4="accent4" accent5="accent5" accent6="accent6" hlink="hlink" folHlink="folHlink"/>
   <p:notesStyle>
@@ -519,8 +510,1080 @@
 </p:notesMaster>
 </file>
 
+<file path=ppt/notesSlides/notesSlide1.xml><?xml version="1.0" encoding="utf-8"?>
+<p:notes xmlns:a="http://schemas.openxmlformats.org/drawingml/2006/main" xmlns:r="http://schemas.openxmlformats.org/officeDocument/2006/relationships" xmlns:p="http://schemas.openxmlformats.org/presentationml/2006/main" showMasterSp="1" showMasterPhAnim="1">
+  <p:cSld>
+    <p:spTree>
+      <p:nvGrpSpPr>
+        <p:cNvPr id="1" name=""/>
+        <p:cNvGrpSpPr/>
+        <p:nvPr/>
+      </p:nvGrpSpPr>
+      <p:grpSpPr>
+        <a:xfrm>
+          <a:off x="0" y="0"/>
+          <a:ext cx="0" cy="0"/>
+          <a:chOff x="0" y="0"/>
+          <a:chExt cx="0" cy="0"/>
+        </a:xfrm>
+      </p:grpSpPr>
+      <p:sp>
+        <p:nvSpPr>
+          <p:cNvPr id="122" name="Shape 122"/>
+          <p:cNvSpPr/>
+          <p:nvPr>
+            <p:ph type="sldImg"/>
+          </p:nvPr>
+        </p:nvSpPr>
+        <p:spPr>
+          <a:prstGeom prst="rect">
+            <a:avLst/>
+          </a:prstGeom>
+        </p:spPr>
+        <p:txBody>
+          <a:bodyPr/>
+          <a:lstStyle/>
+          <a:p>
+            <a:pPr/>
+          </a:p>
+        </p:txBody>
+      </p:sp>
+      <p:sp>
+        <p:nvSpPr>
+          <p:cNvPr id="123" name="Shape 123"/>
+          <p:cNvSpPr/>
+          <p:nvPr>
+            <p:ph type="body" sz="quarter" idx="1"/>
+          </p:nvPr>
+        </p:nvSpPr>
+        <p:spPr>
+          <a:prstGeom prst="rect">
+            <a:avLst/>
+          </a:prstGeom>
+        </p:spPr>
+        <p:txBody>
+          <a:bodyPr/>
+          <a:lstStyle>
+            <a:lvl1pPr>
+              <a:defRPr sz="3000"/>
+            </a:lvl1pPr>
+          </a:lstStyle>
+          <a:p>
+            <a:pPr/>
+            <a:r>
+              <a:t>Good afternoon everyone, and thank you for coming out today. We only have a short amount of time together to today, so I’m gonna jump right in. My name is James White, I’m an Expert Engineer Alumnus and 11 year veteran of the firm; started as a Data Center engineer in GTI before going into app development. I’v been a developer and AD manager for the past 8 years in infrastructure software spaces in GTI and CCB. Today I’m here to talk to you about data analytics in Python.</a:t>
+            </a:r>
+          </a:p>
+        </p:txBody>
+      </p:sp>
+    </p:spTree>
+  </p:cSld>
+  <p:clrMapOvr>
+    <a:masterClrMapping/>
+  </p:clrMapOvr>
+</p:notes>
+</file>
+
+<file path=ppt/notesSlides/notesSlide10.xml><?xml version="1.0" encoding="utf-8"?>
+<p:notes xmlns:a="http://schemas.openxmlformats.org/drawingml/2006/main" xmlns:r="http://schemas.openxmlformats.org/officeDocument/2006/relationships" xmlns:p="http://schemas.openxmlformats.org/presentationml/2006/main" showMasterSp="1" showMasterPhAnim="1">
+  <p:cSld>
+    <p:spTree>
+      <p:nvGrpSpPr>
+        <p:cNvPr id="1" name=""/>
+        <p:cNvGrpSpPr/>
+        <p:nvPr/>
+      </p:nvGrpSpPr>
+      <p:grpSpPr>
+        <a:xfrm>
+          <a:off x="0" y="0"/>
+          <a:ext cx="0" cy="0"/>
+          <a:chOff x="0" y="0"/>
+          <a:chExt cx="0" cy="0"/>
+        </a:xfrm>
+      </p:grpSpPr>
+      <p:sp>
+        <p:nvSpPr>
+          <p:cNvPr id="249" name="Shape 249"/>
+          <p:cNvSpPr/>
+          <p:nvPr>
+            <p:ph type="sldImg"/>
+          </p:nvPr>
+        </p:nvSpPr>
+        <p:spPr>
+          <a:prstGeom prst="rect">
+            <a:avLst/>
+          </a:prstGeom>
+        </p:spPr>
+        <p:txBody>
+          <a:bodyPr/>
+          <a:lstStyle/>
+          <a:p>
+            <a:pPr/>
+          </a:p>
+        </p:txBody>
+      </p:sp>
+      <p:sp>
+        <p:nvSpPr>
+          <p:cNvPr id="250" name="Shape 250"/>
+          <p:cNvSpPr/>
+          <p:nvPr>
+            <p:ph type="body" sz="quarter" idx="1"/>
+          </p:nvPr>
+        </p:nvSpPr>
+        <p:spPr>
+          <a:prstGeom prst="rect">
+            <a:avLst/>
+          </a:prstGeom>
+        </p:spPr>
+        <p:txBody>
+          <a:bodyPr/>
+          <a:lstStyle>
+            <a:lvl1pPr>
+              <a:defRPr sz="3000"/>
+            </a:lvl1pPr>
+          </a:lstStyle>
+          <a:p>
+            <a:pPr/>
+            <a:r>
+              <a:t>The mythical business unicorn - capable of both divining meaning from data as well as building your own tools to automate analysis processes.</a:t>
+            </a:r>
+          </a:p>
+        </p:txBody>
+      </p:sp>
+    </p:spTree>
+  </p:cSld>
+  <p:clrMapOvr>
+    <a:masterClrMapping/>
+  </p:clrMapOvr>
+</p:notes>
+</file>
+
+<file path=ppt/notesSlides/notesSlide11.xml><?xml version="1.0" encoding="utf-8"?>
+<p:notes xmlns:a="http://schemas.openxmlformats.org/drawingml/2006/main" xmlns:r="http://schemas.openxmlformats.org/officeDocument/2006/relationships" xmlns:p="http://schemas.openxmlformats.org/presentationml/2006/main" showMasterSp="1" showMasterPhAnim="1">
+  <p:cSld>
+    <p:spTree>
+      <p:nvGrpSpPr>
+        <p:cNvPr id="1" name=""/>
+        <p:cNvGrpSpPr/>
+        <p:nvPr/>
+      </p:nvGrpSpPr>
+      <p:grpSpPr>
+        <a:xfrm>
+          <a:off x="0" y="0"/>
+          <a:ext cx="0" cy="0"/>
+          <a:chOff x="0" y="0"/>
+          <a:chExt cx="0" cy="0"/>
+        </a:xfrm>
+      </p:grpSpPr>
+      <p:sp>
+        <p:nvSpPr>
+          <p:cNvPr id="255" name="Shape 255"/>
+          <p:cNvSpPr/>
+          <p:nvPr>
+            <p:ph type="sldImg"/>
+          </p:nvPr>
+        </p:nvSpPr>
+        <p:spPr>
+          <a:prstGeom prst="rect">
+            <a:avLst/>
+          </a:prstGeom>
+        </p:spPr>
+        <p:txBody>
+          <a:bodyPr/>
+          <a:lstStyle/>
+          <a:p>
+            <a:pPr/>
+          </a:p>
+        </p:txBody>
+      </p:sp>
+      <p:sp>
+        <p:nvSpPr>
+          <p:cNvPr id="256" name="Shape 256"/>
+          <p:cNvSpPr/>
+          <p:nvPr>
+            <p:ph type="body" sz="quarter" idx="1"/>
+          </p:nvPr>
+        </p:nvSpPr>
+        <p:spPr>
+          <a:prstGeom prst="rect">
+            <a:avLst/>
+          </a:prstGeom>
+        </p:spPr>
+        <p:txBody>
+          <a:bodyPr/>
+          <a:lstStyle/>
+          <a:p>
+            <a:pPr>
+              <a:defRPr sz="3000"/>
+            </a:pPr>
+            <a:r>
+              <a:t>NumPy - largely as a companion for other tools. Leveraging scientific data-types it includes.</a:t>
+            </a:r>
+          </a:p>
+          <a:p>
+            <a:pPr>
+              <a:defRPr sz="3000"/>
+            </a:pPr>
+            <a:r>
+              <a:t>Pandas - our primary analytical tool for the day. Pandas provides us with a crazy powerful  DataFrame object that is similar to a spreadsheet in both its composition and functionality: sorting filtering, pivoting, calculating, all that good stuff.</a:t>
+            </a:r>
+          </a:p>
+          <a:p>
+            <a:pPr>
+              <a:defRPr sz="3000"/>
+            </a:pPr>
+            <a:r>
+              <a:t>Jupiter will be our primary IDE for this afternoon - you will see why soon enough.</a:t>
+            </a:r>
+          </a:p>
+          <a:p>
+            <a:pPr>
+              <a:defRPr sz="3000"/>
+            </a:pPr>
+            <a:r>
+              <a:t>Bokeh will be used to create web based interactive charts.</a:t>
+            </a:r>
+          </a:p>
+          <a:p>
+            <a:pPr>
+              <a:defRPr sz="3000"/>
+            </a:pPr>
+            <a:r>
+              <a:t>FuzzyWuzzy for string matching. </a:t>
+            </a:r>
+          </a:p>
+        </p:txBody>
+      </p:sp>
+    </p:spTree>
+  </p:cSld>
+  <p:clrMapOvr>
+    <a:masterClrMapping/>
+  </p:clrMapOvr>
+</p:notes>
+</file>
+
+<file path=ppt/notesSlides/notesSlide12.xml><?xml version="1.0" encoding="utf-8"?>
+<p:notes xmlns:a="http://schemas.openxmlformats.org/drawingml/2006/main" xmlns:r="http://schemas.openxmlformats.org/officeDocument/2006/relationships" xmlns:p="http://schemas.openxmlformats.org/presentationml/2006/main" showMasterSp="1" showMasterPhAnim="1">
+  <p:cSld>
+    <p:spTree>
+      <p:nvGrpSpPr>
+        <p:cNvPr id="1" name=""/>
+        <p:cNvGrpSpPr/>
+        <p:nvPr/>
+      </p:nvGrpSpPr>
+      <p:grpSpPr>
+        <a:xfrm>
+          <a:off x="0" y="0"/>
+          <a:ext cx="0" cy="0"/>
+          <a:chOff x="0" y="0"/>
+          <a:chExt cx="0" cy="0"/>
+        </a:xfrm>
+      </p:grpSpPr>
+      <p:sp>
+        <p:nvSpPr>
+          <p:cNvPr id="261" name="Shape 261"/>
+          <p:cNvSpPr/>
+          <p:nvPr>
+            <p:ph type="sldImg"/>
+          </p:nvPr>
+        </p:nvSpPr>
+        <p:spPr>
+          <a:prstGeom prst="rect">
+            <a:avLst/>
+          </a:prstGeom>
+        </p:spPr>
+        <p:txBody>
+          <a:bodyPr/>
+          <a:lstStyle/>
+          <a:p>
+            <a:pPr/>
+          </a:p>
+        </p:txBody>
+      </p:sp>
+      <p:sp>
+        <p:nvSpPr>
+          <p:cNvPr id="262" name="Shape 262"/>
+          <p:cNvSpPr/>
+          <p:nvPr>
+            <p:ph type="body" sz="quarter" idx="1"/>
+          </p:nvPr>
+        </p:nvSpPr>
+        <p:spPr>
+          <a:prstGeom prst="rect">
+            <a:avLst/>
+          </a:prstGeom>
+        </p:spPr>
+        <p:txBody>
+          <a:bodyPr/>
+          <a:lstStyle>
+            <a:lvl1pPr>
+              <a:defRPr sz="3000"/>
+            </a:lvl1pPr>
+          </a:lstStyle>
+          <a:p>
+            <a:pPr/>
+            <a:r>
+              <a:t>Why use Python, when we are clearly a Java biased organization? Many universities have migrated to Python for its intro courses. Flexible: supports procedural, functional, and OOP constructs out of the box. Powerful: Instagram, Dropbox, Pinterest - huge. Adaptable: runs on Linux, windows, mobile, and JVM. Can call C, Java, and .NET libs depending on implementation.</a:t>
+            </a:r>
+          </a:p>
+        </p:txBody>
+      </p:sp>
+    </p:spTree>
+  </p:cSld>
+  <p:clrMapOvr>
+    <a:masterClrMapping/>
+  </p:clrMapOvr>
+</p:notes>
+</file>
+
+<file path=ppt/notesSlides/notesSlide13.xml><?xml version="1.0" encoding="utf-8"?>
+<p:notes xmlns:a="http://schemas.openxmlformats.org/drawingml/2006/main" xmlns:r="http://schemas.openxmlformats.org/officeDocument/2006/relationships" xmlns:p="http://schemas.openxmlformats.org/presentationml/2006/main" showMasterSp="1" showMasterPhAnim="1">
+  <p:cSld>
+    <p:spTree>
+      <p:nvGrpSpPr>
+        <p:cNvPr id="1" name=""/>
+        <p:cNvGrpSpPr/>
+        <p:nvPr/>
+      </p:nvGrpSpPr>
+      <p:grpSpPr>
+        <a:xfrm>
+          <a:off x="0" y="0"/>
+          <a:ext cx="0" cy="0"/>
+          <a:chOff x="0" y="0"/>
+          <a:chExt cx="0" cy="0"/>
+        </a:xfrm>
+      </p:grpSpPr>
+      <p:sp>
+        <p:nvSpPr>
+          <p:cNvPr id="267" name="Shape 267"/>
+          <p:cNvSpPr/>
+          <p:nvPr>
+            <p:ph type="sldImg"/>
+          </p:nvPr>
+        </p:nvSpPr>
+        <p:spPr>
+          <a:prstGeom prst="rect">
+            <a:avLst/>
+          </a:prstGeom>
+        </p:spPr>
+        <p:txBody>
+          <a:bodyPr/>
+          <a:lstStyle/>
+          <a:p>
+            <a:pPr/>
+          </a:p>
+        </p:txBody>
+      </p:sp>
+      <p:sp>
+        <p:nvSpPr>
+          <p:cNvPr id="268" name="Shape 268"/>
+          <p:cNvSpPr/>
+          <p:nvPr>
+            <p:ph type="body" sz="quarter" idx="1"/>
+          </p:nvPr>
+        </p:nvSpPr>
+        <p:spPr>
+          <a:prstGeom prst="rect">
+            <a:avLst/>
+          </a:prstGeom>
+        </p:spPr>
+        <p:txBody>
+          <a:bodyPr/>
+          <a:lstStyle>
+            <a:lvl1pPr>
+              <a:defRPr sz="3000"/>
+            </a:lvl1pPr>
+          </a:lstStyle>
+          <a:p>
+            <a:pPr/>
+            <a:r>
+              <a:t>The best way to demo these tools is to walk through a realistic business scenario. So lets pretend that we need to preform some cleanup and analysis of some sales data that we collecting in flat files and come from several different people, in different formats, at different scale. Then we’ll add some calculated columns, cleanup and fill-in missing values, as well as join in additional data from both clean and dirty sources.</a:t>
+            </a:r>
+          </a:p>
+        </p:txBody>
+      </p:sp>
+    </p:spTree>
+  </p:cSld>
+  <p:clrMapOvr>
+    <a:masterClrMapping/>
+  </p:clrMapOvr>
+</p:notes>
+</file>
+
+<file path=ppt/notesSlides/notesSlide14.xml><?xml version="1.0" encoding="utf-8"?>
+<p:notes xmlns:a="http://schemas.openxmlformats.org/drawingml/2006/main" xmlns:r="http://schemas.openxmlformats.org/officeDocument/2006/relationships" xmlns:p="http://schemas.openxmlformats.org/presentationml/2006/main" showMasterSp="1" showMasterPhAnim="1">
+  <p:cSld>
+    <p:spTree>
+      <p:nvGrpSpPr>
+        <p:cNvPr id="1" name=""/>
+        <p:cNvGrpSpPr/>
+        <p:nvPr/>
+      </p:nvGrpSpPr>
+      <p:grpSpPr>
+        <a:xfrm>
+          <a:off x="0" y="0"/>
+          <a:ext cx="0" cy="0"/>
+          <a:chOff x="0" y="0"/>
+          <a:chExt cx="0" cy="0"/>
+        </a:xfrm>
+      </p:grpSpPr>
+      <p:sp>
+        <p:nvSpPr>
+          <p:cNvPr id="273" name="Shape 273"/>
+          <p:cNvSpPr/>
+          <p:nvPr>
+            <p:ph type="sldImg"/>
+          </p:nvPr>
+        </p:nvSpPr>
+        <p:spPr>
+          <a:prstGeom prst="rect">
+            <a:avLst/>
+          </a:prstGeom>
+        </p:spPr>
+        <p:txBody>
+          <a:bodyPr/>
+          <a:lstStyle/>
+          <a:p>
+            <a:pPr/>
+          </a:p>
+        </p:txBody>
+      </p:sp>
+      <p:sp>
+        <p:nvSpPr>
+          <p:cNvPr id="274" name="Shape 274"/>
+          <p:cNvSpPr/>
+          <p:nvPr>
+            <p:ph type="body" sz="quarter" idx="1"/>
+          </p:nvPr>
+        </p:nvSpPr>
+        <p:spPr>
+          <a:prstGeom prst="rect">
+            <a:avLst/>
+          </a:prstGeom>
+        </p:spPr>
+        <p:txBody>
+          <a:bodyPr/>
+          <a:lstStyle>
+            <a:lvl1pPr>
+              <a:defRPr sz="3000"/>
+            </a:lvl1pPr>
+          </a:lstStyle>
+          <a:p>
+            <a:pPr/>
+            <a:r>
+              <a:t>As part of the scenario we will need to produce various outputs.</a:t>
+            </a:r>
+          </a:p>
+        </p:txBody>
+      </p:sp>
+    </p:spTree>
+  </p:cSld>
+  <p:clrMapOvr>
+    <a:masterClrMapping/>
+  </p:clrMapOvr>
+</p:notes>
+</file>
+
+<file path=ppt/notesSlides/notesSlide2.xml><?xml version="1.0" encoding="utf-8"?>
+<p:notes xmlns:a="http://schemas.openxmlformats.org/drawingml/2006/main" xmlns:r="http://schemas.openxmlformats.org/officeDocument/2006/relationships" xmlns:p="http://schemas.openxmlformats.org/presentationml/2006/main" showMasterSp="1" showMasterPhAnim="1">
+  <p:cSld>
+    <p:spTree>
+      <p:nvGrpSpPr>
+        <p:cNvPr id="1" name=""/>
+        <p:cNvGrpSpPr/>
+        <p:nvPr/>
+      </p:nvGrpSpPr>
+      <p:grpSpPr>
+        <a:xfrm>
+          <a:off x="0" y="0"/>
+          <a:ext cx="0" cy="0"/>
+          <a:chOff x="0" y="0"/>
+          <a:chExt cx="0" cy="0"/>
+        </a:xfrm>
+      </p:grpSpPr>
+      <p:sp>
+        <p:nvSpPr>
+          <p:cNvPr id="127" name="Shape 127"/>
+          <p:cNvSpPr/>
+          <p:nvPr>
+            <p:ph type="sldImg"/>
+          </p:nvPr>
+        </p:nvSpPr>
+        <p:spPr>
+          <a:prstGeom prst="rect">
+            <a:avLst/>
+          </a:prstGeom>
+        </p:spPr>
+        <p:txBody>
+          <a:bodyPr/>
+          <a:lstStyle/>
+          <a:p>
+            <a:pPr/>
+          </a:p>
+        </p:txBody>
+      </p:sp>
+      <p:sp>
+        <p:nvSpPr>
+          <p:cNvPr id="128" name="Shape 128"/>
+          <p:cNvSpPr/>
+          <p:nvPr>
+            <p:ph type="body" sz="quarter" idx="1"/>
+          </p:nvPr>
+        </p:nvSpPr>
+        <p:spPr>
+          <a:prstGeom prst="rect">
+            <a:avLst/>
+          </a:prstGeom>
+        </p:spPr>
+        <p:txBody>
+          <a:bodyPr/>
+          <a:lstStyle>
+            <a:lvl1pPr>
+              <a:defRPr sz="3000"/>
+            </a:lvl1pPr>
+          </a:lstStyle>
+          <a:p>
+            <a:pPr/>
+            <a:r>
+              <a:t>We have 3 big objectives for the next 45 min: 1.) Learn about the differences between what the average person considers data science vs data analytics. 2.) Learn how to use Python to transform and automate many of our highly manual day-to-day analysis tasks. 3.) And finally, learn how to integrate these tools an techniques into our everyday. Please hold your questions till the end, or find me after the talk… I’ll be in the gathering space out front.</a:t>
+            </a:r>
+          </a:p>
+        </p:txBody>
+      </p:sp>
+    </p:spTree>
+  </p:cSld>
+  <p:clrMapOvr>
+    <a:masterClrMapping/>
+  </p:clrMapOvr>
+</p:notes>
+</file>
+
+<file path=ppt/notesSlides/notesSlide3.xml><?xml version="1.0" encoding="utf-8"?>
+<p:notes xmlns:a="http://schemas.openxmlformats.org/drawingml/2006/main" xmlns:r="http://schemas.openxmlformats.org/officeDocument/2006/relationships" xmlns:p="http://schemas.openxmlformats.org/presentationml/2006/main" showMasterSp="1" showMasterPhAnim="1">
+  <p:cSld>
+    <p:spTree>
+      <p:nvGrpSpPr>
+        <p:cNvPr id="1" name=""/>
+        <p:cNvGrpSpPr/>
+        <p:nvPr/>
+      </p:nvGrpSpPr>
+      <p:grpSpPr>
+        <a:xfrm>
+          <a:off x="0" y="0"/>
+          <a:ext cx="0" cy="0"/>
+          <a:chOff x="0" y="0"/>
+          <a:chExt cx="0" cy="0"/>
+        </a:xfrm>
+      </p:grpSpPr>
+      <p:sp>
+        <p:nvSpPr>
+          <p:cNvPr id="134" name="Shape 134"/>
+          <p:cNvSpPr/>
+          <p:nvPr>
+            <p:ph type="sldImg"/>
+          </p:nvPr>
+        </p:nvSpPr>
+        <p:spPr>
+          <a:prstGeom prst="rect">
+            <a:avLst/>
+          </a:prstGeom>
+        </p:spPr>
+        <p:txBody>
+          <a:bodyPr/>
+          <a:lstStyle/>
+          <a:p>
+            <a:pPr/>
+          </a:p>
+        </p:txBody>
+      </p:sp>
+      <p:sp>
+        <p:nvSpPr>
+          <p:cNvPr id="135" name="Shape 135"/>
+          <p:cNvSpPr/>
+          <p:nvPr>
+            <p:ph type="body" sz="quarter" idx="1"/>
+          </p:nvPr>
+        </p:nvSpPr>
+        <p:spPr>
+          <a:prstGeom prst="rect">
+            <a:avLst/>
+          </a:prstGeom>
+        </p:spPr>
+        <p:txBody>
+          <a:bodyPr/>
+          <a:lstStyle>
+            <a:lvl1pPr>
+              <a:defRPr sz="3000"/>
+            </a:lvl1pPr>
+          </a:lstStyle>
+          <a:p>
+            <a:pPr/>
+            <a:r>
+              <a:t>This demo is designed for everyone from developers, Excel masters, and everyday data analysts. Anyone interested in data science, analysis, reporting, or automation will benefit from this demo. That said, we will be reading and writing code; so some degree of coding experience is required. If you can read Perl, VBA, or Powershell you should have no problem following along.</a:t>
+            </a:r>
+          </a:p>
+        </p:txBody>
+      </p:sp>
+    </p:spTree>
+  </p:cSld>
+  <p:clrMapOvr>
+    <a:masterClrMapping/>
+  </p:clrMapOvr>
+</p:notes>
+</file>
+
+<file path=ppt/notesSlides/notesSlide4.xml><?xml version="1.0" encoding="utf-8"?>
+<p:notes xmlns:a="http://schemas.openxmlformats.org/drawingml/2006/main" xmlns:r="http://schemas.openxmlformats.org/officeDocument/2006/relationships" xmlns:p="http://schemas.openxmlformats.org/presentationml/2006/main" showMasterSp="1" showMasterPhAnim="1">
+  <p:cSld>
+    <p:spTree>
+      <p:nvGrpSpPr>
+        <p:cNvPr id="1" name=""/>
+        <p:cNvGrpSpPr/>
+        <p:nvPr/>
+      </p:nvGrpSpPr>
+      <p:grpSpPr>
+        <a:xfrm>
+          <a:off x="0" y="0"/>
+          <a:ext cx="0" cy="0"/>
+          <a:chOff x="0" y="0"/>
+          <a:chExt cx="0" cy="0"/>
+        </a:xfrm>
+      </p:grpSpPr>
+      <p:sp>
+        <p:nvSpPr>
+          <p:cNvPr id="141" name="Shape 141"/>
+          <p:cNvSpPr/>
+          <p:nvPr>
+            <p:ph type="sldImg"/>
+          </p:nvPr>
+        </p:nvSpPr>
+        <p:spPr>
+          <a:prstGeom prst="rect">
+            <a:avLst/>
+          </a:prstGeom>
+        </p:spPr>
+        <p:txBody>
+          <a:bodyPr/>
+          <a:lstStyle/>
+          <a:p>
+            <a:pPr/>
+          </a:p>
+        </p:txBody>
+      </p:sp>
+      <p:sp>
+        <p:nvSpPr>
+          <p:cNvPr id="142" name="Shape 142"/>
+          <p:cNvSpPr/>
+          <p:nvPr>
+            <p:ph type="body" sz="quarter" idx="1"/>
+          </p:nvPr>
+        </p:nvSpPr>
+        <p:spPr>
+          <a:prstGeom prst="rect">
+            <a:avLst/>
+          </a:prstGeom>
+        </p:spPr>
+        <p:txBody>
+          <a:bodyPr/>
+          <a:lstStyle>
+            <a:lvl1pPr>
+              <a:defRPr sz="3000"/>
+            </a:lvl1pPr>
+          </a:lstStyle>
+          <a:p>
+            <a:pPr/>
+            <a:r>
+              <a:t>First thing we have to do is clear up any ambiguity around how we define data “science” and “analytics”. Everyone seems to define this a little differently, but for the purposes of this demo we will define them as follows. Data science is about processes and tools used to extract information, finding the diamond in the rough. Analytics is about examining that information and drawing conclusions, determining the worth of the diamond. But lets dig a little deeper…</a:t>
+            </a:r>
+          </a:p>
+        </p:txBody>
+      </p:sp>
+    </p:spTree>
+  </p:cSld>
+  <p:clrMapOvr>
+    <a:masterClrMapping/>
+  </p:clrMapOvr>
+</p:notes>
+</file>
+
+<file path=ppt/notesSlides/notesSlide5.xml><?xml version="1.0" encoding="utf-8"?>
+<p:notes xmlns:a="http://schemas.openxmlformats.org/drawingml/2006/main" xmlns:r="http://schemas.openxmlformats.org/officeDocument/2006/relationships" xmlns:p="http://schemas.openxmlformats.org/presentationml/2006/main" showMasterSp="1" showMasterPhAnim="1">
+  <p:cSld>
+    <p:spTree>
+      <p:nvGrpSpPr>
+        <p:cNvPr id="1" name=""/>
+        <p:cNvGrpSpPr/>
+        <p:nvPr/>
+      </p:nvGrpSpPr>
+      <p:grpSpPr>
+        <a:xfrm>
+          <a:off x="0" y="0"/>
+          <a:ext cx="0" cy="0"/>
+          <a:chOff x="0" y="0"/>
+          <a:chExt cx="0" cy="0"/>
+        </a:xfrm>
+      </p:grpSpPr>
+      <p:sp>
+        <p:nvSpPr>
+          <p:cNvPr id="172" name="Shape 172"/>
+          <p:cNvSpPr/>
+          <p:nvPr>
+            <p:ph type="sldImg"/>
+          </p:nvPr>
+        </p:nvSpPr>
+        <p:spPr>
+          <a:prstGeom prst="rect">
+            <a:avLst/>
+          </a:prstGeom>
+        </p:spPr>
+        <p:txBody>
+          <a:bodyPr/>
+          <a:lstStyle/>
+          <a:p>
+            <a:pPr/>
+          </a:p>
+        </p:txBody>
+      </p:sp>
+      <p:sp>
+        <p:nvSpPr>
+          <p:cNvPr id="173" name="Shape 173"/>
+          <p:cNvSpPr/>
+          <p:nvPr>
+            <p:ph type="body" sz="quarter" idx="1"/>
+          </p:nvPr>
+        </p:nvSpPr>
+        <p:spPr>
+          <a:prstGeom prst="rect">
+            <a:avLst/>
+          </a:prstGeom>
+        </p:spPr>
+        <p:txBody>
+          <a:bodyPr/>
+          <a:lstStyle>
+            <a:lvl1pPr>
+              <a:defRPr sz="3000"/>
+            </a:lvl1pPr>
+          </a:lstStyle>
+          <a:p>
+            <a:pPr/>
+            <a:r>
+              <a:t>When we compare the two practices we can immediately see some key differences.</a:t>
+            </a:r>
+          </a:p>
+        </p:txBody>
+      </p:sp>
+    </p:spTree>
+  </p:cSld>
+  <p:clrMapOvr>
+    <a:masterClrMapping/>
+  </p:clrMapOvr>
+</p:notes>
+</file>
+
+<file path=ppt/notesSlides/notesSlide6.xml><?xml version="1.0" encoding="utf-8"?>
+<p:notes xmlns:a="http://schemas.openxmlformats.org/drawingml/2006/main" xmlns:r="http://schemas.openxmlformats.org/officeDocument/2006/relationships" xmlns:p="http://schemas.openxmlformats.org/presentationml/2006/main" showMasterSp="1" showMasterPhAnim="1">
+  <p:cSld>
+    <p:spTree>
+      <p:nvGrpSpPr>
+        <p:cNvPr id="1" name=""/>
+        <p:cNvGrpSpPr/>
+        <p:nvPr/>
+      </p:nvGrpSpPr>
+      <p:grpSpPr>
+        <a:xfrm>
+          <a:off x="0" y="0"/>
+          <a:ext cx="0" cy="0"/>
+          <a:chOff x="0" y="0"/>
+          <a:chExt cx="0" cy="0"/>
+        </a:xfrm>
+      </p:grpSpPr>
+      <p:sp>
+        <p:nvSpPr>
+          <p:cNvPr id="197" name="Shape 197"/>
+          <p:cNvSpPr/>
+          <p:nvPr>
+            <p:ph type="sldImg"/>
+          </p:nvPr>
+        </p:nvSpPr>
+        <p:spPr>
+          <a:prstGeom prst="rect">
+            <a:avLst/>
+          </a:prstGeom>
+        </p:spPr>
+        <p:txBody>
+          <a:bodyPr/>
+          <a:lstStyle/>
+          <a:p>
+            <a:pPr/>
+          </a:p>
+        </p:txBody>
+      </p:sp>
+      <p:sp>
+        <p:nvSpPr>
+          <p:cNvPr id="198" name="Shape 198"/>
+          <p:cNvSpPr/>
+          <p:nvPr>
+            <p:ph type="body" sz="quarter" idx="1"/>
+          </p:nvPr>
+        </p:nvSpPr>
+        <p:spPr>
+          <a:prstGeom prst="rect">
+            <a:avLst/>
+          </a:prstGeom>
+        </p:spPr>
+        <p:txBody>
+          <a:bodyPr/>
+          <a:lstStyle>
+            <a:lvl1pPr>
+              <a:defRPr sz="3000"/>
+            </a:lvl1pPr>
+          </a:lstStyle>
+          <a:p>
+            <a:pPr/>
+            <a:r>
+              <a:t>The tolerances of the practitioners are also very different. One playing a little fast and loose; exploring huge, incomplete, and messy data in an attempt to predict the future. And the other requiring much more rigor, reporting what is or has happened through relatively clean and complete datasets.</a:t>
+            </a:r>
+          </a:p>
+        </p:txBody>
+      </p:sp>
+    </p:spTree>
+  </p:cSld>
+  <p:clrMapOvr>
+    <a:masterClrMapping/>
+  </p:clrMapOvr>
+</p:notes>
+</file>
+
+<file path=ppt/notesSlides/notesSlide7.xml><?xml version="1.0" encoding="utf-8"?>
+<p:notes xmlns:a="http://schemas.openxmlformats.org/drawingml/2006/main" xmlns:r="http://schemas.openxmlformats.org/officeDocument/2006/relationships" xmlns:p="http://schemas.openxmlformats.org/presentationml/2006/main" showMasterSp="1" showMasterPhAnim="1">
+  <p:cSld>
+    <p:spTree>
+      <p:nvGrpSpPr>
+        <p:cNvPr id="1" name=""/>
+        <p:cNvGrpSpPr/>
+        <p:nvPr/>
+      </p:nvGrpSpPr>
+      <p:grpSpPr>
+        <a:xfrm>
+          <a:off x="0" y="0"/>
+          <a:ext cx="0" cy="0"/>
+          <a:chOff x="0" y="0"/>
+          <a:chExt cx="0" cy="0"/>
+        </a:xfrm>
+      </p:grpSpPr>
+      <p:sp>
+        <p:nvSpPr>
+          <p:cNvPr id="220" name="Shape 220"/>
+          <p:cNvSpPr/>
+          <p:nvPr>
+            <p:ph type="sldImg"/>
+          </p:nvPr>
+        </p:nvSpPr>
+        <p:spPr>
+          <a:prstGeom prst="rect">
+            <a:avLst/>
+          </a:prstGeom>
+        </p:spPr>
+        <p:txBody>
+          <a:bodyPr/>
+          <a:lstStyle/>
+          <a:p>
+            <a:pPr/>
+          </a:p>
+        </p:txBody>
+      </p:sp>
+      <p:sp>
+        <p:nvSpPr>
+          <p:cNvPr id="221" name="Shape 221"/>
+          <p:cNvSpPr/>
+          <p:nvPr>
+            <p:ph type="body" sz="quarter" idx="1"/>
+          </p:nvPr>
+        </p:nvSpPr>
+        <p:spPr>
+          <a:prstGeom prst="rect">
+            <a:avLst/>
+          </a:prstGeom>
+        </p:spPr>
+        <p:txBody>
+          <a:bodyPr/>
+          <a:lstStyle>
+            <a:lvl1pPr>
+              <a:defRPr sz="3000"/>
+            </a:lvl1pPr>
+          </a:lstStyle>
+          <a:p>
+            <a:pPr/>
+            <a:r>
+              <a:t>And now we get to the tools - as you can see the average data scientist has a huge arsenal at their disposal. Thats not to say that these tools couldn’t be used in everyday analysis, but lets be honest… we live and die by Excel and its relative languages.</a:t>
+            </a:r>
+          </a:p>
+        </p:txBody>
+      </p:sp>
+    </p:spTree>
+  </p:cSld>
+  <p:clrMapOvr>
+    <a:masterClrMapping/>
+  </p:clrMapOvr>
+</p:notes>
+</file>
+
+<file path=ppt/notesSlides/notesSlide8.xml><?xml version="1.0" encoding="utf-8"?>
+<p:notes xmlns:a="http://schemas.openxmlformats.org/drawingml/2006/main" xmlns:r="http://schemas.openxmlformats.org/officeDocument/2006/relationships" xmlns:p="http://schemas.openxmlformats.org/presentationml/2006/main" showMasterSp="1" showMasterPhAnim="1">
+  <p:cSld>
+    <p:spTree>
+      <p:nvGrpSpPr>
+        <p:cNvPr id="1" name=""/>
+        <p:cNvGrpSpPr/>
+        <p:nvPr/>
+      </p:nvGrpSpPr>
+      <p:grpSpPr>
+        <a:xfrm>
+          <a:off x="0" y="0"/>
+          <a:ext cx="0" cy="0"/>
+          <a:chOff x="0" y="0"/>
+          <a:chExt cx="0" cy="0"/>
+        </a:xfrm>
+      </p:grpSpPr>
+      <p:sp>
+        <p:nvSpPr>
+          <p:cNvPr id="226" name="Shape 226"/>
+          <p:cNvSpPr/>
+          <p:nvPr>
+            <p:ph type="sldImg"/>
+          </p:nvPr>
+        </p:nvSpPr>
+        <p:spPr>
+          <a:prstGeom prst="rect">
+            <a:avLst/>
+          </a:prstGeom>
+        </p:spPr>
+        <p:txBody>
+          <a:bodyPr/>
+          <a:lstStyle/>
+          <a:p>
+            <a:pPr/>
+          </a:p>
+        </p:txBody>
+      </p:sp>
+      <p:sp>
+        <p:nvSpPr>
+          <p:cNvPr id="227" name="Shape 227"/>
+          <p:cNvSpPr/>
+          <p:nvPr>
+            <p:ph type="body" sz="quarter" idx="1"/>
+          </p:nvPr>
+        </p:nvSpPr>
+        <p:spPr>
+          <a:prstGeom prst="rect">
+            <a:avLst/>
+          </a:prstGeom>
+        </p:spPr>
+        <p:txBody>
+          <a:bodyPr/>
+          <a:lstStyle>
+            <a:lvl1pPr>
+              <a:defRPr sz="3000"/>
+            </a:lvl1pPr>
+          </a:lstStyle>
+          <a:p>
+            <a:pPr/>
+            <a:r>
+              <a:t>So to bring this tangent to an end: there is some overlap between data science and analytics, but huge differences. Similar languages but for different purposes. Similar data sources but at different scale. Everyone uses Excel, but only one requires it. Today we are focusing on analytical tasks only; simplification, automation, visualization, etc.</a:t>
+            </a:r>
+          </a:p>
+        </p:txBody>
+      </p:sp>
+    </p:spTree>
+  </p:cSld>
+  <p:clrMapOvr>
+    <a:masterClrMapping/>
+  </p:clrMapOvr>
+</p:notes>
+</file>
+
+<file path=ppt/notesSlides/notesSlide9.xml><?xml version="1.0" encoding="utf-8"?>
+<p:notes xmlns:a="http://schemas.openxmlformats.org/drawingml/2006/main" xmlns:r="http://schemas.openxmlformats.org/officeDocument/2006/relationships" xmlns:p="http://schemas.openxmlformats.org/presentationml/2006/main" showMasterSp="1" showMasterPhAnim="1">
+  <p:cSld>
+    <p:spTree>
+      <p:nvGrpSpPr>
+        <p:cNvPr id="1" name=""/>
+        <p:cNvGrpSpPr/>
+        <p:nvPr/>
+      </p:nvGrpSpPr>
+      <p:grpSpPr>
+        <a:xfrm>
+          <a:off x="0" y="0"/>
+          <a:ext cx="0" cy="0"/>
+          <a:chOff x="0" y="0"/>
+          <a:chExt cx="0" cy="0"/>
+        </a:xfrm>
+      </p:grpSpPr>
+      <p:sp>
+        <p:nvSpPr>
+          <p:cNvPr id="238" name="Shape 238"/>
+          <p:cNvSpPr/>
+          <p:nvPr>
+            <p:ph type="sldImg"/>
+          </p:nvPr>
+        </p:nvSpPr>
+        <p:spPr>
+          <a:prstGeom prst="rect">
+            <a:avLst/>
+          </a:prstGeom>
+        </p:spPr>
+        <p:txBody>
+          <a:bodyPr/>
+          <a:lstStyle/>
+          <a:p>
+            <a:pPr/>
+          </a:p>
+        </p:txBody>
+      </p:sp>
+      <p:sp>
+        <p:nvSpPr>
+          <p:cNvPr id="239" name="Shape 239"/>
+          <p:cNvSpPr/>
+          <p:nvPr>
+            <p:ph type="body" sz="quarter" idx="1"/>
+          </p:nvPr>
+        </p:nvSpPr>
+        <p:spPr>
+          <a:prstGeom prst="rect">
+            <a:avLst/>
+          </a:prstGeom>
+        </p:spPr>
+        <p:txBody>
+          <a:bodyPr/>
+          <a:lstStyle/>
+          <a:p>
+            <a:pPr>
+              <a:defRPr sz="3000"/>
+            </a:pPr>
+            <a:r>
+              <a:t>Traditional software developers: building tools used by the business to analyze data.</a:t>
+            </a:r>
+          </a:p>
+          <a:p>
+            <a:pPr>
+              <a:defRPr sz="3000"/>
+            </a:pPr>
+            <a:r>
+              <a:t>Traditional research roles: drawing conclusions from analyzed data.</a:t>
+            </a:r>
+          </a:p>
+        </p:txBody>
+      </p:sp>
+    </p:spTree>
+  </p:cSld>
+  <p:clrMapOvr>
+    <a:masterClrMapping/>
+  </p:clrMapOvr>
+</p:notes>
+</file>
+
 <file path=ppt/slideLayouts/slideLayout1.xml><?xml version="1.0" encoding="utf-8"?>
-<p:sldLayout xmlns:a="http://schemas.openxmlformats.org/drawingml/2006/main" xmlns:r="http://schemas.openxmlformats.org/officeDocument/2006/relationships" xmlns:p="http://schemas.openxmlformats.org/presentationml/2006/main" type="title">
+<p:sldLayout xmlns:a="http://schemas.openxmlformats.org/drawingml/2006/main" xmlns:r="http://schemas.openxmlformats.org/officeDocument/2006/relationships" xmlns:p="http://schemas.openxmlformats.org/presentationml/2006/main" type="title" showMasterSp="1" showMasterPhAnim="1">
   <p:cSld name="Title &amp; Subtitle">
     <p:spTree>
       <p:nvGrpSpPr>
@@ -539,9 +1602,7 @@
       <p:sp>
         <p:nvSpPr>
           <p:cNvPr id="11" name="Shape 11"/>
-          <p:cNvSpPr>
-            <a:spLocks noGrp="1"/>
-          </p:cNvSpPr>
+          <p:cNvSpPr/>
           <p:nvPr>
             <p:ph type="title"/>
           </p:nvPr>
@@ -559,6 +1620,7 @@
           <a:bodyPr anchor="b"/>
           <a:lstStyle/>
           <a:p>
+            <a:pPr/>
             <a:r>
               <a:t>Title Text</a:t>
             </a:r>
@@ -568,9 +1630,7 @@
       <p:sp>
         <p:nvSpPr>
           <p:cNvPr id="12" name="Shape 12"/>
-          <p:cNvSpPr>
-            <a:spLocks noGrp="1"/>
-          </p:cNvSpPr>
+          <p:cNvSpPr/>
           <p:nvPr>
             <p:ph type="body" sz="quarter" idx="1"/>
           </p:nvPr>
@@ -624,6 +1684,7 @@
             </a:lvl5pPr>
           </a:lstStyle>
           <a:p>
+            <a:pPr/>
             <a:r>
               <a:t>Body Level One</a:t>
             </a:r>
@@ -657,9 +1718,7 @@
       <p:sp>
         <p:nvSpPr>
           <p:cNvPr id="13" name="Shape 13"/>
-          <p:cNvSpPr>
-            <a:spLocks noGrp="1"/>
-          </p:cNvSpPr>
+          <p:cNvSpPr/>
           <p:nvPr>
             <p:ph type="sldNum" sz="quarter" idx="2"/>
           </p:nvPr>
@@ -673,10 +1732,8 @@
           <a:bodyPr/>
           <a:lstStyle/>
           <a:p>
-            <a:fld id="{86CB4B4D-7CA3-9044-876B-883B54F8677D}" type="slidenum">
-              <a:t>‹#›</a:t>
-            </a:fld>
-            <a:endParaRPr/>
+            <a:pPr/>
+            <a:fld id="{86CB4B4D-7CA3-9044-876B-883B54F8677D}" type="slidenum"/>
           </a:p>
         </p:txBody>
       </p:sp>
@@ -685,12 +1742,12 @@
   <p:clrMapOvr>
     <a:masterClrMapping/>
   </p:clrMapOvr>
-  <p:transition spd="med"/>
+  <p:transition xmlns:p14="http://schemas.microsoft.com/office/powerpoint/2010/main" spd="med" advClick="1"/>
 </p:sldLayout>
 </file>
 
 <file path=ppt/slideLayouts/slideLayout10.xml><?xml version="1.0" encoding="utf-8"?>
-<p:sldLayout xmlns:a="http://schemas.openxmlformats.org/drawingml/2006/main" xmlns:r="http://schemas.openxmlformats.org/officeDocument/2006/relationships" xmlns:p="http://schemas.openxmlformats.org/presentationml/2006/main" type="tx">
+<p:sldLayout xmlns:a="http://schemas.openxmlformats.org/drawingml/2006/main" xmlns:r="http://schemas.openxmlformats.org/officeDocument/2006/relationships" xmlns:p="http://schemas.openxmlformats.org/presentationml/2006/main" type="tx" showMasterSp="1" showMasterPhAnim="1">
   <p:cSld name="Quote">
     <p:spTree>
       <p:nvGrpSpPr>
@@ -709,9 +1766,7 @@
       <p:sp>
         <p:nvSpPr>
           <p:cNvPr id="93" name="Shape 93"/>
-          <p:cNvSpPr>
-            <a:spLocks noGrp="1"/>
-          </p:cNvSpPr>
+          <p:cNvSpPr/>
           <p:nvPr>
             <p:ph type="body" sz="quarter" idx="13"/>
           </p:nvPr>
@@ -740,6 +1795,7 @@
             </a:lvl1pPr>
           </a:lstStyle>
           <a:p>
+            <a:pPr/>
             <a:r>
               <a:t>–Johnny Appleseed</a:t>
             </a:r>
@@ -749,9 +1805,7 @@
       <p:sp>
         <p:nvSpPr>
           <p:cNvPr id="94" name="Shape 94"/>
-          <p:cNvSpPr>
-            <a:spLocks noGrp="1"/>
-          </p:cNvSpPr>
+          <p:cNvSpPr/>
           <p:nvPr>
             <p:ph type="body" sz="quarter" idx="14"/>
           </p:nvPr>
@@ -779,6 +1833,7 @@
             </a:lvl1pPr>
           </a:lstStyle>
           <a:p>
+            <a:pPr/>
             <a:r>
               <a:t>“Type a quote here.”</a:t>
             </a:r>
@@ -788,9 +1843,7 @@
       <p:sp>
         <p:nvSpPr>
           <p:cNvPr id="95" name="Shape 95"/>
-          <p:cNvSpPr>
-            <a:spLocks noGrp="1"/>
-          </p:cNvSpPr>
+          <p:cNvSpPr/>
           <p:nvPr>
             <p:ph type="sldNum" sz="quarter" idx="2"/>
           </p:nvPr>
@@ -804,10 +1857,8 @@
           <a:bodyPr/>
           <a:lstStyle/>
           <a:p>
-            <a:fld id="{86CB4B4D-7CA3-9044-876B-883B54F8677D}" type="slidenum">
-              <a:t>‹#›</a:t>
-            </a:fld>
-            <a:endParaRPr/>
+            <a:pPr/>
+            <a:fld id="{86CB4B4D-7CA3-9044-876B-883B54F8677D}" type="slidenum"/>
           </a:p>
         </p:txBody>
       </p:sp>
@@ -816,12 +1867,12 @@
   <p:clrMapOvr>
     <a:masterClrMapping/>
   </p:clrMapOvr>
-  <p:transition spd="med"/>
+  <p:transition xmlns:p14="http://schemas.microsoft.com/office/powerpoint/2010/main" spd="med" advClick="1"/>
 </p:sldLayout>
 </file>
 
 <file path=ppt/slideLayouts/slideLayout11.xml><?xml version="1.0" encoding="utf-8"?>
-<p:sldLayout xmlns:a="http://schemas.openxmlformats.org/drawingml/2006/main" xmlns:r="http://schemas.openxmlformats.org/officeDocument/2006/relationships" xmlns:p="http://schemas.openxmlformats.org/presentationml/2006/main" type="tx">
+<p:sldLayout xmlns:a="http://schemas.openxmlformats.org/drawingml/2006/main" xmlns:r="http://schemas.openxmlformats.org/officeDocument/2006/relationships" xmlns:p="http://schemas.openxmlformats.org/presentationml/2006/main" type="tx" showMasterSp="1" showMasterPhAnim="1">
   <p:cSld name="Photo">
     <p:spTree>
       <p:nvGrpSpPr>
@@ -840,9 +1891,7 @@
       <p:sp>
         <p:nvSpPr>
           <p:cNvPr id="102" name="Shape 102"/>
-          <p:cNvSpPr>
-            <a:spLocks noGrp="1"/>
-          </p:cNvSpPr>
+          <p:cNvSpPr/>
           <p:nvPr>
             <p:ph type="pic" idx="13"/>
           </p:nvPr>
@@ -862,16 +1911,14 @@
           </a:bodyPr>
           <a:lstStyle/>
           <a:p>
-            <a:endParaRPr/>
+            <a:pPr/>
           </a:p>
         </p:txBody>
       </p:sp>
       <p:sp>
         <p:nvSpPr>
           <p:cNvPr id="103" name="Shape 103"/>
-          <p:cNvSpPr>
-            <a:spLocks noGrp="1"/>
-          </p:cNvSpPr>
+          <p:cNvSpPr/>
           <p:nvPr>
             <p:ph type="sldNum" sz="quarter" idx="2"/>
           </p:nvPr>
@@ -885,10 +1932,8 @@
           <a:bodyPr/>
           <a:lstStyle/>
           <a:p>
-            <a:fld id="{86CB4B4D-7CA3-9044-876B-883B54F8677D}" type="slidenum">
-              <a:t>‹#›</a:t>
-            </a:fld>
-            <a:endParaRPr/>
+            <a:pPr/>
+            <a:fld id="{86CB4B4D-7CA3-9044-876B-883B54F8677D}" type="slidenum"/>
           </a:p>
         </p:txBody>
       </p:sp>
@@ -897,12 +1942,12 @@
   <p:clrMapOvr>
     <a:masterClrMapping/>
   </p:clrMapOvr>
-  <p:transition spd="med"/>
+  <p:transition xmlns:p14="http://schemas.microsoft.com/office/powerpoint/2010/main" spd="med" advClick="1"/>
 </p:sldLayout>
 </file>
 
 <file path=ppt/slideLayouts/slideLayout12.xml><?xml version="1.0" encoding="utf-8"?>
-<p:sldLayout xmlns:a="http://schemas.openxmlformats.org/drawingml/2006/main" xmlns:r="http://schemas.openxmlformats.org/officeDocument/2006/relationships" xmlns:p="http://schemas.openxmlformats.org/presentationml/2006/main" type="tx">
+<p:sldLayout xmlns:a="http://schemas.openxmlformats.org/drawingml/2006/main" xmlns:r="http://schemas.openxmlformats.org/officeDocument/2006/relationships" xmlns:p="http://schemas.openxmlformats.org/presentationml/2006/main" type="tx" showMasterSp="1" showMasterPhAnim="1">
   <p:cSld name="Blank">
     <p:spTree>
       <p:nvGrpSpPr>
@@ -921,9 +1966,7 @@
       <p:sp>
         <p:nvSpPr>
           <p:cNvPr id="110" name="Shape 110"/>
-          <p:cNvSpPr>
-            <a:spLocks noGrp="1"/>
-          </p:cNvSpPr>
+          <p:cNvSpPr/>
           <p:nvPr>
             <p:ph type="sldNum" sz="quarter" idx="2"/>
           </p:nvPr>
@@ -937,10 +1980,8 @@
           <a:bodyPr/>
           <a:lstStyle/>
           <a:p>
-            <a:fld id="{86CB4B4D-7CA3-9044-876B-883B54F8677D}" type="slidenum">
-              <a:t>‹#›</a:t>
-            </a:fld>
-            <a:endParaRPr/>
+            <a:pPr/>
+            <a:fld id="{86CB4B4D-7CA3-9044-876B-883B54F8677D}" type="slidenum"/>
           </a:p>
         </p:txBody>
       </p:sp>
@@ -949,12 +1990,12 @@
   <p:clrMapOvr>
     <a:masterClrMapping/>
   </p:clrMapOvr>
-  <p:transition spd="med"/>
+  <p:transition xmlns:p14="http://schemas.microsoft.com/office/powerpoint/2010/main" spd="med" advClick="1"/>
 </p:sldLayout>
 </file>
 
 <file path=ppt/slideLayouts/slideLayout2.xml><?xml version="1.0" encoding="utf-8"?>
-<p:sldLayout xmlns:a="http://schemas.openxmlformats.org/drawingml/2006/main" xmlns:r="http://schemas.openxmlformats.org/officeDocument/2006/relationships" xmlns:p="http://schemas.openxmlformats.org/presentationml/2006/main" type="tx">
+<p:sldLayout xmlns:a="http://schemas.openxmlformats.org/drawingml/2006/main" xmlns:r="http://schemas.openxmlformats.org/officeDocument/2006/relationships" xmlns:p="http://schemas.openxmlformats.org/presentationml/2006/main" type="tx" showMasterSp="1" showMasterPhAnim="1">
   <p:cSld name="Photo - Horizontal">
     <p:spTree>
       <p:nvGrpSpPr>
@@ -973,9 +2014,7 @@
       <p:sp>
         <p:nvSpPr>
           <p:cNvPr id="20" name="Shape 20"/>
-          <p:cNvSpPr>
-            <a:spLocks noGrp="1"/>
-          </p:cNvSpPr>
+          <p:cNvSpPr/>
           <p:nvPr>
             <p:ph type="pic" idx="13"/>
           </p:nvPr>
@@ -995,16 +2034,14 @@
           </a:bodyPr>
           <a:lstStyle/>
           <a:p>
-            <a:endParaRPr/>
+            <a:pPr/>
           </a:p>
         </p:txBody>
       </p:sp>
       <p:sp>
         <p:nvSpPr>
           <p:cNvPr id="21" name="Shape 21"/>
-          <p:cNvSpPr>
-            <a:spLocks noGrp="1"/>
-          </p:cNvSpPr>
+          <p:cNvSpPr/>
           <p:nvPr>
             <p:ph type="title"/>
           </p:nvPr>
@@ -1022,6 +2059,7 @@
           <a:bodyPr/>
           <a:lstStyle/>
           <a:p>
+            <a:pPr/>
             <a:r>
               <a:t>Title Text</a:t>
             </a:r>
@@ -1031,9 +2069,7 @@
       <p:sp>
         <p:nvSpPr>
           <p:cNvPr id="22" name="Shape 22"/>
-          <p:cNvSpPr>
-            <a:spLocks noGrp="1"/>
-          </p:cNvSpPr>
+          <p:cNvSpPr/>
           <p:nvPr>
             <p:ph type="body" sz="quarter" idx="1"/>
           </p:nvPr>
@@ -1087,6 +2123,7 @@
             </a:lvl5pPr>
           </a:lstStyle>
           <a:p>
+            <a:pPr/>
             <a:r>
               <a:t>Body Level One</a:t>
             </a:r>
@@ -1120,9 +2157,7 @@
       <p:sp>
         <p:nvSpPr>
           <p:cNvPr id="23" name="Shape 23"/>
-          <p:cNvSpPr>
-            <a:spLocks noGrp="1"/>
-          </p:cNvSpPr>
+          <p:cNvSpPr/>
           <p:nvPr>
             <p:ph type="sldNum" sz="quarter" idx="2"/>
           </p:nvPr>
@@ -1136,10 +2171,8 @@
           <a:bodyPr/>
           <a:lstStyle/>
           <a:p>
-            <a:fld id="{86CB4B4D-7CA3-9044-876B-883B54F8677D}" type="slidenum">
-              <a:t>‹#›</a:t>
-            </a:fld>
-            <a:endParaRPr/>
+            <a:pPr/>
+            <a:fld id="{86CB4B4D-7CA3-9044-876B-883B54F8677D}" type="slidenum"/>
           </a:p>
         </p:txBody>
       </p:sp>
@@ -1148,12 +2181,12 @@
   <p:clrMapOvr>
     <a:masterClrMapping/>
   </p:clrMapOvr>
-  <p:transition spd="med"/>
+  <p:transition xmlns:p14="http://schemas.microsoft.com/office/powerpoint/2010/main" spd="med" advClick="1"/>
 </p:sldLayout>
 </file>
 
 <file path=ppt/slideLayouts/slideLayout3.xml><?xml version="1.0" encoding="utf-8"?>
-<p:sldLayout xmlns:a="http://schemas.openxmlformats.org/drawingml/2006/main" xmlns:r="http://schemas.openxmlformats.org/officeDocument/2006/relationships" xmlns:p="http://schemas.openxmlformats.org/presentationml/2006/main" type="tx">
+<p:sldLayout xmlns:a="http://schemas.openxmlformats.org/drawingml/2006/main" xmlns:r="http://schemas.openxmlformats.org/officeDocument/2006/relationships" xmlns:p="http://schemas.openxmlformats.org/presentationml/2006/main" type="tx" showMasterSp="1" showMasterPhAnim="1">
   <p:cSld name="Title - Center">
     <p:spTree>
       <p:nvGrpSpPr>
@@ -1172,9 +2205,7 @@
       <p:sp>
         <p:nvSpPr>
           <p:cNvPr id="30" name="Shape 30"/>
-          <p:cNvSpPr>
-            <a:spLocks noGrp="1"/>
-          </p:cNvSpPr>
+          <p:cNvSpPr/>
           <p:nvPr>
             <p:ph type="title"/>
           </p:nvPr>
@@ -1192,6 +2223,7 @@
           <a:bodyPr/>
           <a:lstStyle/>
           <a:p>
+            <a:pPr/>
             <a:r>
               <a:t>Title Text</a:t>
             </a:r>
@@ -1201,9 +2233,7 @@
       <p:sp>
         <p:nvSpPr>
           <p:cNvPr id="31" name="Shape 31"/>
-          <p:cNvSpPr>
-            <a:spLocks noGrp="1"/>
-          </p:cNvSpPr>
+          <p:cNvSpPr/>
           <p:nvPr>
             <p:ph type="sldNum" sz="quarter" idx="2"/>
           </p:nvPr>
@@ -1217,10 +2247,8 @@
           <a:bodyPr/>
           <a:lstStyle/>
           <a:p>
-            <a:fld id="{86CB4B4D-7CA3-9044-876B-883B54F8677D}" type="slidenum">
-              <a:t>‹#›</a:t>
-            </a:fld>
-            <a:endParaRPr/>
+            <a:pPr/>
+            <a:fld id="{86CB4B4D-7CA3-9044-876B-883B54F8677D}" type="slidenum"/>
           </a:p>
         </p:txBody>
       </p:sp>
@@ -1229,12 +2257,12 @@
   <p:clrMapOvr>
     <a:masterClrMapping/>
   </p:clrMapOvr>
-  <p:transition spd="med"/>
+  <p:transition xmlns:p14="http://schemas.microsoft.com/office/powerpoint/2010/main" spd="med" advClick="1"/>
 </p:sldLayout>
 </file>
 
 <file path=ppt/slideLayouts/slideLayout4.xml><?xml version="1.0" encoding="utf-8"?>
-<p:sldLayout xmlns:a="http://schemas.openxmlformats.org/drawingml/2006/main" xmlns:r="http://schemas.openxmlformats.org/officeDocument/2006/relationships" xmlns:p="http://schemas.openxmlformats.org/presentationml/2006/main" type="tx">
+<p:sldLayout xmlns:a="http://schemas.openxmlformats.org/drawingml/2006/main" xmlns:r="http://schemas.openxmlformats.org/officeDocument/2006/relationships" xmlns:p="http://schemas.openxmlformats.org/presentationml/2006/main" type="tx" showMasterSp="1" showMasterPhAnim="1">
   <p:cSld name="Photo - Vertical">
     <p:spTree>
       <p:nvGrpSpPr>
@@ -1253,9 +2281,7 @@
       <p:sp>
         <p:nvSpPr>
           <p:cNvPr id="38" name="Shape 38"/>
-          <p:cNvSpPr>
-            <a:spLocks noGrp="1"/>
-          </p:cNvSpPr>
+          <p:cNvSpPr/>
           <p:nvPr>
             <p:ph type="pic" sz="half" idx="13"/>
           </p:nvPr>
@@ -1275,16 +2301,14 @@
           </a:bodyPr>
           <a:lstStyle/>
           <a:p>
-            <a:endParaRPr/>
+            <a:pPr/>
           </a:p>
         </p:txBody>
       </p:sp>
       <p:sp>
         <p:nvSpPr>
           <p:cNvPr id="39" name="Shape 39"/>
-          <p:cNvSpPr>
-            <a:spLocks noGrp="1"/>
-          </p:cNvSpPr>
+          <p:cNvSpPr/>
           <p:nvPr>
             <p:ph type="title"/>
           </p:nvPr>
@@ -1302,6 +2326,7 @@
           <a:bodyPr anchor="b"/>
           <a:lstStyle/>
           <a:p>
+            <a:pPr/>
             <a:r>
               <a:t>Title Text</a:t>
             </a:r>
@@ -1311,9 +2336,7 @@
       <p:sp>
         <p:nvSpPr>
           <p:cNvPr id="40" name="Shape 40"/>
-          <p:cNvSpPr>
-            <a:spLocks noGrp="1"/>
-          </p:cNvSpPr>
+          <p:cNvSpPr/>
           <p:nvPr>
             <p:ph type="body" sz="quarter" idx="1"/>
           </p:nvPr>
@@ -1367,6 +2390,7 @@
             </a:lvl5pPr>
           </a:lstStyle>
           <a:p>
+            <a:pPr/>
             <a:r>
               <a:t>Body Level One</a:t>
             </a:r>
@@ -1400,9 +2424,7 @@
       <p:sp>
         <p:nvSpPr>
           <p:cNvPr id="41" name="Shape 41"/>
-          <p:cNvSpPr>
-            <a:spLocks noGrp="1"/>
-          </p:cNvSpPr>
+          <p:cNvSpPr/>
           <p:nvPr>
             <p:ph type="sldNum" sz="quarter" idx="2"/>
           </p:nvPr>
@@ -1416,10 +2438,8 @@
           <a:bodyPr/>
           <a:lstStyle/>
           <a:p>
-            <a:fld id="{86CB4B4D-7CA3-9044-876B-883B54F8677D}" type="slidenum">
-              <a:t>‹#›</a:t>
-            </a:fld>
-            <a:endParaRPr/>
+            <a:pPr/>
+            <a:fld id="{86CB4B4D-7CA3-9044-876B-883B54F8677D}" type="slidenum"/>
           </a:p>
         </p:txBody>
       </p:sp>
@@ -1428,12 +2448,12 @@
   <p:clrMapOvr>
     <a:masterClrMapping/>
   </p:clrMapOvr>
-  <p:transition spd="med"/>
+  <p:transition xmlns:p14="http://schemas.microsoft.com/office/powerpoint/2010/main" spd="med" advClick="1"/>
 </p:sldLayout>
 </file>
 
 <file path=ppt/slideLayouts/slideLayout5.xml><?xml version="1.0" encoding="utf-8"?>
-<p:sldLayout xmlns:a="http://schemas.openxmlformats.org/drawingml/2006/main" xmlns:r="http://schemas.openxmlformats.org/officeDocument/2006/relationships" xmlns:p="http://schemas.openxmlformats.org/presentationml/2006/main" type="tx">
+<p:sldLayout xmlns:a="http://schemas.openxmlformats.org/drawingml/2006/main" xmlns:r="http://schemas.openxmlformats.org/officeDocument/2006/relationships" xmlns:p="http://schemas.openxmlformats.org/presentationml/2006/main" type="tx" showMasterSp="1" showMasterPhAnim="1">
   <p:cSld name="Title - Top">
     <p:spTree>
       <p:nvGrpSpPr>
@@ -1452,9 +2472,7 @@
       <p:sp>
         <p:nvSpPr>
           <p:cNvPr id="48" name="Shape 48"/>
-          <p:cNvSpPr>
-            <a:spLocks noGrp="1"/>
-          </p:cNvSpPr>
+          <p:cNvSpPr/>
           <p:nvPr>
             <p:ph type="title"/>
           </p:nvPr>
@@ -1468,6 +2486,7 @@
           <a:bodyPr/>
           <a:lstStyle/>
           <a:p>
+            <a:pPr/>
             <a:r>
               <a:t>Title Text</a:t>
             </a:r>
@@ -1477,9 +2496,7 @@
       <p:sp>
         <p:nvSpPr>
           <p:cNvPr id="49" name="Shape 49"/>
-          <p:cNvSpPr>
-            <a:spLocks noGrp="1"/>
-          </p:cNvSpPr>
+          <p:cNvSpPr/>
           <p:nvPr>
             <p:ph type="sldNum" sz="quarter" idx="2"/>
           </p:nvPr>
@@ -1493,10 +2510,8 @@
           <a:bodyPr/>
           <a:lstStyle/>
           <a:p>
-            <a:fld id="{86CB4B4D-7CA3-9044-876B-883B54F8677D}" type="slidenum">
-              <a:t>‹#›</a:t>
-            </a:fld>
-            <a:endParaRPr/>
+            <a:pPr/>
+            <a:fld id="{86CB4B4D-7CA3-9044-876B-883B54F8677D}" type="slidenum"/>
           </a:p>
         </p:txBody>
       </p:sp>
@@ -1505,12 +2520,12 @@
   <p:clrMapOvr>
     <a:masterClrMapping/>
   </p:clrMapOvr>
-  <p:transition spd="med"/>
+  <p:transition xmlns:p14="http://schemas.microsoft.com/office/powerpoint/2010/main" spd="med" advClick="1"/>
 </p:sldLayout>
 </file>
 
 <file path=ppt/slideLayouts/slideLayout6.xml><?xml version="1.0" encoding="utf-8"?>
-<p:sldLayout xmlns:a="http://schemas.openxmlformats.org/drawingml/2006/main" xmlns:r="http://schemas.openxmlformats.org/officeDocument/2006/relationships" xmlns:p="http://schemas.openxmlformats.org/presentationml/2006/main" type="tx">
+<p:sldLayout xmlns:a="http://schemas.openxmlformats.org/drawingml/2006/main" xmlns:r="http://schemas.openxmlformats.org/officeDocument/2006/relationships" xmlns:p="http://schemas.openxmlformats.org/presentationml/2006/main" type="tx" showMasterSp="1" showMasterPhAnim="1">
   <p:cSld name="Title &amp; Bullets">
     <p:spTree>
       <p:nvGrpSpPr>
@@ -1529,9 +2544,7 @@
       <p:sp>
         <p:nvSpPr>
           <p:cNvPr id="56" name="Shape 56"/>
-          <p:cNvSpPr>
-            <a:spLocks noGrp="1"/>
-          </p:cNvSpPr>
+          <p:cNvSpPr/>
           <p:nvPr>
             <p:ph type="title"/>
           </p:nvPr>
@@ -1545,6 +2558,7 @@
           <a:bodyPr/>
           <a:lstStyle/>
           <a:p>
+            <a:pPr/>
             <a:r>
               <a:t>Title Text</a:t>
             </a:r>
@@ -1554,9 +2568,7 @@
       <p:sp>
         <p:nvSpPr>
           <p:cNvPr id="57" name="Shape 57"/>
-          <p:cNvSpPr>
-            <a:spLocks noGrp="1"/>
-          </p:cNvSpPr>
+          <p:cNvSpPr/>
           <p:nvPr>
             <p:ph type="body" idx="1"/>
           </p:nvPr>
@@ -1616,6 +2628,7 @@
             </a:lvl5pPr>
           </a:lstStyle>
           <a:p>
+            <a:pPr/>
             <a:r>
               <a:t>Body Level One</a:t>
             </a:r>
@@ -1649,9 +2662,7 @@
       <p:sp>
         <p:nvSpPr>
           <p:cNvPr id="58" name="Shape 58"/>
-          <p:cNvSpPr>
-            <a:spLocks noGrp="1"/>
-          </p:cNvSpPr>
+          <p:cNvSpPr/>
           <p:nvPr>
             <p:ph type="sldNum" sz="quarter" idx="2"/>
           </p:nvPr>
@@ -1665,10 +2676,8 @@
           <a:bodyPr/>
           <a:lstStyle/>
           <a:p>
-            <a:fld id="{86CB4B4D-7CA3-9044-876B-883B54F8677D}" type="slidenum">
-              <a:t>‹#›</a:t>
-            </a:fld>
-            <a:endParaRPr/>
+            <a:pPr/>
+            <a:fld id="{86CB4B4D-7CA3-9044-876B-883B54F8677D}" type="slidenum"/>
           </a:p>
         </p:txBody>
       </p:sp>
@@ -1677,12 +2686,12 @@
   <p:clrMapOvr>
     <a:masterClrMapping/>
   </p:clrMapOvr>
-  <p:transition spd="med"/>
+  <p:transition xmlns:p14="http://schemas.microsoft.com/office/powerpoint/2010/main" spd="med" advClick="1"/>
 </p:sldLayout>
 </file>
 
 <file path=ppt/slideLayouts/slideLayout7.xml><?xml version="1.0" encoding="utf-8"?>
-<p:sldLayout xmlns:a="http://schemas.openxmlformats.org/drawingml/2006/main" xmlns:r="http://schemas.openxmlformats.org/officeDocument/2006/relationships" xmlns:p="http://schemas.openxmlformats.org/presentationml/2006/main" type="tx">
+<p:sldLayout xmlns:a="http://schemas.openxmlformats.org/drawingml/2006/main" xmlns:r="http://schemas.openxmlformats.org/officeDocument/2006/relationships" xmlns:p="http://schemas.openxmlformats.org/presentationml/2006/main" type="tx" showMasterSp="1" showMasterPhAnim="1">
   <p:cSld name="Title, Bullets &amp; Photo">
     <p:spTree>
       <p:nvGrpSpPr>
@@ -1701,9 +2710,7 @@
       <p:sp>
         <p:nvSpPr>
           <p:cNvPr id="65" name="Shape 65"/>
-          <p:cNvSpPr>
-            <a:spLocks noGrp="1"/>
-          </p:cNvSpPr>
+          <p:cNvSpPr/>
           <p:nvPr>
             <p:ph type="pic" sz="half" idx="13"/>
           </p:nvPr>
@@ -1723,16 +2730,14 @@
           </a:bodyPr>
           <a:lstStyle/>
           <a:p>
-            <a:endParaRPr/>
+            <a:pPr/>
           </a:p>
         </p:txBody>
       </p:sp>
       <p:sp>
         <p:nvSpPr>
           <p:cNvPr id="66" name="Shape 66"/>
-          <p:cNvSpPr>
-            <a:spLocks noGrp="1"/>
-          </p:cNvSpPr>
+          <p:cNvSpPr/>
           <p:nvPr>
             <p:ph type="title"/>
           </p:nvPr>
@@ -1746,6 +2751,7 @@
           <a:bodyPr/>
           <a:lstStyle/>
           <a:p>
+            <a:pPr/>
             <a:r>
               <a:t>Title Text</a:t>
             </a:r>
@@ -1755,9 +2761,7 @@
       <p:sp>
         <p:nvSpPr>
           <p:cNvPr id="67" name="Shape 67"/>
-          <p:cNvSpPr>
-            <a:spLocks noGrp="1"/>
-          </p:cNvSpPr>
+          <p:cNvSpPr/>
           <p:nvPr>
             <p:ph type="body" sz="half" idx="1"/>
           </p:nvPr>
@@ -1775,6 +2779,7 @@
           <a:bodyPr/>
           <a:lstStyle/>
           <a:p>
+            <a:pPr/>
             <a:r>
               <a:t>Body Level One</a:t>
             </a:r>
@@ -1808,9 +2813,7 @@
       <p:sp>
         <p:nvSpPr>
           <p:cNvPr id="68" name="Shape 68"/>
-          <p:cNvSpPr>
-            <a:spLocks noGrp="1"/>
-          </p:cNvSpPr>
+          <p:cNvSpPr/>
           <p:nvPr>
             <p:ph type="sldNum" sz="quarter" idx="2"/>
           </p:nvPr>
@@ -1824,10 +2827,8 @@
           <a:bodyPr/>
           <a:lstStyle/>
           <a:p>
-            <a:fld id="{86CB4B4D-7CA3-9044-876B-883B54F8677D}" type="slidenum">
-              <a:t>‹#›</a:t>
-            </a:fld>
-            <a:endParaRPr/>
+            <a:pPr/>
+            <a:fld id="{86CB4B4D-7CA3-9044-876B-883B54F8677D}" type="slidenum"/>
           </a:p>
         </p:txBody>
       </p:sp>
@@ -1836,12 +2837,12 @@
   <p:clrMapOvr>
     <a:masterClrMapping/>
   </p:clrMapOvr>
-  <p:transition spd="med"/>
+  <p:transition xmlns:p14="http://schemas.microsoft.com/office/powerpoint/2010/main" spd="med" advClick="1"/>
 </p:sldLayout>
 </file>
 
 <file path=ppt/slideLayouts/slideLayout8.xml><?xml version="1.0" encoding="utf-8"?>
-<p:sldLayout xmlns:a="http://schemas.openxmlformats.org/drawingml/2006/main" xmlns:r="http://schemas.openxmlformats.org/officeDocument/2006/relationships" xmlns:p="http://schemas.openxmlformats.org/presentationml/2006/main" type="tx">
+<p:sldLayout xmlns:a="http://schemas.openxmlformats.org/drawingml/2006/main" xmlns:r="http://schemas.openxmlformats.org/officeDocument/2006/relationships" xmlns:p="http://schemas.openxmlformats.org/presentationml/2006/main" type="tx" showMasterSp="1" showMasterPhAnim="1">
   <p:cSld name="Bullets">
     <p:spTree>
       <p:nvGrpSpPr>
@@ -1860,9 +2861,7 @@
       <p:sp>
         <p:nvSpPr>
           <p:cNvPr id="75" name="Shape 75"/>
-          <p:cNvSpPr>
-            <a:spLocks noGrp="1"/>
-          </p:cNvSpPr>
+          <p:cNvSpPr/>
           <p:nvPr>
             <p:ph type="body" idx="1"/>
           </p:nvPr>
@@ -1926,6 +2925,7 @@
             </a:lvl5pPr>
           </a:lstStyle>
           <a:p>
+            <a:pPr/>
             <a:r>
               <a:t>Body Level One</a:t>
             </a:r>
@@ -1959,9 +2959,7 @@
       <p:sp>
         <p:nvSpPr>
           <p:cNvPr id="76" name="Shape 76"/>
-          <p:cNvSpPr>
-            <a:spLocks noGrp="1"/>
-          </p:cNvSpPr>
+          <p:cNvSpPr/>
           <p:nvPr>
             <p:ph type="sldNum" sz="quarter" idx="2"/>
           </p:nvPr>
@@ -1975,10 +2973,8 @@
           <a:bodyPr/>
           <a:lstStyle/>
           <a:p>
-            <a:fld id="{86CB4B4D-7CA3-9044-876B-883B54F8677D}" type="slidenum">
-              <a:t>‹#›</a:t>
-            </a:fld>
-            <a:endParaRPr/>
+            <a:pPr/>
+            <a:fld id="{86CB4B4D-7CA3-9044-876B-883B54F8677D}" type="slidenum"/>
           </a:p>
         </p:txBody>
       </p:sp>
@@ -1987,12 +2983,12 @@
   <p:clrMapOvr>
     <a:masterClrMapping/>
   </p:clrMapOvr>
-  <p:transition spd="med"/>
+  <p:transition xmlns:p14="http://schemas.microsoft.com/office/powerpoint/2010/main" spd="med" advClick="1"/>
 </p:sldLayout>
 </file>
 
 <file path=ppt/slideLayouts/slideLayout9.xml><?xml version="1.0" encoding="utf-8"?>
-<p:sldLayout xmlns:a="http://schemas.openxmlformats.org/drawingml/2006/main" xmlns:r="http://schemas.openxmlformats.org/officeDocument/2006/relationships" xmlns:p="http://schemas.openxmlformats.org/presentationml/2006/main" type="tx">
+<p:sldLayout xmlns:a="http://schemas.openxmlformats.org/drawingml/2006/main" xmlns:r="http://schemas.openxmlformats.org/officeDocument/2006/relationships" xmlns:p="http://schemas.openxmlformats.org/presentationml/2006/main" type="tx" showMasterSp="1" showMasterPhAnim="1">
   <p:cSld name="Photo - 3 Up">
     <p:spTree>
       <p:nvGrpSpPr>
@@ -2011,9 +3007,7 @@
       <p:sp>
         <p:nvSpPr>
           <p:cNvPr id="83" name="Shape 83"/>
-          <p:cNvSpPr>
-            <a:spLocks noGrp="1"/>
-          </p:cNvSpPr>
+          <p:cNvSpPr/>
           <p:nvPr>
             <p:ph type="pic" sz="quarter" idx="13"/>
           </p:nvPr>
@@ -2033,16 +3027,14 @@
           </a:bodyPr>
           <a:lstStyle/>
           <a:p>
-            <a:endParaRPr/>
+            <a:pPr/>
           </a:p>
         </p:txBody>
       </p:sp>
       <p:sp>
         <p:nvSpPr>
           <p:cNvPr id="84" name="Shape 84"/>
-          <p:cNvSpPr>
-            <a:spLocks noGrp="1"/>
-          </p:cNvSpPr>
+          <p:cNvSpPr/>
           <p:nvPr>
             <p:ph type="pic" sz="quarter" idx="14"/>
           </p:nvPr>
@@ -2062,16 +3054,14 @@
           </a:bodyPr>
           <a:lstStyle/>
           <a:p>
-            <a:endParaRPr/>
+            <a:pPr/>
           </a:p>
         </p:txBody>
       </p:sp>
       <p:sp>
         <p:nvSpPr>
           <p:cNvPr id="85" name="Shape 85"/>
-          <p:cNvSpPr>
-            <a:spLocks noGrp="1"/>
-          </p:cNvSpPr>
+          <p:cNvSpPr/>
           <p:nvPr>
             <p:ph type="pic" idx="15"/>
           </p:nvPr>
@@ -2091,16 +3081,14 @@
           </a:bodyPr>
           <a:lstStyle/>
           <a:p>
-            <a:endParaRPr/>
+            <a:pPr/>
           </a:p>
         </p:txBody>
       </p:sp>
       <p:sp>
         <p:nvSpPr>
           <p:cNvPr id="86" name="Shape 86"/>
-          <p:cNvSpPr>
-            <a:spLocks noGrp="1"/>
-          </p:cNvSpPr>
+          <p:cNvSpPr/>
           <p:nvPr>
             <p:ph type="sldNum" sz="quarter" idx="2"/>
           </p:nvPr>
@@ -2114,10 +3102,8 @@
           <a:bodyPr/>
           <a:lstStyle/>
           <a:p>
-            <a:fld id="{86CB4B4D-7CA3-9044-876B-883B54F8677D}" type="slidenum">
-              <a:t>‹#›</a:t>
-            </a:fld>
-            <a:endParaRPr/>
+            <a:pPr/>
+            <a:fld id="{86CB4B4D-7CA3-9044-876B-883B54F8677D}" type="slidenum"/>
           </a:p>
         </p:txBody>
       </p:sp>
@@ -2126,7 +3112,7 @@
   <p:clrMapOvr>
     <a:masterClrMapping/>
   </p:clrMapOvr>
-  <p:transition spd="med"/>
+  <p:transition xmlns:p14="http://schemas.microsoft.com/office/powerpoint/2010/main" spd="med" advClick="1"/>
 </p:sldLayout>
 </file>
 
@@ -2136,13 +3122,12 @@
     <p:bg>
       <p:bgPr>
         <a:blipFill rotWithShape="1">
-          <a:blip r:embed="rId14"/>
-          <a:srcRect/>
+          <a:blip r:embed="rId2"/>
+          <a:srcRect l="0" t="0" r="0" b="0"/>
           <a:stretch>
             <a:fillRect/>
           </a:stretch>
         </a:blipFill>
-        <a:effectLst/>
       </p:bgPr>
     </p:bg>
     <p:spTree>
@@ -2162,9 +3147,7 @@
       <p:sp>
         <p:nvSpPr>
           <p:cNvPr id="2" name="Shape 2"/>
-          <p:cNvSpPr>
-            <a:spLocks noGrp="1"/>
-          </p:cNvSpPr>
+          <p:cNvSpPr/>
           <p:nvPr>
             <p:ph type="title"/>
           </p:nvPr>
@@ -2182,16 +3165,17 @@
           </a:ln>
           <a:extLst>
             <a:ext uri="{C572A759-6A51-4108-AA02-DFA0A04FC94B}">
-              <ma14:wrappingTextBoxFlag xmlns:ma14="http://schemas.microsoft.com/office/mac/drawingml/2011/main" xmlns="" val="1"/>
+              <ma14:wrappingTextBoxFlag xmlns:ma14="http://schemas.microsoft.com/office/mac/drawingml/2011/main" val="1"/>
             </a:ext>
           </a:extLst>
         </p:spPr>
         <p:txBody>
           <a:bodyPr lIns="50800" tIns="50800" rIns="50800" bIns="50800" anchor="ctr">
-            <a:normAutofit/>
+            <a:normAutofit fontScale="100000" lnSpcReduction="0"/>
           </a:bodyPr>
           <a:lstStyle/>
           <a:p>
+            <a:pPr/>
             <a:r>
               <a:t>Title Text</a:t>
             </a:r>
@@ -2201,9 +3185,7 @@
       <p:sp>
         <p:nvSpPr>
           <p:cNvPr id="3" name="Shape 3"/>
-          <p:cNvSpPr>
-            <a:spLocks noGrp="1"/>
-          </p:cNvSpPr>
+          <p:cNvSpPr/>
           <p:nvPr>
             <p:ph type="body" idx="1"/>
           </p:nvPr>
@@ -2221,16 +3203,17 @@
           </a:ln>
           <a:extLst>
             <a:ext uri="{C572A759-6A51-4108-AA02-DFA0A04FC94B}">
-              <ma14:wrappingTextBoxFlag xmlns:ma14="http://schemas.microsoft.com/office/mac/drawingml/2011/main" xmlns="" val="1"/>
+              <ma14:wrappingTextBoxFlag xmlns:ma14="http://schemas.microsoft.com/office/mac/drawingml/2011/main" val="1"/>
             </a:ext>
           </a:extLst>
         </p:spPr>
         <p:txBody>
           <a:bodyPr lIns="50800" tIns="50800" rIns="50800" bIns="50800" anchor="ctr">
-            <a:normAutofit/>
+            <a:normAutofit fontScale="100000" lnSpcReduction="0"/>
           </a:bodyPr>
           <a:lstStyle/>
           <a:p>
+            <a:pPr/>
             <a:r>
               <a:t>Body Level One</a:t>
             </a:r>
@@ -2264,9 +3247,7 @@
       <p:sp>
         <p:nvSpPr>
           <p:cNvPr id="4" name="Shape 4"/>
-          <p:cNvSpPr>
-            <a:spLocks noGrp="1"/>
-          </p:cNvSpPr>
+          <p:cNvSpPr/>
           <p:nvPr>
             <p:ph type="sldNum" sz="quarter" idx="2"/>
           </p:nvPr>
@@ -2293,10 +3274,8 @@
             </a:lvl1pPr>
           </a:lstStyle>
           <a:p>
-            <a:fld id="{86CB4B4D-7CA3-9044-876B-883B54F8677D}" type="slidenum">
-              <a:t>‹#›</a:t>
-            </a:fld>
-            <a:endParaRPr/>
+            <a:pPr/>
+            <a:fld id="{86CB4B4D-7CA3-9044-876B-883B54F8677D}" type="slidenum"/>
           </a:p>
         </p:txBody>
       </p:sp>
@@ -2304,20 +3283,20 @@
   </p:cSld>
   <p:clrMap bg1="lt1" tx1="dk1" bg2="lt2" tx2="dk2" accent1="accent1" accent2="accent2" accent3="accent3" accent4="accent4" accent5="accent5" accent6="accent6" hlink="hlink" folHlink="folHlink"/>
   <p:sldLayoutIdLst>
-    <p:sldLayoutId id="2147483649" r:id="rId1"/>
-    <p:sldLayoutId id="2147483650" r:id="rId2"/>
-    <p:sldLayoutId id="2147483651" r:id="rId3"/>
-    <p:sldLayoutId id="2147483652" r:id="rId4"/>
-    <p:sldLayoutId id="2147483653" r:id="rId5"/>
-    <p:sldLayoutId id="2147483654" r:id="rId6"/>
-    <p:sldLayoutId id="2147483655" r:id="rId7"/>
-    <p:sldLayoutId id="2147483656" r:id="rId8"/>
-    <p:sldLayoutId id="2147483657" r:id="rId9"/>
-    <p:sldLayoutId id="2147483658" r:id="rId10"/>
-    <p:sldLayoutId id="2147483659" r:id="rId11"/>
-    <p:sldLayoutId id="2147483660" r:id="rId12"/>
+    <p:sldLayoutId id="2147483649" r:id="rId3"/>
+    <p:sldLayoutId id="2147483650" r:id="rId4"/>
+    <p:sldLayoutId id="2147483651" r:id="rId5"/>
+    <p:sldLayoutId id="2147483652" r:id="rId6"/>
+    <p:sldLayoutId id="2147483653" r:id="rId7"/>
+    <p:sldLayoutId id="2147483654" r:id="rId8"/>
+    <p:sldLayoutId id="2147483655" r:id="rId9"/>
+    <p:sldLayoutId id="2147483656" r:id="rId10"/>
+    <p:sldLayoutId id="2147483657" r:id="rId11"/>
+    <p:sldLayoutId id="2147483658" r:id="rId12"/>
+    <p:sldLayoutId id="2147483659" r:id="rId13"/>
+    <p:sldLayoutId id="2147483660" r:id="rId14"/>
   </p:sldLayoutIdLst>
-  <p:transition spd="med"/>
+  <p:transition xmlns:p14="http://schemas.microsoft.com/office/powerpoint/2010/main" spd="med" advClick="1"/>
   <p:txStyles>
     <p:titleStyle>
       <a:lvl1pPr marL="0" marR="0" indent="0" algn="ctr" defTabSz="825500" rtl="0" latinLnBrk="0">
@@ -2335,7 +3314,7 @@
         <a:buFontTx/>
         <a:buNone/>
         <a:tabLst/>
-        <a:defRPr sz="10000" b="0" i="0" u="none" strike="noStrike" cap="all" spc="0" baseline="0">
+        <a:defRPr b="0" baseline="0" cap="all" i="0" spc="0" strike="noStrike" sz="10000" u="none">
           <a:ln>
             <a:noFill/>
           </a:ln>
@@ -2364,7 +3343,7 @@
         <a:buFontTx/>
         <a:buNone/>
         <a:tabLst/>
-        <a:defRPr sz="10000" b="0" i="0" u="none" strike="noStrike" cap="all" spc="0" baseline="0">
+        <a:defRPr b="0" baseline="0" cap="all" i="0" spc="0" strike="noStrike" sz="10000" u="none">
           <a:ln>
             <a:noFill/>
           </a:ln>
@@ -2393,7 +3372,7 @@
         <a:buFontTx/>
         <a:buNone/>
         <a:tabLst/>
-        <a:defRPr sz="10000" b="0" i="0" u="none" strike="noStrike" cap="all" spc="0" baseline="0">
+        <a:defRPr b="0" baseline="0" cap="all" i="0" spc="0" strike="noStrike" sz="10000" u="none">
           <a:ln>
             <a:noFill/>
           </a:ln>
@@ -2422,7 +3401,7 @@
         <a:buFontTx/>
         <a:buNone/>
         <a:tabLst/>
-        <a:defRPr sz="10000" b="0" i="0" u="none" strike="noStrike" cap="all" spc="0" baseline="0">
+        <a:defRPr b="0" baseline="0" cap="all" i="0" spc="0" strike="noStrike" sz="10000" u="none">
           <a:ln>
             <a:noFill/>
           </a:ln>
@@ -2451,7 +3430,7 @@
         <a:buFontTx/>
         <a:buNone/>
         <a:tabLst/>
-        <a:defRPr sz="10000" b="0" i="0" u="none" strike="noStrike" cap="all" spc="0" baseline="0">
+        <a:defRPr b="0" baseline="0" cap="all" i="0" spc="0" strike="noStrike" sz="10000" u="none">
           <a:ln>
             <a:noFill/>
           </a:ln>
@@ -2480,7 +3459,7 @@
         <a:buFontTx/>
         <a:buNone/>
         <a:tabLst/>
-        <a:defRPr sz="10000" b="0" i="0" u="none" strike="noStrike" cap="all" spc="0" baseline="0">
+        <a:defRPr b="0" baseline="0" cap="all" i="0" spc="0" strike="noStrike" sz="10000" u="none">
           <a:ln>
             <a:noFill/>
           </a:ln>
@@ -2509,7 +3488,7 @@
         <a:buFontTx/>
         <a:buNone/>
         <a:tabLst/>
-        <a:defRPr sz="10000" b="0" i="0" u="none" strike="noStrike" cap="all" spc="0" baseline="0">
+        <a:defRPr b="0" baseline="0" cap="all" i="0" spc="0" strike="noStrike" sz="10000" u="none">
           <a:ln>
             <a:noFill/>
           </a:ln>
@@ -2538,7 +3517,7 @@
         <a:buFontTx/>
         <a:buNone/>
         <a:tabLst/>
-        <a:defRPr sz="10000" b="0" i="0" u="none" strike="noStrike" cap="all" spc="0" baseline="0">
+        <a:defRPr b="0" baseline="0" cap="all" i="0" spc="0" strike="noStrike" sz="10000" u="none">
           <a:ln>
             <a:noFill/>
           </a:ln>
@@ -2567,7 +3546,7 @@
         <a:buFontTx/>
         <a:buNone/>
         <a:tabLst/>
-        <a:defRPr sz="10000" b="0" i="0" u="none" strike="noStrike" cap="all" spc="0" baseline="0">
+        <a:defRPr b="0" baseline="0" cap="all" i="0" spc="0" strike="noStrike" sz="10000" u="none">
           <a:ln>
             <a:noFill/>
           </a:ln>
@@ -2598,7 +3577,7 @@
         <a:buFontTx/>
         <a:buChar char="•"/>
         <a:tabLst/>
-        <a:defRPr sz="5200" b="0" i="0" u="none" strike="noStrike" cap="none" spc="0" baseline="0">
+        <a:defRPr b="0" baseline="0" cap="none" i="0" spc="0" strike="noStrike" sz="5200" u="none">
           <a:ln>
             <a:noFill/>
           </a:ln>
@@ -2627,7 +3606,7 @@
         <a:buFontTx/>
         <a:buChar char="•"/>
         <a:tabLst/>
-        <a:defRPr sz="5200" b="0" i="0" u="none" strike="noStrike" cap="none" spc="0" baseline="0">
+        <a:defRPr b="0" baseline="0" cap="none" i="0" spc="0" strike="noStrike" sz="5200" u="none">
           <a:ln>
             <a:noFill/>
           </a:ln>
@@ -2656,7 +3635,7 @@
         <a:buFontTx/>
         <a:buChar char="•"/>
         <a:tabLst/>
-        <a:defRPr sz="5200" b="0" i="0" u="none" strike="noStrike" cap="none" spc="0" baseline="0">
+        <a:defRPr b="0" baseline="0" cap="none" i="0" spc="0" strike="noStrike" sz="5200" u="none">
           <a:ln>
             <a:noFill/>
           </a:ln>
@@ -2685,7 +3664,7 @@
         <a:buFontTx/>
         <a:buChar char="•"/>
         <a:tabLst/>
-        <a:defRPr sz="5200" b="0" i="0" u="none" strike="noStrike" cap="none" spc="0" baseline="0">
+        <a:defRPr b="0" baseline="0" cap="none" i="0" spc="0" strike="noStrike" sz="5200" u="none">
           <a:ln>
             <a:noFill/>
           </a:ln>
@@ -2714,7 +3693,7 @@
         <a:buFontTx/>
         <a:buChar char="•"/>
         <a:tabLst/>
-        <a:defRPr sz="5200" b="0" i="0" u="none" strike="noStrike" cap="none" spc="0" baseline="0">
+        <a:defRPr b="0" baseline="0" cap="none" i="0" spc="0" strike="noStrike" sz="5200" u="none">
           <a:ln>
             <a:noFill/>
           </a:ln>
@@ -2743,7 +3722,7 @@
         <a:buFontTx/>
         <a:buChar char="•"/>
         <a:tabLst/>
-        <a:defRPr sz="5200" b="0" i="0" u="none" strike="noStrike" cap="none" spc="0" baseline="0">
+        <a:defRPr b="0" baseline="0" cap="none" i="0" spc="0" strike="noStrike" sz="5200" u="none">
           <a:ln>
             <a:noFill/>
           </a:ln>
@@ -2772,7 +3751,7 @@
         <a:buFontTx/>
         <a:buChar char="•"/>
         <a:tabLst/>
-        <a:defRPr sz="5200" b="0" i="0" u="none" strike="noStrike" cap="none" spc="0" baseline="0">
+        <a:defRPr b="0" baseline="0" cap="none" i="0" spc="0" strike="noStrike" sz="5200" u="none">
           <a:ln>
             <a:noFill/>
           </a:ln>
@@ -2801,7 +3780,7 @@
         <a:buFontTx/>
         <a:buChar char="•"/>
         <a:tabLst/>
-        <a:defRPr sz="5200" b="0" i="0" u="none" strike="noStrike" cap="none" spc="0" baseline="0">
+        <a:defRPr b="0" baseline="0" cap="none" i="0" spc="0" strike="noStrike" sz="5200" u="none">
           <a:ln>
             <a:noFill/>
           </a:ln>
@@ -2830,7 +3809,7 @@
         <a:buFontTx/>
         <a:buChar char="•"/>
         <a:tabLst/>
-        <a:defRPr sz="5200" b="0" i="0" u="none" strike="noStrike" cap="none" spc="0" baseline="0">
+        <a:defRPr b="0" baseline="0" cap="none" i="0" spc="0" strike="noStrike" sz="5200" u="none">
           <a:ln>
             <a:noFill/>
           </a:ln>
@@ -2861,7 +3840,7 @@
         <a:buFontTx/>
         <a:buNone/>
         <a:tabLst/>
-        <a:defRPr sz="2400" b="0" i="0" u="none" strike="noStrike" cap="none" spc="0" baseline="0">
+        <a:defRPr b="0" baseline="0" cap="none" i="0" spc="0" strike="noStrike" sz="2400" u="none">
           <a:ln>
             <a:noFill/>
           </a:ln>
@@ -2890,7 +3869,7 @@
         <a:buFontTx/>
         <a:buNone/>
         <a:tabLst/>
-        <a:defRPr sz="2400" b="0" i="0" u="none" strike="noStrike" cap="none" spc="0" baseline="0">
+        <a:defRPr b="0" baseline="0" cap="none" i="0" spc="0" strike="noStrike" sz="2400" u="none">
           <a:ln>
             <a:noFill/>
           </a:ln>
@@ -2919,7 +3898,7 @@
         <a:buFontTx/>
         <a:buNone/>
         <a:tabLst/>
-        <a:defRPr sz="2400" b="0" i="0" u="none" strike="noStrike" cap="none" spc="0" baseline="0">
+        <a:defRPr b="0" baseline="0" cap="none" i="0" spc="0" strike="noStrike" sz="2400" u="none">
           <a:ln>
             <a:noFill/>
           </a:ln>
@@ -2948,7 +3927,7 @@
         <a:buFontTx/>
         <a:buNone/>
         <a:tabLst/>
-        <a:defRPr sz="2400" b="0" i="0" u="none" strike="noStrike" cap="none" spc="0" baseline="0">
+        <a:defRPr b="0" baseline="0" cap="none" i="0" spc="0" strike="noStrike" sz="2400" u="none">
           <a:ln>
             <a:noFill/>
           </a:ln>
@@ -2977,7 +3956,7 @@
         <a:buFontTx/>
         <a:buNone/>
         <a:tabLst/>
-        <a:defRPr sz="2400" b="0" i="0" u="none" strike="noStrike" cap="none" spc="0" baseline="0">
+        <a:defRPr b="0" baseline="0" cap="none" i="0" spc="0" strike="noStrike" sz="2400" u="none">
           <a:ln>
             <a:noFill/>
           </a:ln>
@@ -3006,7 +3985,7 @@
         <a:buFontTx/>
         <a:buNone/>
         <a:tabLst/>
-        <a:defRPr sz="2400" b="0" i="0" u="none" strike="noStrike" cap="none" spc="0" baseline="0">
+        <a:defRPr b="0" baseline="0" cap="none" i="0" spc="0" strike="noStrike" sz="2400" u="none">
           <a:ln>
             <a:noFill/>
           </a:ln>
@@ -3035,7 +4014,7 @@
         <a:buFontTx/>
         <a:buNone/>
         <a:tabLst/>
-        <a:defRPr sz="2400" b="0" i="0" u="none" strike="noStrike" cap="none" spc="0" baseline="0">
+        <a:defRPr b="0" baseline="0" cap="none" i="0" spc="0" strike="noStrike" sz="2400" u="none">
           <a:ln>
             <a:noFill/>
           </a:ln>
@@ -3064,7 +4043,7 @@
         <a:buFontTx/>
         <a:buNone/>
         <a:tabLst/>
-        <a:defRPr sz="2400" b="0" i="0" u="none" strike="noStrike" cap="none" spc="0" baseline="0">
+        <a:defRPr b="0" baseline="0" cap="none" i="0" spc="0" strike="noStrike" sz="2400" u="none">
           <a:ln>
             <a:noFill/>
           </a:ln>
@@ -3093,7 +4072,7 @@
         <a:buFontTx/>
         <a:buNone/>
         <a:tabLst/>
-        <a:defRPr sz="2400" b="0" i="0" u="none" strike="noStrike" cap="none" spc="0" baseline="0">
+        <a:defRPr b="0" baseline="0" cap="none" i="0" spc="0" strike="noStrike" sz="2400" u="none">
           <a:ln>
             <a:noFill/>
           </a:ln>
@@ -3113,7 +4092,7 @@
 </file>
 
 <file path=ppt/slides/slide1.xml><?xml version="1.0" encoding="utf-8"?>
-<p:sld xmlns:a="http://schemas.openxmlformats.org/drawingml/2006/main" xmlns:r="http://schemas.openxmlformats.org/officeDocument/2006/relationships" xmlns:p="http://schemas.openxmlformats.org/presentationml/2006/main">
+<p:sld xmlns:a="http://schemas.openxmlformats.org/drawingml/2006/main" xmlns:r="http://schemas.openxmlformats.org/officeDocument/2006/relationships" xmlns:p="http://schemas.openxmlformats.org/presentationml/2006/main" showMasterSp="1" showMasterPhAnim="1">
   <p:cSld>
     <p:spTree>
       <p:nvGrpSpPr>
@@ -3132,9 +4111,7 @@
       <p:sp>
         <p:nvSpPr>
           <p:cNvPr id="119" name="Shape 119"/>
-          <p:cNvSpPr>
-            <a:spLocks noGrp="1"/>
-          </p:cNvSpPr>
+          <p:cNvSpPr/>
           <p:nvPr>
             <p:ph type="ctrTitle"/>
           </p:nvPr>
@@ -3162,9 +4139,7 @@
       <p:sp>
         <p:nvSpPr>
           <p:cNvPr id="120" name="Shape 120"/>
-          <p:cNvSpPr>
-            <a:spLocks noGrp="1"/>
-          </p:cNvSpPr>
+          <p:cNvSpPr/>
           <p:nvPr>
             <p:ph type="subTitle" sz="quarter" idx="1"/>
           </p:nvPr>
@@ -3182,12 +4157,13 @@
           <a:bodyPr/>
           <a:lstStyle>
             <a:lvl1pPr>
-              <a:defRPr sz="7200" cap="all"/>
+              <a:defRPr cap="all" sz="7200"/>
             </a:lvl1pPr>
           </a:lstStyle>
           <a:p>
-            <a:r>
-              <a:t>for mear mortals</a:t>
+            <a:pPr/>
+            <a:r>
+              <a:t>for merE mortals</a:t>
             </a:r>
           </a:p>
         </p:txBody>
@@ -3201,10 +4177,10 @@
           <p:nvPr/>
         </p:nvPicPr>
         <p:blipFill>
-          <a:blip r:embed="rId2">
+          <a:blip r:embed="rId3">
             <a:extLst/>
           </a:blip>
-          <a:srcRect t="30292" b="30292"/>
+          <a:srcRect l="0" t="30292" r="0" b="30292"/>
           <a:stretch>
             <a:fillRect/>
           </a:stretch>
@@ -3221,7 +4197,7 @@
             <a:miter lim="400000"/>
           </a:ln>
           <a:effectLst>
-            <a:reflection stA="50000" endPos="40000" dir="5400000" sy="-100000" algn="bl" rotWithShape="0"/>
+            <a:reflection blurRad="0" stA="50000" stPos="0" endA="0" endPos="40000" dist="0" dir="5400000" fadeDir="5400000" sx="100000" sy="-100000" kx="0" ky="0" algn="bl" rotWithShape="0"/>
           </a:effectLst>
         </p:spPr>
       </p:pic>
@@ -3230,19 +4206,12 @@
   <p:clrMapOvr>
     <a:masterClrMapping/>
   </p:clrMapOvr>
-  <p:transition spd="med"/>
-  <p:timing>
-    <p:tnLst>
-      <p:par>
-        <p:cTn id="1" dur="indefinite" restart="never" nodeType="tmRoot"/>
-      </p:par>
-    </p:tnLst>
-  </p:timing>
+  <p:transition xmlns:p14="http://schemas.microsoft.com/office/powerpoint/2010/main" spd="med" advClick="1"/>
 </p:sld>
 </file>
 
 <file path=ppt/slides/slide10.xml><?xml version="1.0" encoding="utf-8"?>
-<p:sld xmlns:a="http://schemas.openxmlformats.org/drawingml/2006/main" xmlns:r="http://schemas.openxmlformats.org/officeDocument/2006/relationships" xmlns:p="http://schemas.openxmlformats.org/presentationml/2006/main">
+<p:sld xmlns:a="http://schemas.openxmlformats.org/drawingml/2006/main" xmlns:r="http://schemas.openxmlformats.org/officeDocument/2006/relationships" xmlns:p="http://schemas.openxmlformats.org/presentationml/2006/main" showMasterSp="1" showMasterPhAnim="1">
   <p:cSld>
     <p:spTree>
       <p:nvGrpSpPr>
@@ -3260,61 +4229,7 @@
       </p:grpSpPr>
       <p:pic>
         <p:nvPicPr>
-          <p:cNvPr id="223" name="pasted-image.tiff"/>
-          <p:cNvPicPr>
-            <a:picLocks noChangeAspect="1"/>
-          </p:cNvPicPr>
-          <p:nvPr/>
-        </p:nvPicPr>
-        <p:blipFill>
-          <a:blip r:embed="rId2">
-            <a:extLst/>
-          </a:blip>
-          <a:stretch>
-            <a:fillRect/>
-          </a:stretch>
-        </p:blipFill>
-        <p:spPr>
-          <a:xfrm>
-            <a:off x="4800784" y="12499454"/>
-            <a:ext cx="5839747" cy="807121"/>
-          </a:xfrm>
-          <a:prstGeom prst="rect">
-            <a:avLst/>
-          </a:prstGeom>
-          <a:ln w="12700">
-            <a:miter lim="400000"/>
-          </a:ln>
-        </p:spPr>
-      </p:pic>
-      <p:sp>
-        <p:nvSpPr>
-          <p:cNvPr id="224" name="Shape 224"/>
-          <p:cNvSpPr>
-            <a:spLocks noGrp="1"/>
-          </p:cNvSpPr>
-          <p:nvPr>
-            <p:ph type="title"/>
-          </p:nvPr>
-        </p:nvSpPr>
-        <p:spPr>
-          <a:prstGeom prst="rect">
-            <a:avLst/>
-          </a:prstGeom>
-        </p:spPr>
-        <p:txBody>
-          <a:bodyPr/>
-          <a:lstStyle/>
-          <a:p>
-            <a:r>
-              <a:t>… to here</a:t>
-            </a:r>
-          </a:p>
-        </p:txBody>
-      </p:sp>
-      <p:pic>
-        <p:nvPicPr>
-          <p:cNvPr id="225" name="venn_diagram.png"/>
+          <p:cNvPr id="241" name="pasted-image.tiff"/>
           <p:cNvPicPr>
             <a:picLocks noChangeAspect="1"/>
           </p:cNvPicPr>
@@ -3330,6 +4245,59 @@
         </p:blipFill>
         <p:spPr>
           <a:xfrm>
+            <a:off x="4800784" y="12499454"/>
+            <a:ext cx="5839747" cy="807121"/>
+          </a:xfrm>
+          <a:prstGeom prst="rect">
+            <a:avLst/>
+          </a:prstGeom>
+          <a:ln w="12700">
+            <a:miter lim="400000"/>
+          </a:ln>
+        </p:spPr>
+      </p:pic>
+      <p:sp>
+        <p:nvSpPr>
+          <p:cNvPr id="242" name="Shape 242"/>
+          <p:cNvSpPr/>
+          <p:nvPr>
+            <p:ph type="title"/>
+          </p:nvPr>
+        </p:nvSpPr>
+        <p:spPr>
+          <a:prstGeom prst="rect">
+            <a:avLst/>
+          </a:prstGeom>
+        </p:spPr>
+        <p:txBody>
+          <a:bodyPr/>
+          <a:lstStyle/>
+          <a:p>
+            <a:pPr/>
+            <a:r>
+              <a:t>… to here</a:t>
+            </a:r>
+          </a:p>
+        </p:txBody>
+      </p:sp>
+      <p:pic>
+        <p:nvPicPr>
+          <p:cNvPr id="243" name="venn_diagram.png"/>
+          <p:cNvPicPr>
+            <a:picLocks noChangeAspect="1"/>
+          </p:cNvPicPr>
+          <p:nvPr/>
+        </p:nvPicPr>
+        <p:blipFill>
+          <a:blip r:embed="rId4">
+            <a:extLst/>
+          </a:blip>
+          <a:stretch>
+            <a:fillRect/>
+          </a:stretch>
+        </p:blipFill>
+        <p:spPr>
+          <a:xfrm>
             <a:off x="6271220" y="2520842"/>
             <a:ext cx="11841545" cy="10970678"/>
           </a:xfrm>
@@ -3343,7 +4311,7 @@
       </p:pic>
       <p:sp>
         <p:nvSpPr>
-          <p:cNvPr id="226" name="Shape 226"/>
+          <p:cNvPr id="244" name="Shape 244"/>
           <p:cNvSpPr/>
           <p:nvPr/>
         </p:nvSpPr>
@@ -3365,7 +4333,7 @@
             <a:miter lim="400000"/>
           </a:ln>
           <a:effectLst>
-            <a:outerShdw blurRad="101600" dir="18900000" rotWithShape="0">
+            <a:outerShdw sx="100000" sy="100000" kx="0" ky="0" algn="b" rotWithShape="0" blurRad="101600" dist="0" dir="18900000">
               <a:srgbClr val="000000">
                 <a:alpha val="80000"/>
               </a:srgbClr>
@@ -3383,13 +4351,12 @@
                 </a:solidFill>
               </a:defRPr>
             </a:pPr>
-            <a:endParaRPr/>
-          </a:p>
-        </p:txBody>
-      </p:sp>
-      <p:sp>
-        <p:nvSpPr>
-          <p:cNvPr id="227" name="Shape 227"/>
+          </a:p>
+        </p:txBody>
+      </p:sp>
+      <p:sp>
+        <p:nvSpPr>
+          <p:cNvPr id="245" name="Shape 245"/>
           <p:cNvSpPr/>
           <p:nvPr/>
         </p:nvSpPr>
@@ -3418,7 +4385,7 @@
             </a:cxnLst>
             <a:rect l="0" t="0" r="r" b="b"/>
             <a:pathLst>
-              <a:path w="21600" h="21600" extrusionOk="0">
+              <a:path w="21600" h="21600" fill="norm" stroke="1" extrusionOk="0">
                 <a:moveTo>
                   <a:pt x="2700" y="14256"/>
                 </a:moveTo>
@@ -3451,7 +4418,7 @@
             <a:miter lim="400000"/>
           </a:ln>
           <a:effectLst>
-            <a:outerShdw blurRad="101600" dir="18900000" rotWithShape="0">
+            <a:outerShdw sx="100000" sy="100000" kx="0" ky="0" algn="b" rotWithShape="0" blurRad="101600" dist="0" dir="18900000">
               <a:srgbClr val="000000">
                 <a:alpha val="80000"/>
               </a:srgbClr>
@@ -3469,42 +4436,12 @@
                 </a:solidFill>
               </a:defRPr>
             </a:pPr>
-            <a:endParaRPr/>
           </a:p>
         </p:txBody>
       </p:sp>
       <p:pic>
         <p:nvPicPr>
-          <p:cNvPr id="228" name="guy_shadow.png"/>
-          <p:cNvPicPr>
-            <a:picLocks noChangeAspect="1"/>
-          </p:cNvPicPr>
-          <p:nvPr/>
-        </p:nvPicPr>
-        <p:blipFill>
-          <a:blip r:embed="rId4">
-            <a:extLst/>
-          </a:blip>
-          <a:stretch>
-            <a:fillRect/>
-          </a:stretch>
-        </p:blipFill>
-        <p:spPr>
-          <a:xfrm>
-            <a:off x="18481735" y="3091394"/>
-            <a:ext cx="6502401" cy="10160001"/>
-          </a:xfrm>
-          <a:prstGeom prst="rect">
-            <a:avLst/>
-          </a:prstGeom>
-          <a:ln w="12700">
-            <a:miter lim="400000"/>
-          </a:ln>
-        </p:spPr>
-      </p:pic>
-      <p:pic>
-        <p:nvPicPr>
-          <p:cNvPr id="229" name="girl_shadow.png"/>
+          <p:cNvPr id="246" name="guy_shadow.png"/>
           <p:cNvPicPr>
             <a:picLocks noChangeAspect="1"/>
           </p:cNvPicPr>
@@ -3520,6 +4457,35 @@
         </p:blipFill>
         <p:spPr>
           <a:xfrm>
+            <a:off x="18481735" y="3091394"/>
+            <a:ext cx="6502401" cy="10160001"/>
+          </a:xfrm>
+          <a:prstGeom prst="rect">
+            <a:avLst/>
+          </a:prstGeom>
+          <a:ln w="12700">
+            <a:miter lim="400000"/>
+          </a:ln>
+        </p:spPr>
+      </p:pic>
+      <p:pic>
+        <p:nvPicPr>
+          <p:cNvPr id="247" name="girl_shadow.png"/>
+          <p:cNvPicPr>
+            <a:picLocks noChangeAspect="1"/>
+          </p:cNvPicPr>
+          <p:nvPr/>
+        </p:nvPicPr>
+        <p:blipFill>
+          <a:blip r:embed="rId6">
+            <a:extLst/>
+          </a:blip>
+          <a:stretch>
+            <a:fillRect/>
+          </a:stretch>
+        </p:blipFill>
+        <p:spPr>
+          <a:xfrm>
             <a:off x="-504182" y="3091394"/>
             <a:ext cx="6502401" cy="10160001"/>
           </a:xfrm>
@@ -3533,7 +4499,7 @@
       </p:pic>
       <p:sp>
         <p:nvSpPr>
-          <p:cNvPr id="230" name="Shape 230"/>
+          <p:cNvPr id="248" name="Shape 248"/>
           <p:cNvSpPr/>
           <p:nvPr/>
         </p:nvSpPr>
@@ -3562,7 +4528,7 @@
             </a:cxnLst>
             <a:rect l="0" t="0" r="r" b="b"/>
             <a:pathLst>
-              <a:path w="21600" h="21517" extrusionOk="0">
+              <a:path w="21600" h="21517" fill="norm" stroke="1" extrusionOk="0">
                 <a:moveTo>
                   <a:pt x="0" y="2461"/>
                 </a:moveTo>
@@ -3616,7 +4582,7 @@
           <a:bodyPr lIns="50800" tIns="50800" rIns="50800" bIns="50800" anchor="ctr"/>
           <a:lstStyle/>
           <a:p>
-            <a:endParaRPr/>
+            <a:pPr/>
           </a:p>
         </p:txBody>
       </p:sp>
@@ -3627,23 +4593,23 @@
   </p:clrMapOvr>
   <mc:AlternateContent xmlns:mc="http://schemas.openxmlformats.org/markup-compatibility/2006">
     <mc:Choice xmlns:p14="http://schemas.microsoft.com/office/powerpoint/2010/main" Requires="p14">
-      <p:transition spd="slow" p14:dur="1500">
-        <p:split orient="vert"/>
+      <p:transition spd="slow" advClick="1" p14:dur="2000">
+        <p:dissolve/>
       </p:transition>
     </mc:Choice>
     <mc:Fallback>
       <p:transition spd="slow">
-        <p:split orient="vert"/>
+        <p:fade/>
       </p:transition>
     </mc:Fallback>
   </mc:AlternateContent>
   <p:timing>
     <p:tnLst>
       <p:par>
-        <p:cTn id="1" dur="indefinite" restart="never" fill="hold" nodeType="tmRoot">
+        <p:cTn id="1" nodeType="tmRoot" restart="never" dur="indefinite" fill="hold">
           <p:childTnLst>
             <p:seq concurrent="1" prevAc="none" nextAc="seek">
-              <p:cTn id="2" dur="indefinite" fill="hold" nodeType="mainSeq">
+              <p:cTn id="2" nodeType="mainSeq" dur="indefinite" fill="hold">
                 <p:childTnLst>
                   <p:par>
                     <p:cTn id="3" fill="hold">
@@ -3658,24 +4624,24 @@
                             </p:stCondLst>
                             <p:childTnLst>
                               <p:par>
-                                <p:cTn id="5" presetID="26" presetClass="emph" presetSubtype="0" fill="hold" grpId="1" nodeType="clickEffect">
+                                <p:cTn id="5" presetClass="emph" nodeType="clickEffect" presetSubtype="0" presetID="26" grpId="1" fill="hold">
                                   <p:stCondLst>
                                     <p:cond delay="0"/>
                                   </p:stCondLst>
                                   <p:childTnLst>
-                                    <p:animEffect transition="out" filter="fade">
+                                    <p:animEffect filter="fade" transition="out">
                                       <p:cBhvr>
                                         <p:cTn id="6" dur="1000" fill="hold" tmFilter="0, 0; .2, .5; .8, .5; 1, 0"/>
                                         <p:tgtEl>
-                                          <p:spTgt spid="230"/>
+                                          <p:spTgt spid="248"/>
                                         </p:tgtEl>
                                       </p:cBhvr>
                                     </p:animEffect>
                                     <p:animScale>
                                       <p:cBhvr>
-                                        <p:cTn id="7" dur="500" autoRev="1" fill="hold"/>
+                                        <p:cTn id="7" dur="500" fill="hold" autoRev="1"/>
                                         <p:tgtEl>
-                                          <p:spTgt spid="230"/>
+                                          <p:spTgt spid="248"/>
                                         </p:tgtEl>
                                       </p:cBhvr>
                                       <p:by x="105000" y="105000"/>
@@ -3692,14 +4658,14 @@
                 </p:childTnLst>
               </p:cTn>
               <p:prevCondLst>
-                <p:cond evt="onPrev" delay="0">
+                <p:cond evt="onPrev">
                   <p:tgtEl>
                     <p:sldTgt/>
                   </p:tgtEl>
                 </p:cond>
               </p:prevCondLst>
               <p:nextCondLst>
-                <p:cond evt="onNext" delay="0">
+                <p:cond evt="onNext">
                   <p:tgtEl>
                     <p:sldTgt/>
                   </p:tgtEl>
@@ -3711,14 +4677,14 @@
       </p:par>
     </p:tnLst>
     <p:bldLst>
-      <p:bldP spid="230" grpId="1" animBg="1" advAuto="0"/>
+      <p:bldP build="whole" bldLvl="1" animBg="1" rev="0" advAuto="0" spid="248" grpId="1"/>
     </p:bldLst>
   </p:timing>
 </p:sld>
 </file>
 
 <file path=ppt/slides/slide11.xml><?xml version="1.0" encoding="utf-8"?>
-<p:sld xmlns:a="http://schemas.openxmlformats.org/drawingml/2006/main" xmlns:r="http://schemas.openxmlformats.org/officeDocument/2006/relationships" xmlns:p="http://schemas.openxmlformats.org/presentationml/2006/main">
+<p:sld xmlns:a="http://schemas.openxmlformats.org/drawingml/2006/main" xmlns:r="http://schemas.openxmlformats.org/officeDocument/2006/relationships" xmlns:p="http://schemas.openxmlformats.org/presentationml/2006/main" showMasterSp="1" showMasterPhAnim="1">
   <p:cSld>
     <p:spTree>
       <p:nvGrpSpPr>
@@ -3736,10 +4702,8 @@
       </p:grpSpPr>
       <p:sp>
         <p:nvSpPr>
-          <p:cNvPr id="232" name="Shape 232"/>
-          <p:cNvSpPr>
-            <a:spLocks noGrp="1"/>
-          </p:cNvSpPr>
+          <p:cNvPr id="252" name="Shape 252"/>
+          <p:cNvSpPr/>
           <p:nvPr>
             <p:ph type="title"/>
           </p:nvPr>
@@ -3753,6 +4717,7 @@
           <a:bodyPr/>
           <a:lstStyle/>
           <a:p>
+            <a:pPr/>
             <a:r>
               <a:t>The tools we will use</a:t>
             </a:r>
@@ -3761,10 +4726,8 @@
       </p:sp>
       <p:sp>
         <p:nvSpPr>
-          <p:cNvPr id="233" name="Shape 233"/>
-          <p:cNvSpPr>
-            <a:spLocks noGrp="1"/>
-          </p:cNvSpPr>
+          <p:cNvPr id="253" name="Shape 253"/>
+          <p:cNvSpPr/>
           <p:nvPr>
             <p:ph type="body" idx="1"/>
           </p:nvPr>
@@ -3779,9 +4742,7 @@
           </a:prstGeom>
         </p:spPr>
         <p:txBody>
-          <a:bodyPr>
-            <a:normAutofit lnSpcReduction="10000"/>
-          </a:bodyPr>
+          <a:bodyPr/>
           <a:lstStyle/>
           <a:p>
             <a:pPr marL="490727" indent="-490727" defTabSz="693419">
@@ -3791,7 +4752,7 @@
               <a:defRPr sz="4368"/>
             </a:pPr>
             <a:r>
-              <a:rPr b="1" dirty="0" err="1">
+              <a:rPr>
                 <a:latin typeface="Gill Sans SemiBold"/>
                 <a:ea typeface="Gill Sans SemiBold"/>
                 <a:cs typeface="Gill Sans SemiBold"/>
@@ -3800,7 +4761,6 @@
               <a:t>NumPy</a:t>
             </a:r>
             <a:r>
-              <a:rPr dirty="0"/>
               <a:t> - the fundamental package for scientific computing with Python</a:t>
             </a:r>
           </a:p>
@@ -3812,7 +4772,7 @@
               <a:defRPr sz="4368"/>
             </a:pPr>
             <a:r>
-              <a:rPr b="1" dirty="0">
+              <a:rPr>
                 <a:latin typeface="Gill Sans SemiBold"/>
                 <a:ea typeface="Gill Sans SemiBold"/>
                 <a:cs typeface="Gill Sans SemiBold"/>
@@ -3821,7 +4781,6 @@
               <a:t>Pandas</a:t>
             </a:r>
             <a:r>
-              <a:rPr dirty="0"/>
               <a:t> - library providing high-performance, easy-to-use data structures and data analysis tools for Python</a:t>
             </a:r>
           </a:p>
@@ -3833,34 +4792,15 @@
               <a:defRPr sz="4368"/>
             </a:pPr>
             <a:r>
-              <a:rPr b="1" dirty="0" err="1">
+              <a:rPr>
                 <a:latin typeface="Gill Sans SemiBold"/>
                 <a:ea typeface="Gill Sans SemiBold"/>
                 <a:cs typeface="Gill Sans SemiBold"/>
                 <a:sym typeface="Gill Sans SemiBold"/>
               </a:rPr>
-              <a:t>ipython</a:t>
-            </a:r>
-            <a:r>
-              <a:rPr b="1" dirty="0">
-                <a:latin typeface="Gill Sans SemiBold"/>
-                <a:ea typeface="Gill Sans SemiBold"/>
-                <a:cs typeface="Gill Sans SemiBold"/>
-                <a:sym typeface="Gill Sans SemiBold"/>
-              </a:rPr>
-              <a:t>/</a:t>
-            </a:r>
-            <a:r>
-              <a:rPr b="1" dirty="0" err="1">
-                <a:latin typeface="Gill Sans SemiBold"/>
-                <a:ea typeface="Gill Sans SemiBold"/>
-                <a:cs typeface="Gill Sans SemiBold"/>
-                <a:sym typeface="Gill Sans SemiBold"/>
-              </a:rPr>
-              <a:t>jupyter</a:t>
-            </a:r>
-            <a:r>
-              <a:rPr dirty="0"/>
+              <a:t>ipython/jupyter</a:t>
+            </a:r>
+            <a:r>
               <a:t> - a web application that allows you to interactively create and share documents that contain live code, equations, visualizations and explanatory text</a:t>
             </a:r>
           </a:p>
@@ -3872,7 +4812,7 @@
               <a:defRPr sz="4368"/>
             </a:pPr>
             <a:r>
-              <a:rPr b="1" dirty="0" err="1">
+              <a:rPr>
                 <a:latin typeface="Gill Sans SemiBold"/>
                 <a:ea typeface="Gill Sans SemiBold"/>
                 <a:cs typeface="Gill Sans SemiBold"/>
@@ -3881,7 +4821,6 @@
               <a:t>Bokeh</a:t>
             </a:r>
             <a:r>
-              <a:rPr dirty="0"/>
               <a:t> - interactive visualization library for Python that targets modern web browsers for presentation</a:t>
             </a:r>
           </a:p>
@@ -3893,7 +4832,7 @@
               <a:defRPr sz="4368"/>
             </a:pPr>
             <a:r>
-              <a:rPr b="1" dirty="0" err="1">
+              <a:rPr>
                 <a:latin typeface="Gill Sans SemiBold"/>
                 <a:ea typeface="Gill Sans SemiBold"/>
                 <a:cs typeface="Gill Sans SemiBold"/>
@@ -3902,7 +4841,6 @@
               <a:t>FuzzyWuzzy</a:t>
             </a:r>
             <a:r>
-              <a:rPr dirty="0"/>
               <a:t> - fuzzy string matching in Python like a boss</a:t>
             </a:r>
           </a:p>
@@ -3910,14 +4848,14 @@
       </p:sp>
       <p:pic>
         <p:nvPicPr>
-          <p:cNvPr id="234" name="Girl_and_guy.png"/>
+          <p:cNvPr id="254" name="Girl_and_guy.png"/>
           <p:cNvPicPr>
             <a:picLocks noChangeAspect="1"/>
           </p:cNvPicPr>
           <p:nvPr/>
         </p:nvPicPr>
         <p:blipFill>
-          <a:blip r:embed="rId2">
+          <a:blip r:embed="rId3">
             <a:extLst/>
           </a:blip>
           <a:stretch>
@@ -3942,30 +4880,23 @@
   <p:clrMapOvr>
     <a:masterClrMapping/>
   </p:clrMapOvr>
-  <mc:AlternateContent xmlns:mc="http://schemas.openxmlformats.org/markup-compatibility/2006" xmlns:p14="http://schemas.microsoft.com/office/powerpoint/2010/main">
-    <mc:Choice Requires="p14">
-      <p:transition spd="slow" p14:dur="1500">
+  <mc:AlternateContent xmlns:mc="http://schemas.openxmlformats.org/markup-compatibility/2006">
+    <mc:Choice xmlns:p14="http://schemas.microsoft.com/office/powerpoint/2010/main" Requires="p14">
+      <p:transition spd="slow" advClick="1" p14:dur="1500">
         <p:fade thruBlk="1"/>
       </p:transition>
     </mc:Choice>
-    <mc:Fallback xmlns="">
+    <mc:Fallback>
       <p:transition spd="slow">
         <p:fade/>
       </p:transition>
     </mc:Fallback>
   </mc:AlternateContent>
-  <p:timing>
-    <p:tnLst>
-      <p:par>
-        <p:cTn id="1" dur="indefinite" restart="never" nodeType="tmRoot"/>
-      </p:par>
-    </p:tnLst>
-  </p:timing>
 </p:sld>
 </file>
 
 <file path=ppt/slides/slide12.xml><?xml version="1.0" encoding="utf-8"?>
-<p:sld xmlns:a="http://schemas.openxmlformats.org/drawingml/2006/main" xmlns:r="http://schemas.openxmlformats.org/officeDocument/2006/relationships" xmlns:p="http://schemas.openxmlformats.org/presentationml/2006/main">
+<p:sld xmlns:a="http://schemas.openxmlformats.org/drawingml/2006/main" xmlns:r="http://schemas.openxmlformats.org/officeDocument/2006/relationships" xmlns:p="http://schemas.openxmlformats.org/presentationml/2006/main" showMasterSp="1" showMasterPhAnim="1">
   <p:cSld>
     <p:spTree>
       <p:nvGrpSpPr>
@@ -3983,10 +4914,8 @@
       </p:grpSpPr>
       <p:sp>
         <p:nvSpPr>
-          <p:cNvPr id="236" name="Shape 236"/>
-          <p:cNvSpPr>
-            <a:spLocks noGrp="1"/>
-          </p:cNvSpPr>
+          <p:cNvPr id="258" name="Shape 258"/>
+          <p:cNvSpPr/>
           <p:nvPr>
             <p:ph type="title"/>
           </p:nvPr>
@@ -4000,6 +4929,7 @@
           <a:bodyPr/>
           <a:lstStyle/>
           <a:p>
+            <a:pPr/>
             <a:r>
               <a:t>Why Python?</a:t>
             </a:r>
@@ -4008,10 +4938,8 @@
       </p:sp>
       <p:sp>
         <p:nvSpPr>
-          <p:cNvPr id="237" name="Shape 237"/>
-          <p:cNvSpPr>
-            <a:spLocks noGrp="1"/>
-          </p:cNvSpPr>
+          <p:cNvPr id="259" name="Shape 259"/>
+          <p:cNvSpPr/>
           <p:nvPr>
             <p:ph type="body" idx="1"/>
           </p:nvPr>
@@ -4026,9 +4954,7 @@
           </a:prstGeom>
         </p:spPr>
         <p:txBody>
-          <a:bodyPr>
-            <a:normAutofit fontScale="92500" lnSpcReduction="10000"/>
-          </a:bodyPr>
+          <a:bodyPr/>
           <a:lstStyle/>
           <a:p>
             <a:pPr marL="654304" indent="-654304" defTabSz="751205">
@@ -4104,14 +5030,14 @@
       </p:sp>
       <p:pic>
         <p:nvPicPr>
-          <p:cNvPr id="238" name="Girl_and_guy.png"/>
+          <p:cNvPr id="260" name="Girl_and_guy.png"/>
           <p:cNvPicPr>
             <a:picLocks noChangeAspect="1"/>
           </p:cNvPicPr>
           <p:nvPr/>
         </p:nvPicPr>
         <p:blipFill>
-          <a:blip r:embed="rId2">
+          <a:blip r:embed="rId3">
             <a:extLst/>
           </a:blip>
           <a:stretch>
@@ -4136,30 +5062,23 @@
   <p:clrMapOvr>
     <a:masterClrMapping/>
   </p:clrMapOvr>
-  <mc:AlternateContent xmlns:mc="http://schemas.openxmlformats.org/markup-compatibility/2006" xmlns:p14="http://schemas.microsoft.com/office/powerpoint/2010/main">
-    <mc:Choice Requires="p14">
-      <p:transition spd="slow" p14:dur="1500">
+  <mc:AlternateContent xmlns:mc="http://schemas.openxmlformats.org/markup-compatibility/2006">
+    <mc:Choice xmlns:p14="http://schemas.microsoft.com/office/powerpoint/2010/main" Requires="p14">
+      <p:transition spd="slow" advClick="1" p14:dur="1500">
         <p:fade thruBlk="1"/>
       </p:transition>
     </mc:Choice>
-    <mc:Fallback xmlns="">
+    <mc:Fallback>
       <p:transition spd="slow">
         <p:fade/>
       </p:transition>
     </mc:Fallback>
   </mc:AlternateContent>
-  <p:timing>
-    <p:tnLst>
-      <p:par>
-        <p:cTn id="1" dur="indefinite" restart="never" nodeType="tmRoot"/>
-      </p:par>
-    </p:tnLst>
-  </p:timing>
 </p:sld>
 </file>
 
 <file path=ppt/slides/slide13.xml><?xml version="1.0" encoding="utf-8"?>
-<p:sld xmlns:a="http://schemas.openxmlformats.org/drawingml/2006/main" xmlns:r="http://schemas.openxmlformats.org/officeDocument/2006/relationships" xmlns:p="http://schemas.openxmlformats.org/presentationml/2006/main">
+<p:sld xmlns:a="http://schemas.openxmlformats.org/drawingml/2006/main" xmlns:r="http://schemas.openxmlformats.org/officeDocument/2006/relationships" xmlns:p="http://schemas.openxmlformats.org/presentationml/2006/main" showMasterSp="1" showMasterPhAnim="1">
   <p:cSld>
     <p:spTree>
       <p:nvGrpSpPr>
@@ -4177,10 +5096,8 @@
       </p:grpSpPr>
       <p:sp>
         <p:nvSpPr>
-          <p:cNvPr id="240" name="Shape 240"/>
-          <p:cNvSpPr>
-            <a:spLocks noGrp="1"/>
-          </p:cNvSpPr>
+          <p:cNvPr id="264" name="Shape 264"/>
+          <p:cNvSpPr/>
           <p:nvPr>
             <p:ph type="title"/>
           </p:nvPr>
@@ -4194,6 +5111,7 @@
           <a:bodyPr/>
           <a:lstStyle/>
           <a:p>
+            <a:pPr/>
             <a:r>
               <a:t>scenario</a:t>
             </a:r>
@@ -4202,10 +5120,8 @@
       </p:sp>
       <p:sp>
         <p:nvSpPr>
-          <p:cNvPr id="241" name="Shape 241"/>
-          <p:cNvSpPr>
-            <a:spLocks noGrp="1"/>
-          </p:cNvSpPr>
+          <p:cNvPr id="265" name="Shape 265"/>
+          <p:cNvSpPr/>
           <p:nvPr>
             <p:ph type="body" idx="1"/>
           </p:nvPr>
@@ -4220,9 +5136,7 @@
           </a:prstGeom>
         </p:spPr>
         <p:txBody>
-          <a:bodyPr>
-            <a:normAutofit fontScale="92500" lnSpcReduction="10000"/>
-          </a:bodyPr>
+          <a:bodyPr/>
           <a:lstStyle/>
           <a:p>
             <a:pPr marL="0" indent="0" defTabSz="660400">
@@ -4243,7 +5157,7 @@
                 <a:spcPts val="4200"/>
               </a:spcBef>
               <a:buSzPct val="100000"/>
-              <a:buAutoNum type="arabicPeriod"/>
+              <a:buAutoNum type="arabicPeriod" startAt="1"/>
               <a:defRPr sz="4160"/>
             </a:pPr>
             <a:r>
@@ -4256,7 +5170,7 @@
                 <a:spcPts val="4200"/>
               </a:spcBef>
               <a:buSzPct val="100000"/>
-              <a:buAutoNum type="arabicPeriod"/>
+              <a:buAutoNum type="arabicPeriod" startAt="1"/>
               <a:defRPr sz="4160"/>
             </a:pPr>
             <a:r>
@@ -4269,7 +5183,7 @@
                 <a:spcPts val="4200"/>
               </a:spcBef>
               <a:buSzPct val="100000"/>
-              <a:buAutoNum type="arabicPeriod"/>
+              <a:buAutoNum type="arabicPeriod" startAt="1"/>
               <a:defRPr sz="4160"/>
             </a:pPr>
             <a:r>
@@ -4282,7 +5196,7 @@
                 <a:spcPts val="4200"/>
               </a:spcBef>
               <a:buSzPct val="100000"/>
-              <a:buAutoNum type="arabicPeriod"/>
+              <a:buAutoNum type="arabicPeriod" startAt="1"/>
               <a:defRPr sz="4160"/>
             </a:pPr>
             <a:r>
@@ -4293,14 +5207,14 @@
       </p:sp>
       <p:pic>
         <p:nvPicPr>
-          <p:cNvPr id="242" name="Girl_and_guy.png"/>
+          <p:cNvPr id="266" name="Girl_and_guy.png"/>
           <p:cNvPicPr>
             <a:picLocks noChangeAspect="1"/>
           </p:cNvPicPr>
           <p:nvPr/>
         </p:nvPicPr>
         <p:blipFill>
-          <a:blip r:embed="rId2">
+          <a:blip r:embed="rId3">
             <a:extLst/>
           </a:blip>
           <a:stretch>
@@ -4325,30 +5239,23 @@
   <p:clrMapOvr>
     <a:masterClrMapping/>
   </p:clrMapOvr>
-  <mc:AlternateContent xmlns:mc="http://schemas.openxmlformats.org/markup-compatibility/2006" xmlns:p14="http://schemas.microsoft.com/office/powerpoint/2010/main">
-    <mc:Choice Requires="p14">
-      <p:transition spd="slow" p14:dur="1500">
+  <mc:AlternateContent xmlns:mc="http://schemas.openxmlformats.org/markup-compatibility/2006">
+    <mc:Choice xmlns:p14="http://schemas.microsoft.com/office/powerpoint/2010/main" Requires="p14">
+      <p:transition spd="slow" advClick="1" p14:dur="1500">
         <p:fade thruBlk="1"/>
       </p:transition>
     </mc:Choice>
-    <mc:Fallback xmlns="">
+    <mc:Fallback>
       <p:transition spd="slow">
         <p:fade/>
       </p:transition>
     </mc:Fallback>
   </mc:AlternateContent>
-  <p:timing>
-    <p:tnLst>
-      <p:par>
-        <p:cTn id="1" dur="indefinite" restart="never" nodeType="tmRoot"/>
-      </p:par>
-    </p:tnLst>
-  </p:timing>
 </p:sld>
 </file>
 
 <file path=ppt/slides/slide14.xml><?xml version="1.0" encoding="utf-8"?>
-<p:sld xmlns:a="http://schemas.openxmlformats.org/drawingml/2006/main" xmlns:r="http://schemas.openxmlformats.org/officeDocument/2006/relationships" xmlns:p="http://schemas.openxmlformats.org/presentationml/2006/main">
+<p:sld xmlns:a="http://schemas.openxmlformats.org/drawingml/2006/main" xmlns:r="http://schemas.openxmlformats.org/officeDocument/2006/relationships" xmlns:p="http://schemas.openxmlformats.org/presentationml/2006/main" showMasterSp="1" showMasterPhAnim="1">
   <p:cSld>
     <p:spTree>
       <p:nvGrpSpPr>
@@ -4366,10 +5273,8 @@
       </p:grpSpPr>
       <p:sp>
         <p:nvSpPr>
-          <p:cNvPr id="244" name="Shape 244"/>
-          <p:cNvSpPr>
-            <a:spLocks noGrp="1"/>
-          </p:cNvSpPr>
+          <p:cNvPr id="270" name="Shape 270"/>
+          <p:cNvSpPr/>
           <p:nvPr>
             <p:ph type="title"/>
           </p:nvPr>
@@ -4383,6 +5288,7 @@
           <a:bodyPr/>
           <a:lstStyle/>
           <a:p>
+            <a:pPr/>
             <a:r>
               <a:t>OUTPUT</a:t>
             </a:r>
@@ -4391,10 +5297,8 @@
       </p:sp>
       <p:sp>
         <p:nvSpPr>
-          <p:cNvPr id="245" name="Shape 245"/>
-          <p:cNvSpPr>
-            <a:spLocks noGrp="1"/>
-          </p:cNvSpPr>
+          <p:cNvPr id="271" name="Shape 271"/>
+          <p:cNvSpPr/>
           <p:nvPr>
             <p:ph type="body" idx="1"/>
           </p:nvPr>
@@ -4409,9 +5313,7 @@
           </a:prstGeom>
         </p:spPr>
         <p:txBody>
-          <a:bodyPr>
-            <a:normAutofit fontScale="92500"/>
-          </a:bodyPr>
+          <a:bodyPr/>
           <a:lstStyle/>
           <a:p>
             <a:pPr marL="0" indent="0" defTabSz="759459">
@@ -4432,7 +5334,7 @@
                 <a:spcPts val="4800"/>
               </a:spcBef>
               <a:buSzPct val="100000"/>
-              <a:buAutoNum type="arabicPeriod"/>
+              <a:buAutoNum type="arabicPeriod" startAt="1"/>
               <a:defRPr sz="4784"/>
             </a:pPr>
             <a:r>
@@ -4445,7 +5347,7 @@
                 <a:spcPts val="4800"/>
               </a:spcBef>
               <a:buSzPct val="100000"/>
-              <a:buAutoNum type="arabicPeriod"/>
+              <a:buAutoNum type="arabicPeriod" startAt="1"/>
               <a:defRPr sz="4784"/>
             </a:pPr>
             <a:r>
@@ -4458,7 +5360,7 @@
                 <a:spcPts val="4800"/>
               </a:spcBef>
               <a:buSzPct val="100000"/>
-              <a:buAutoNum type="arabicPeriod"/>
+              <a:buAutoNum type="arabicPeriod" startAt="1"/>
               <a:defRPr sz="4784"/>
             </a:pPr>
             <a:r>
@@ -4471,7 +5373,7 @@
                 <a:spcPts val="4800"/>
               </a:spcBef>
               <a:buSzPct val="100000"/>
-              <a:buAutoNum type="arabicPeriod"/>
+              <a:buAutoNum type="arabicPeriod" startAt="1"/>
               <a:defRPr sz="4784"/>
             </a:pPr>
             <a:r>
@@ -4482,14 +5384,14 @@
       </p:sp>
       <p:pic>
         <p:nvPicPr>
-          <p:cNvPr id="246" name="Girl_and_guy.png"/>
+          <p:cNvPr id="272" name="Girl_and_guy.png"/>
           <p:cNvPicPr>
             <a:picLocks noChangeAspect="1"/>
           </p:cNvPicPr>
           <p:nvPr/>
         </p:nvPicPr>
         <p:blipFill>
-          <a:blip r:embed="rId2">
+          <a:blip r:embed="rId3">
             <a:extLst/>
           </a:blip>
           <a:stretch>
@@ -4514,30 +5416,23 @@
   <p:clrMapOvr>
     <a:masterClrMapping/>
   </p:clrMapOvr>
-  <mc:AlternateContent xmlns:mc="http://schemas.openxmlformats.org/markup-compatibility/2006" xmlns:p14="http://schemas.microsoft.com/office/powerpoint/2010/main">
-    <mc:Choice Requires="p14">
-      <p:transition spd="slow" p14:dur="1500">
+  <mc:AlternateContent xmlns:mc="http://schemas.openxmlformats.org/markup-compatibility/2006">
+    <mc:Choice xmlns:p14="http://schemas.microsoft.com/office/powerpoint/2010/main" Requires="p14">
+      <p:transition spd="slow" advClick="1" p14:dur="1500">
         <p:fade thruBlk="1"/>
       </p:transition>
     </mc:Choice>
-    <mc:Fallback xmlns="">
+    <mc:Fallback>
       <p:transition spd="slow">
         <p:fade/>
       </p:transition>
     </mc:Fallback>
   </mc:AlternateContent>
-  <p:timing>
-    <p:tnLst>
-      <p:par>
-        <p:cTn id="1" dur="indefinite" restart="never" nodeType="tmRoot"/>
-      </p:par>
-    </p:tnLst>
-  </p:timing>
 </p:sld>
 </file>
 
 <file path=ppt/slides/slide15.xml><?xml version="1.0" encoding="utf-8"?>
-<p:sld xmlns:a="http://schemas.openxmlformats.org/drawingml/2006/main" xmlns:r="http://schemas.openxmlformats.org/officeDocument/2006/relationships" xmlns:p="http://schemas.openxmlformats.org/presentationml/2006/main">
+<p:sld xmlns:a="http://schemas.openxmlformats.org/drawingml/2006/main" xmlns:r="http://schemas.openxmlformats.org/officeDocument/2006/relationships" xmlns:p="http://schemas.openxmlformats.org/presentationml/2006/main" showMasterSp="1" showMasterPhAnim="1">
   <p:cSld>
     <p:spTree>
       <p:nvGrpSpPr>
@@ -4555,10 +5450,8 @@
       </p:grpSpPr>
       <p:sp>
         <p:nvSpPr>
-          <p:cNvPr id="248" name="Shape 248"/>
-          <p:cNvSpPr>
-            <a:spLocks noGrp="1"/>
-          </p:cNvSpPr>
+          <p:cNvPr id="276" name="Shape 276"/>
+          <p:cNvSpPr/>
           <p:nvPr>
             <p:ph type="title"/>
           </p:nvPr>
@@ -4576,6 +5469,7 @@
           <a:bodyPr/>
           <a:lstStyle/>
           <a:p>
+            <a:pPr/>
             <a:r>
               <a:t>Our Constraints</a:t>
             </a:r>
@@ -4584,10 +5478,8 @@
       </p:sp>
       <p:sp>
         <p:nvSpPr>
-          <p:cNvPr id="249" name="Shape 249"/>
-          <p:cNvSpPr>
-            <a:spLocks noGrp="1"/>
-          </p:cNvSpPr>
+          <p:cNvPr id="277" name="Shape 277"/>
+          <p:cNvSpPr/>
           <p:nvPr>
             <p:ph type="body" sz="quarter" idx="1"/>
           </p:nvPr>
@@ -4605,11 +5497,13 @@
           <a:bodyPr/>
           <a:lstStyle/>
           <a:p>
+            <a:pPr/>
             <a:r>
               <a:t>30 minutes to complete all tasks</a:t>
             </a:r>
           </a:p>
           <a:p>
+            <a:pPr/>
             <a:r>
               <a:t>Must be repeatable</a:t>
             </a:r>
@@ -4618,7 +5512,7 @@
       </p:sp>
       <p:pic>
         <p:nvPicPr>
-          <p:cNvPr id="250" name="Girl_and_guy.png"/>
+          <p:cNvPr id="278" name="Girl_and_guy.png"/>
           <p:cNvPicPr>
             <a:picLocks noChangeAspect="1"/>
           </p:cNvPicPr>
@@ -4650,30 +5544,23 @@
   <p:clrMapOvr>
     <a:masterClrMapping/>
   </p:clrMapOvr>
-  <mc:AlternateContent xmlns:mc="http://schemas.openxmlformats.org/markup-compatibility/2006" xmlns:p14="http://schemas.microsoft.com/office/powerpoint/2010/main">
-    <mc:Choice Requires="p14">
-      <p:transition spd="slow" p14:dur="1500">
+  <mc:AlternateContent xmlns:mc="http://schemas.openxmlformats.org/markup-compatibility/2006">
+    <mc:Choice xmlns:p14="http://schemas.microsoft.com/office/powerpoint/2010/main" Requires="p14">
+      <p:transition spd="slow" advClick="1" p14:dur="1500">
         <p:fade thruBlk="1"/>
       </p:transition>
     </mc:Choice>
-    <mc:Fallback xmlns="">
+    <mc:Fallback>
       <p:transition spd="slow">
         <p:fade/>
       </p:transition>
     </mc:Fallback>
   </mc:AlternateContent>
-  <p:timing>
-    <p:tnLst>
-      <p:par>
-        <p:cTn id="1" dur="indefinite" restart="never" nodeType="tmRoot"/>
-      </p:par>
-    </p:tnLst>
-  </p:timing>
 </p:sld>
 </file>
 
 <file path=ppt/slides/slide16.xml><?xml version="1.0" encoding="utf-8"?>
-<p:sld xmlns:a="http://schemas.openxmlformats.org/drawingml/2006/main" xmlns:r="http://schemas.openxmlformats.org/officeDocument/2006/relationships" xmlns:p="http://schemas.openxmlformats.org/presentationml/2006/main">
+<p:sld xmlns:a="http://schemas.openxmlformats.org/drawingml/2006/main" xmlns:r="http://schemas.openxmlformats.org/officeDocument/2006/relationships" xmlns:p="http://schemas.openxmlformats.org/presentationml/2006/main" showMasterSp="1" showMasterPhAnim="1">
   <p:cSld>
     <p:spTree>
       <p:nvGrpSpPr>
@@ -4691,10 +5578,8 @@
       </p:grpSpPr>
       <p:sp>
         <p:nvSpPr>
-          <p:cNvPr id="252" name="Shape 252"/>
-          <p:cNvSpPr>
-            <a:spLocks noGrp="1"/>
-          </p:cNvSpPr>
+          <p:cNvPr id="280" name="Shape 280"/>
+          <p:cNvSpPr/>
           <p:nvPr>
             <p:ph type="title"/>
           </p:nvPr>
@@ -4712,16 +5597,19 @@
           <a:bodyPr/>
           <a:lstStyle/>
           <a:p>
+            <a:pPr/>
             <a:r>
               <a:t>READY.</a:t>
             </a:r>
           </a:p>
           <a:p>
+            <a:pPr/>
             <a:r>
               <a:t>SET.</a:t>
             </a:r>
           </a:p>
           <a:p>
+            <a:pPr/>
             <a:r>
               <a:t>DEMO!</a:t>
             </a:r>
@@ -4730,7 +5618,7 @@
       </p:sp>
       <p:pic>
         <p:nvPicPr>
-          <p:cNvPr id="253" name="Girl_and_guy.png"/>
+          <p:cNvPr id="281" name="Girl_and_guy.png"/>
           <p:cNvPicPr>
             <a:picLocks noChangeAspect="1"/>
           </p:cNvPicPr>
@@ -4762,30 +5650,23 @@
   <p:clrMapOvr>
     <a:masterClrMapping/>
   </p:clrMapOvr>
-  <mc:AlternateContent xmlns:mc="http://schemas.openxmlformats.org/markup-compatibility/2006" xmlns:p14="http://schemas.microsoft.com/office/powerpoint/2010/main">
-    <mc:Choice Requires="p14">
-      <p:transition spd="slow" p14:dur="1500">
+  <mc:AlternateContent xmlns:mc="http://schemas.openxmlformats.org/markup-compatibility/2006">
+    <mc:Choice xmlns:p14="http://schemas.microsoft.com/office/powerpoint/2010/main" Requires="p14">
+      <p:transition spd="slow" advClick="1" p14:dur="1500">
         <p:fade thruBlk="1"/>
       </p:transition>
     </mc:Choice>
-    <mc:Fallback xmlns="">
+    <mc:Fallback>
       <p:transition spd="slow">
         <p:fade/>
       </p:transition>
     </mc:Fallback>
   </mc:AlternateContent>
-  <p:timing>
-    <p:tnLst>
-      <p:par>
-        <p:cTn id="1" dur="indefinite" restart="never" nodeType="tmRoot"/>
-      </p:par>
-    </p:tnLst>
-  </p:timing>
 </p:sld>
 </file>
 
 <file path=ppt/slides/slide17.xml><?xml version="1.0" encoding="utf-8"?>
-<p:sld xmlns:a="http://schemas.openxmlformats.org/drawingml/2006/main" xmlns:r="http://schemas.openxmlformats.org/officeDocument/2006/relationships" xmlns:p="http://schemas.openxmlformats.org/presentationml/2006/main">
+<p:sld xmlns:a="http://schemas.openxmlformats.org/drawingml/2006/main" xmlns:r="http://schemas.openxmlformats.org/officeDocument/2006/relationships" xmlns:p="http://schemas.openxmlformats.org/presentationml/2006/main" showMasterSp="1" showMasterPhAnim="1">
   <p:cSld>
     <p:spTree>
       <p:nvGrpSpPr>
@@ -4803,10 +5684,8 @@
       </p:grpSpPr>
       <p:sp>
         <p:nvSpPr>
-          <p:cNvPr id="255" name="Shape 255"/>
-          <p:cNvSpPr>
-            <a:spLocks noGrp="1"/>
-          </p:cNvSpPr>
+          <p:cNvPr id="283" name="Shape 283"/>
+          <p:cNvSpPr/>
           <p:nvPr>
             <p:ph type="title"/>
           </p:nvPr>
@@ -4820,6 +5699,7 @@
           <a:bodyPr/>
           <a:lstStyle/>
           <a:p>
+            <a:pPr/>
             <a:r>
               <a:t>Recap</a:t>
             </a:r>
@@ -4828,10 +5708,8 @@
       </p:sp>
       <p:sp>
         <p:nvSpPr>
-          <p:cNvPr id="256" name="Shape 256"/>
-          <p:cNvSpPr>
-            <a:spLocks noGrp="1"/>
-          </p:cNvSpPr>
+          <p:cNvPr id="284" name="Shape 284"/>
+          <p:cNvSpPr/>
           <p:nvPr>
             <p:ph type="body" idx="1"/>
           </p:nvPr>
@@ -4842,9 +5720,7 @@
           </a:prstGeom>
         </p:spPr>
         <p:txBody>
-          <a:bodyPr>
-            <a:normAutofit lnSpcReduction="10000"/>
-          </a:bodyPr>
+          <a:bodyPr/>
           <a:lstStyle/>
           <a:p>
             <a:pPr marL="640841" indent="-640841" defTabSz="718184">
@@ -4897,30 +5773,23 @@
   <p:clrMapOvr>
     <a:masterClrMapping/>
   </p:clrMapOvr>
-  <mc:AlternateContent xmlns:mc="http://schemas.openxmlformats.org/markup-compatibility/2006" xmlns:p14="http://schemas.microsoft.com/office/powerpoint/2010/main">
-    <mc:Choice Requires="p14">
-      <p:transition spd="slow" p14:dur="1500">
+  <mc:AlternateContent xmlns:mc="http://schemas.openxmlformats.org/markup-compatibility/2006">
+    <mc:Choice xmlns:p14="http://schemas.microsoft.com/office/powerpoint/2010/main" Requires="p14">
+      <p:transition spd="slow" advClick="1" p14:dur="1500">
         <p:fade thruBlk="1"/>
       </p:transition>
     </mc:Choice>
-    <mc:Fallback xmlns="">
+    <mc:Fallback>
       <p:transition spd="slow">
         <p:fade/>
       </p:transition>
     </mc:Fallback>
   </mc:AlternateContent>
-  <p:timing>
-    <p:tnLst>
-      <p:par>
-        <p:cTn id="1" dur="indefinite" restart="never" nodeType="tmRoot"/>
-      </p:par>
-    </p:tnLst>
-  </p:timing>
 </p:sld>
 </file>
 
 <file path=ppt/slides/slide18.xml><?xml version="1.0" encoding="utf-8"?>
-<p:sld xmlns:a="http://schemas.openxmlformats.org/drawingml/2006/main" xmlns:r="http://schemas.openxmlformats.org/officeDocument/2006/relationships" xmlns:p="http://schemas.openxmlformats.org/presentationml/2006/main">
+<p:sld xmlns:a="http://schemas.openxmlformats.org/drawingml/2006/main" xmlns:r="http://schemas.openxmlformats.org/officeDocument/2006/relationships" xmlns:p="http://schemas.openxmlformats.org/presentationml/2006/main" showMasterSp="1" showMasterPhAnim="1">
   <p:cSld>
     <p:spTree>
       <p:nvGrpSpPr>
@@ -4938,10 +5807,8 @@
       </p:grpSpPr>
       <p:sp>
         <p:nvSpPr>
-          <p:cNvPr id="258" name="Shape 258"/>
-          <p:cNvSpPr>
-            <a:spLocks noGrp="1"/>
-          </p:cNvSpPr>
+          <p:cNvPr id="286" name="Shape 286"/>
+          <p:cNvSpPr/>
           <p:nvPr>
             <p:ph type="title"/>
           </p:nvPr>
@@ -4955,18 +5822,17 @@
           <a:bodyPr/>
           <a:lstStyle/>
           <a:p>
-            <a:r>
-              <a:t>References</a:t>
-            </a:r>
-          </a:p>
-        </p:txBody>
-      </p:sp>
-      <p:sp>
-        <p:nvSpPr>
-          <p:cNvPr id="259" name="Shape 259"/>
-          <p:cNvSpPr>
-            <a:spLocks noGrp="1"/>
-          </p:cNvSpPr>
+            <a:pPr/>
+            <a:r>
+              <a:t>Materials</a:t>
+            </a:r>
+          </a:p>
+        </p:txBody>
+      </p:sp>
+      <p:sp>
+        <p:nvSpPr>
+          <p:cNvPr id="287" name="Shape 287"/>
+          <p:cNvSpPr/>
           <p:nvPr>
             <p:ph type="body" idx="1"/>
           </p:nvPr>
@@ -4977,120 +5843,22 @@
           </a:prstGeom>
         </p:spPr>
         <p:txBody>
-          <a:bodyPr>
-            <a:normAutofit fontScale="92500" lnSpcReduction="20000"/>
-          </a:bodyPr>
+          <a:bodyPr anchor="t"/>
           <a:lstStyle/>
           <a:p>
-            <a:pPr marL="441960" indent="-441960" defTabSz="495300">
-              <a:spcBef>
-                <a:spcPts val="3900"/>
-              </a:spcBef>
-              <a:defRPr sz="3840"/>
+            <a:pPr marL="0" indent="0">
+              <a:buSzTx/>
+              <a:buNone/>
             </a:pPr>
             <a:r>
+              <a:t>All materials available on GitHub</a:t>
+            </a:r>
+            <a:br/>
+            <a:r>
               <a:rPr u="sng">
-                <a:hlinkClick r:id="rId2"/>
+                <a:hlinkClick r:id="rId2" invalidUrl="" action="" tgtFrame="" tooltip="" history="1" highlightClick="0" endSnd="0"/>
               </a:rPr>
-              <a:t>http://www.forbes.com/sites/piyankajain/2013/02/25/data-science-or-analytics/</a:t>
-            </a:r>
-          </a:p>
-          <a:p>
-            <a:pPr marL="441960" indent="-441960" defTabSz="495300">
-              <a:spcBef>
-                <a:spcPts val="3900"/>
-              </a:spcBef>
-              <a:defRPr sz="3840"/>
-            </a:pPr>
-            <a:r>
-              <a:rPr u="sng">
-                <a:hlinkClick r:id="rId3"/>
-              </a:rPr>
-              <a:t>http://www.edureka.co/blog/core-data-scientist-skills/</a:t>
-            </a:r>
-          </a:p>
-          <a:p>
-            <a:pPr marL="441960" indent="-441960" defTabSz="495300">
-              <a:spcBef>
-                <a:spcPts val="3900"/>
-              </a:spcBef>
-              <a:defRPr sz="3840"/>
-            </a:pPr>
-            <a:r>
-              <a:rPr u="sng">
-                <a:hlinkClick r:id="rId4"/>
-              </a:rPr>
-              <a:t>http://pbpython.com</a:t>
-            </a:r>
-          </a:p>
-          <a:p>
-            <a:pPr marL="441960" indent="-441960" defTabSz="495300">
-              <a:spcBef>
-                <a:spcPts val="3900"/>
-              </a:spcBef>
-              <a:defRPr sz="3840"/>
-            </a:pPr>
-            <a:r>
-              <a:rPr u="sng">
-                <a:hlinkClick r:id="rId5"/>
-              </a:rPr>
-              <a:t>http://www.marketingdistillery.com/</a:t>
-            </a:r>
-          </a:p>
-          <a:p>
-            <a:pPr marL="441960" indent="-441960" defTabSz="495300">
-              <a:spcBef>
-                <a:spcPts val="3900"/>
-              </a:spcBef>
-              <a:defRPr sz="3840"/>
-            </a:pPr>
-            <a:r>
-              <a:rPr u="sng">
-                <a:hlinkClick r:id="rId6"/>
-              </a:rPr>
-              <a:t>http://pandas.pydata.org</a:t>
-            </a:r>
-          </a:p>
-          <a:p>
-            <a:pPr marL="441960" indent="-441960" defTabSz="495300">
-              <a:spcBef>
-                <a:spcPts val="3900"/>
-              </a:spcBef>
-              <a:defRPr sz="3840"/>
-            </a:pPr>
-            <a:r>
-              <a:rPr u="sng">
-                <a:hlinkClick r:id="rId7"/>
-              </a:rPr>
-              <a:t>http://bokeh.pydata.org/en/latest</a:t>
-            </a:r>
-          </a:p>
-          <a:p>
-            <a:pPr marL="441960" indent="-441960" defTabSz="495300">
-              <a:spcBef>
-                <a:spcPts val="3900"/>
-              </a:spcBef>
-              <a:defRPr sz="3840"/>
-            </a:pPr>
-            <a:r>
-              <a:rPr u="sng">
-                <a:hlinkClick r:id="rId8"/>
-              </a:rPr>
-              <a:t>https://www.continuum.io/why-anaconda</a:t>
-            </a:r>
-          </a:p>
-          <a:p>
-            <a:pPr marL="441960" indent="-441960" defTabSz="495300">
-              <a:spcBef>
-                <a:spcPts val="3900"/>
-              </a:spcBef>
-              <a:defRPr sz="3840"/>
-            </a:pPr>
-            <a:r>
-              <a:rPr u="sng">
-                <a:hlinkClick r:id="rId9"/>
-              </a:rPr>
-              <a:t>https://s3.amazonaws.com/quandl-static-content/Documents/Quandl+-+Pandas,+SciPy,+NumPy+Cheat+Sheet.pdf</a:t>
+              <a:t>https://github.com/jpwhite3/python-analytics-demo</a:t>
             </a:r>
           </a:p>
         </p:txBody>
@@ -5100,19 +5868,12 @@
   <p:clrMapOvr>
     <a:masterClrMapping/>
   </p:clrMapOvr>
-  <p:transition spd="slow"/>
-  <p:timing>
-    <p:tnLst>
-      <p:par>
-        <p:cTn id="1" dur="indefinite" restart="never" nodeType="tmRoot"/>
-      </p:par>
-    </p:tnLst>
-  </p:timing>
+  <p:transition xmlns:p14="http://schemas.microsoft.com/office/powerpoint/2010/main" spd="med" advClick="1" p14:dur="1000"/>
 </p:sld>
 </file>
 
 <file path=ppt/slides/slide19.xml><?xml version="1.0" encoding="utf-8"?>
-<p:sld xmlns:a="http://schemas.openxmlformats.org/drawingml/2006/main" xmlns:r="http://schemas.openxmlformats.org/officeDocument/2006/relationships" xmlns:p="http://schemas.openxmlformats.org/presentationml/2006/main">
+<p:sld xmlns:a="http://schemas.openxmlformats.org/drawingml/2006/main" xmlns:r="http://schemas.openxmlformats.org/officeDocument/2006/relationships" xmlns:p="http://schemas.openxmlformats.org/presentationml/2006/main" showMasterSp="1" showMasterPhAnim="1">
   <p:cSld>
     <p:spTree>
       <p:nvGrpSpPr>
@@ -5130,10 +5891,8 @@
       </p:grpSpPr>
       <p:sp>
         <p:nvSpPr>
-          <p:cNvPr id="258" name="Shape 258"/>
-          <p:cNvSpPr>
-            <a:spLocks noGrp="1"/>
-          </p:cNvSpPr>
+          <p:cNvPr id="289" name="Shape 289"/>
+          <p:cNvSpPr/>
           <p:nvPr>
             <p:ph type="title"/>
           </p:nvPr>
@@ -5147,131 +5906,154 @@
           <a:bodyPr/>
           <a:lstStyle/>
           <a:p>
-            <a:r>
-              <a:rPr lang="en-US" dirty="0" smtClean="0"/>
-              <a:t>More </a:t>
-            </a:r>
-            <a:r>
-              <a:rPr dirty="0" smtClean="0"/>
+            <a:pPr/>
+            <a:r>
               <a:t>References</a:t>
             </a:r>
-            <a:endParaRPr dirty="0"/>
-          </a:p>
-        </p:txBody>
-      </p:sp>
-      <p:pic>
-        <p:nvPicPr>
-          <p:cNvPr id="3" name="Picture 2"/>
-          <p:cNvPicPr>
-            <a:picLocks noChangeAspect="1"/>
-          </p:cNvPicPr>
-          <p:nvPr/>
-        </p:nvPicPr>
-        <p:blipFill>
-          <a:blip r:embed="rId2">
-            <a:extLst>
-              <a:ext uri="{28A0092B-C50C-407E-A947-70E740481C1C}">
-                <a14:useLocalDpi xmlns:a14="http://schemas.microsoft.com/office/drawing/2010/main" val="0"/>
-              </a:ext>
-            </a:extLst>
-          </a:blip>
-          <a:stretch>
-            <a:fillRect/>
-          </a:stretch>
-        </p:blipFill>
-        <p:spPr>
-          <a:xfrm>
-            <a:off x="8950234" y="3784600"/>
-            <a:ext cx="6579647" cy="8632496"/>
-          </a:xfrm>
-          <a:prstGeom prst="rect">
-            <a:avLst/>
-          </a:prstGeom>
-        </p:spPr>
-      </p:pic>
-      <p:pic>
-        <p:nvPicPr>
-          <p:cNvPr id="4" name="Picture 3"/>
-          <p:cNvPicPr>
-            <a:picLocks noChangeAspect="1"/>
-          </p:cNvPicPr>
-          <p:nvPr/>
-        </p:nvPicPr>
-        <p:blipFill>
-          <a:blip r:embed="rId3">
-            <a:extLst>
-              <a:ext uri="{28A0092B-C50C-407E-A947-70E740481C1C}">
-                <a14:useLocalDpi xmlns:a14="http://schemas.microsoft.com/office/drawing/2010/main" val="0"/>
-              </a:ext>
-            </a:extLst>
-          </a:blip>
-          <a:stretch>
-            <a:fillRect/>
-          </a:stretch>
-        </p:blipFill>
-        <p:spPr>
-          <a:xfrm>
-            <a:off x="16071197" y="3784600"/>
-            <a:ext cx="6579647" cy="8632496"/>
-          </a:xfrm>
-          <a:prstGeom prst="rect">
-            <a:avLst/>
-          </a:prstGeom>
-        </p:spPr>
-      </p:pic>
-      <p:pic>
-        <p:nvPicPr>
-          <p:cNvPr id="5" name="Picture 4"/>
-          <p:cNvPicPr>
-            <a:picLocks noChangeAspect="1"/>
-          </p:cNvPicPr>
-          <p:nvPr/>
-        </p:nvPicPr>
-        <p:blipFill>
-          <a:blip r:embed="rId4">
-            <a:extLst>
-              <a:ext uri="{28A0092B-C50C-407E-A947-70E740481C1C}">
-                <a14:useLocalDpi xmlns:a14="http://schemas.microsoft.com/office/drawing/2010/main" val="0"/>
-              </a:ext>
-            </a:extLst>
-          </a:blip>
-          <a:stretch>
-            <a:fillRect/>
-          </a:stretch>
-        </p:blipFill>
-        <p:spPr>
-          <a:xfrm>
-            <a:off x="1829271" y="3784600"/>
-            <a:ext cx="6579647" cy="8632496"/>
-          </a:xfrm>
-          <a:prstGeom prst="rect">
-            <a:avLst/>
-          </a:prstGeom>
-        </p:spPr>
-      </p:pic>
+          </a:p>
+        </p:txBody>
+      </p:sp>
+      <p:sp>
+        <p:nvSpPr>
+          <p:cNvPr id="290" name="Shape 290"/>
+          <p:cNvSpPr/>
+          <p:nvPr>
+            <p:ph type="body" idx="1"/>
+          </p:nvPr>
+        </p:nvSpPr>
+        <p:spPr>
+          <a:prstGeom prst="rect">
+            <a:avLst/>
+          </a:prstGeom>
+        </p:spPr>
+        <p:txBody>
+          <a:bodyPr/>
+          <a:lstStyle/>
+          <a:p>
+            <a:pPr marL="441960" indent="-441960" defTabSz="495300">
+              <a:spcBef>
+                <a:spcPts val="3900"/>
+              </a:spcBef>
+              <a:defRPr sz="3840"/>
+            </a:pPr>
+            <a:r>
+              <a:rPr u="sng">
+                <a:hlinkClick r:id="rId2" invalidUrl="" action="" tgtFrame="" tooltip="" history="1" highlightClick="0" endSnd="0"/>
+              </a:rPr>
+              <a:t>http://www.forbes.com/sites/piyankajain/2013/02/25/data-science-or-analytics/</a:t>
+            </a:r>
+          </a:p>
+          <a:p>
+            <a:pPr marL="441960" indent="-441960" defTabSz="495300">
+              <a:spcBef>
+                <a:spcPts val="3900"/>
+              </a:spcBef>
+              <a:defRPr sz="3840"/>
+            </a:pPr>
+            <a:r>
+              <a:rPr u="sng">
+                <a:hlinkClick r:id="rId3" invalidUrl="" action="" tgtFrame="" tooltip="" history="1" highlightClick="0" endSnd="0"/>
+              </a:rPr>
+              <a:t>http://www.edureka.co/blog/core-data-scientist-skills/</a:t>
+            </a:r>
+          </a:p>
+          <a:p>
+            <a:pPr marL="441960" indent="-441960" defTabSz="495300">
+              <a:spcBef>
+                <a:spcPts val="3900"/>
+              </a:spcBef>
+              <a:defRPr sz="3840"/>
+            </a:pPr>
+            <a:r>
+              <a:rPr u="sng">
+                <a:hlinkClick r:id="rId4" invalidUrl="" action="" tgtFrame="" tooltip="" history="1" highlightClick="0" endSnd="0"/>
+              </a:rPr>
+              <a:t>http://pbpython.com</a:t>
+            </a:r>
+          </a:p>
+          <a:p>
+            <a:pPr marL="441960" indent="-441960" defTabSz="495300">
+              <a:spcBef>
+                <a:spcPts val="3900"/>
+              </a:spcBef>
+              <a:defRPr sz="3840"/>
+            </a:pPr>
+            <a:r>
+              <a:rPr u="sng">
+                <a:hlinkClick r:id="rId5" invalidUrl="" action="" tgtFrame="" tooltip="" history="1" highlightClick="0" endSnd="0"/>
+              </a:rPr>
+              <a:t>http://www.marketingdistillery.com/</a:t>
+            </a:r>
+          </a:p>
+          <a:p>
+            <a:pPr marL="441960" indent="-441960" defTabSz="495300">
+              <a:spcBef>
+                <a:spcPts val="3900"/>
+              </a:spcBef>
+              <a:defRPr sz="3840"/>
+            </a:pPr>
+            <a:r>
+              <a:rPr u="sng">
+                <a:hlinkClick r:id="rId6" invalidUrl="" action="" tgtFrame="" tooltip="" history="1" highlightClick="0" endSnd="0"/>
+              </a:rPr>
+              <a:t>http://pandas.pydata.org</a:t>
+            </a:r>
+          </a:p>
+          <a:p>
+            <a:pPr marL="441960" indent="-441960" defTabSz="495300">
+              <a:spcBef>
+                <a:spcPts val="3900"/>
+              </a:spcBef>
+              <a:defRPr sz="3840"/>
+            </a:pPr>
+            <a:r>
+              <a:rPr u="sng">
+                <a:hlinkClick r:id="rId7" invalidUrl="" action="" tgtFrame="" tooltip="" history="1" highlightClick="0" endSnd="0"/>
+              </a:rPr>
+              <a:t>http://bokeh.pydata.org/en/latest</a:t>
+            </a:r>
+          </a:p>
+          <a:p>
+            <a:pPr marL="441960" indent="-441960" defTabSz="495300">
+              <a:spcBef>
+                <a:spcPts val="3900"/>
+              </a:spcBef>
+              <a:defRPr sz="3840"/>
+            </a:pPr>
+            <a:r>
+              <a:rPr u="sng">
+                <a:hlinkClick r:id="rId8" invalidUrl="" action="" tgtFrame="" tooltip="" history="1" highlightClick="0" endSnd="0"/>
+              </a:rPr>
+              <a:t>https://www.continuum.io/why-anaconda</a:t>
+            </a:r>
+          </a:p>
+          <a:p>
+            <a:pPr marL="441960" indent="-441960" defTabSz="495300">
+              <a:spcBef>
+                <a:spcPts val="3900"/>
+              </a:spcBef>
+              <a:defRPr sz="3840"/>
+            </a:pPr>
+            <a:r>
+              <a:rPr u="sng">
+                <a:hlinkClick r:id="rId9" invalidUrl="" action="" tgtFrame="" tooltip="" history="1" highlightClick="0" endSnd="0"/>
+              </a:rPr>
+              <a:t>https://s3.amazonaws.com/quandl-static-content/Documents/Quandl+-+Pandas,+SciPy,+NumPy+Cheat+Sheet.pdf</a:t>
+            </a:r>
+          </a:p>
+        </p:txBody>
+      </p:sp>
     </p:spTree>
-    <p:extLst>
-      <p:ext uri="{BB962C8B-B14F-4D97-AF65-F5344CB8AC3E}">
-        <p14:creationId xmlns:p14="http://schemas.microsoft.com/office/powerpoint/2010/main" val="4042718961"/>
-      </p:ext>
-    </p:extLst>
   </p:cSld>
   <p:clrMapOvr>
     <a:masterClrMapping/>
   </p:clrMapOvr>
-  <p:transition spd="slow"/>
-  <p:timing>
-    <p:tnLst>
-      <p:par>
-        <p:cTn id="1" dur="indefinite" restart="never" nodeType="tmRoot"/>
-      </p:par>
-    </p:tnLst>
-  </p:timing>
+  <p:transition xmlns:p14="http://schemas.microsoft.com/office/powerpoint/2010/main" spd="med" advClick="1" p14:dur="1000"/>
 </p:sld>
 </file>
 
 <file path=ppt/slides/slide2.xml><?xml version="1.0" encoding="utf-8"?>
-<p:sld xmlns:a="http://schemas.openxmlformats.org/drawingml/2006/main" xmlns:r="http://schemas.openxmlformats.org/officeDocument/2006/relationships" xmlns:p="http://schemas.openxmlformats.org/presentationml/2006/main">
+<p:sld xmlns:a="http://schemas.openxmlformats.org/drawingml/2006/main" xmlns:r="http://schemas.openxmlformats.org/officeDocument/2006/relationships" xmlns:p="http://schemas.openxmlformats.org/presentationml/2006/main" showMasterSp="1" showMasterPhAnim="1">
   <p:cSld>
     <p:spTree>
       <p:nvGrpSpPr>
@@ -5289,10 +6071,8 @@
       </p:grpSpPr>
       <p:sp>
         <p:nvSpPr>
-          <p:cNvPr id="123" name="Shape 123"/>
-          <p:cNvSpPr>
-            <a:spLocks noGrp="1"/>
-          </p:cNvSpPr>
+          <p:cNvPr id="125" name="Shape 125"/>
+          <p:cNvSpPr/>
           <p:nvPr>
             <p:ph type="title"/>
           </p:nvPr>
@@ -5306,6 +6086,7 @@
           <a:bodyPr/>
           <a:lstStyle/>
           <a:p>
+            <a:pPr/>
             <a:r>
               <a:t>Objectives</a:t>
             </a:r>
@@ -5314,10 +6095,8 @@
       </p:sp>
       <p:sp>
         <p:nvSpPr>
-          <p:cNvPr id="124" name="Shape 124"/>
-          <p:cNvSpPr>
-            <a:spLocks noGrp="1"/>
-          </p:cNvSpPr>
+          <p:cNvPr id="126" name="Shape 126"/>
+          <p:cNvSpPr/>
           <p:nvPr>
             <p:ph type="body" idx="1"/>
           </p:nvPr>
@@ -5332,41 +6111,37 @@
           </a:prstGeom>
         </p:spPr>
         <p:txBody>
-          <a:bodyPr>
-            <a:noAutofit/>
-          </a:bodyPr>
+          <a:bodyPr/>
           <a:lstStyle/>
           <a:p>
-            <a:r>
-              <a:rPr sz="5400" dirty="0"/>
+            <a:pPr/>
+            <a:r>
               <a:t>Learn the difference between data “</a:t>
             </a:r>
             <a:r>
-              <a:rPr sz="5400" i="1" dirty="0"/>
+              <a:rPr i="1"/>
               <a:t>science</a:t>
             </a:r>
             <a:r>
-              <a:rPr sz="5400" dirty="0"/>
               <a:t>” and “</a:t>
             </a:r>
             <a:r>
-              <a:rPr sz="5400" i="1" dirty="0"/>
+              <a:rPr i="1"/>
               <a:t>analysis</a:t>
             </a:r>
             <a:r>
-              <a:rPr sz="5400" dirty="0"/>
               <a:t>”, and understand the characteristics (and toolsets) of their practitioners.</a:t>
             </a:r>
           </a:p>
           <a:p>
-            <a:r>
-              <a:rPr sz="5400" dirty="0"/>
+            <a:pPr/>
+            <a:r>
               <a:t>Learn how to use Python (with a few 3rd party modules) to modernize your data transformation, analysis, and visualization tasks</a:t>
             </a:r>
           </a:p>
           <a:p>
-            <a:r>
-              <a:rPr sz="5400" dirty="0"/>
+            <a:pPr/>
+            <a:r>
               <a:t>Learn how to integrate these new tools and techniques into your everyday business workflows and applications</a:t>
             </a:r>
           </a:p>
@@ -5377,30 +6152,23 @@
   <p:clrMapOvr>
     <a:masterClrMapping/>
   </p:clrMapOvr>
-  <mc:AlternateContent xmlns:mc="http://schemas.openxmlformats.org/markup-compatibility/2006" xmlns:p14="http://schemas.microsoft.com/office/powerpoint/2010/main">
-    <mc:Choice Requires="p14">
-      <p:transition spd="slow" p14:dur="1500">
+  <mc:AlternateContent xmlns:mc="http://schemas.openxmlformats.org/markup-compatibility/2006">
+    <mc:Choice xmlns:p14="http://schemas.microsoft.com/office/powerpoint/2010/main" Requires="p14">
+      <p:transition spd="slow" advClick="1" p14:dur="1500">
         <p:fade thruBlk="1"/>
       </p:transition>
     </mc:Choice>
-    <mc:Fallback xmlns="">
+    <mc:Fallback>
       <p:transition spd="slow">
         <p:fade/>
       </p:transition>
     </mc:Fallback>
   </mc:AlternateContent>
-  <p:timing>
-    <p:tnLst>
-      <p:par>
-        <p:cTn id="1" dur="indefinite" restart="never" nodeType="tmRoot"/>
-      </p:par>
-    </p:tnLst>
-  </p:timing>
 </p:sld>
 </file>
 
-<file path=ppt/slides/slide3.xml><?xml version="1.0" encoding="utf-8"?>
-<p:sld xmlns:a="http://schemas.openxmlformats.org/drawingml/2006/main" xmlns:r="http://schemas.openxmlformats.org/officeDocument/2006/relationships" xmlns:p="http://schemas.openxmlformats.org/presentationml/2006/main">
+<file path=ppt/slides/slide20.xml><?xml version="1.0" encoding="utf-8"?>
+<p:sld xmlns:a="http://schemas.openxmlformats.org/drawingml/2006/main" xmlns:r="http://schemas.openxmlformats.org/officeDocument/2006/relationships" xmlns:p="http://schemas.openxmlformats.org/presentationml/2006/main" showMasterSp="1" showMasterPhAnim="1">
   <p:cSld>
     <p:spTree>
       <p:nvGrpSpPr>
@@ -5418,10 +6186,8 @@
       </p:grpSpPr>
       <p:sp>
         <p:nvSpPr>
-          <p:cNvPr id="126" name="Shape 126"/>
-          <p:cNvSpPr>
-            <a:spLocks noGrp="1"/>
-          </p:cNvSpPr>
+          <p:cNvPr id="292" name="Shape 292"/>
+          <p:cNvSpPr/>
           <p:nvPr>
             <p:ph type="title"/>
           </p:nvPr>
@@ -5435,237 +6201,16 @@
           <a:bodyPr/>
           <a:lstStyle/>
           <a:p>
-            <a:r>
-              <a:t>Who This is for</a:t>
-            </a:r>
-          </a:p>
-        </p:txBody>
-      </p:sp>
-      <p:sp>
-        <p:nvSpPr>
-          <p:cNvPr id="127" name="Shape 127"/>
-          <p:cNvSpPr>
-            <a:spLocks noGrp="1"/>
-          </p:cNvSpPr>
-          <p:nvPr>
-            <p:ph type="body" idx="1"/>
-          </p:nvPr>
-        </p:nvSpPr>
-        <p:spPr>
-          <a:xfrm>
-            <a:off x="673100" y="3835400"/>
-            <a:ext cx="15275663" cy="8864600"/>
-          </a:xfrm>
-          <a:prstGeom prst="rect">
-            <a:avLst/>
-          </a:prstGeom>
-        </p:spPr>
-        <p:txBody>
-          <a:bodyPr anchor="t">
-            <a:normAutofit lnSpcReduction="10000"/>
-          </a:bodyPr>
-          <a:lstStyle/>
-          <a:p>
-            <a:pPr marL="0" indent="0" defTabSz="751205">
-              <a:spcBef>
-                <a:spcPts val="0"/>
-              </a:spcBef>
-              <a:buSzTx/>
-              <a:buNone/>
-              <a:defRPr sz="6552" cap="all"/>
-            </a:pPr>
-            <a:r>
-              <a:rPr sz="6000" dirty="0"/>
-              <a:t>Primary </a:t>
-            </a:r>
-            <a:r>
-              <a:rPr sz="6000" dirty="0" smtClean="0"/>
-              <a:t>Audience</a:t>
-            </a:r>
-            <a:r>
-              <a:rPr lang="en-US" sz="6000" dirty="0" smtClean="0"/>
-              <a:t/>
-            </a:r>
-            <a:br>
-              <a:rPr lang="en-US" sz="6000" dirty="0" smtClean="0"/>
-            </a:br>
-            <a:endParaRPr sz="6000" dirty="0"/>
-          </a:p>
-          <a:p>
-            <a:pPr marL="1106703" lvl="1" indent="-436397" defTabSz="751205">
-              <a:spcBef>
-                <a:spcPts val="0"/>
-              </a:spcBef>
-              <a:buClr>
-                <a:srgbClr val="535353"/>
-              </a:buClr>
-              <a:defRPr sz="5824">
-                <a:solidFill>
-                  <a:srgbClr val="5A5F5E"/>
-                </a:solidFill>
-              </a:defRPr>
-            </a:pPr>
-            <a:r>
-              <a:rPr sz="4800" dirty="0"/>
-              <a:t>Application developers</a:t>
-            </a:r>
-          </a:p>
-          <a:p>
-            <a:pPr marL="1106703" lvl="1" indent="-436397" defTabSz="751205">
-              <a:spcBef>
-                <a:spcPts val="0"/>
-              </a:spcBef>
-              <a:buClr>
-                <a:srgbClr val="535353"/>
-              </a:buClr>
-              <a:defRPr sz="5824">
-                <a:solidFill>
-                  <a:srgbClr val="5A5F5E"/>
-                </a:solidFill>
-              </a:defRPr>
-            </a:pPr>
-            <a:r>
-              <a:rPr sz="4800" dirty="0"/>
-              <a:t>Data/Business analysts *</a:t>
-            </a:r>
-          </a:p>
-          <a:p>
-            <a:pPr marL="1106703" lvl="1" indent="-436397" defTabSz="751205">
-              <a:spcBef>
-                <a:spcPts val="0"/>
-              </a:spcBef>
-              <a:buClr>
-                <a:srgbClr val="535353"/>
-              </a:buClr>
-              <a:defRPr sz="5824">
-                <a:solidFill>
-                  <a:srgbClr val="5A5F5E"/>
-                </a:solidFill>
-              </a:defRPr>
-            </a:pPr>
-            <a:r>
-              <a:rPr sz="4800" dirty="0"/>
-              <a:t>Excel masters *</a:t>
-            </a:r>
-          </a:p>
-          <a:p>
-            <a:pPr marL="0" indent="0" defTabSz="751205">
-              <a:spcBef>
-                <a:spcPts val="0"/>
-              </a:spcBef>
-              <a:buSzTx/>
-              <a:buNone/>
-              <a:defRPr sz="6552" cap="all"/>
-            </a:pPr>
-            <a:endParaRPr sz="6000" dirty="0"/>
-          </a:p>
-          <a:p>
-            <a:pPr marL="0" indent="0" defTabSz="751205">
-              <a:spcBef>
-                <a:spcPts val="0"/>
-              </a:spcBef>
-              <a:buSzTx/>
-              <a:buNone/>
-              <a:defRPr sz="6552" cap="all"/>
-            </a:pPr>
-            <a:r>
-              <a:rPr sz="6000" dirty="0"/>
-              <a:t>Anyone interested </a:t>
-            </a:r>
-            <a:r>
-              <a:rPr sz="6000" dirty="0" smtClean="0"/>
-              <a:t>in</a:t>
-            </a:r>
-            <a:r>
-              <a:rPr lang="en-US" sz="6000" dirty="0" smtClean="0"/>
-              <a:t/>
-            </a:r>
-            <a:br>
-              <a:rPr lang="en-US" sz="6000" dirty="0" smtClean="0"/>
-            </a:br>
-            <a:endParaRPr sz="6000" dirty="0"/>
-          </a:p>
-          <a:p>
-            <a:pPr marL="1106703" lvl="1" indent="-436397" defTabSz="751205">
-              <a:spcBef>
-                <a:spcPts val="0"/>
-              </a:spcBef>
-              <a:buClr>
-                <a:srgbClr val="535353"/>
-              </a:buClr>
-              <a:defRPr sz="5824">
-                <a:solidFill>
-                  <a:srgbClr val="5A5F5E"/>
-                </a:solidFill>
-              </a:defRPr>
-            </a:pPr>
-            <a:r>
-              <a:rPr sz="4800" dirty="0"/>
-              <a:t>Simple data analysis</a:t>
-            </a:r>
-          </a:p>
-          <a:p>
-            <a:pPr marL="1106703" lvl="1" indent="-436397" defTabSz="751205">
-              <a:spcBef>
-                <a:spcPts val="0"/>
-              </a:spcBef>
-              <a:buClr>
-                <a:srgbClr val="535353"/>
-              </a:buClr>
-              <a:defRPr sz="5824">
-                <a:solidFill>
-                  <a:srgbClr val="5A5F5E"/>
-                </a:solidFill>
-              </a:defRPr>
-            </a:pPr>
-            <a:r>
-              <a:rPr sz="4800" dirty="0"/>
-              <a:t>Static &amp; Dynamic reporting</a:t>
-            </a:r>
-          </a:p>
-          <a:p>
-            <a:pPr marL="1106703" lvl="1" indent="-436397" defTabSz="751205">
-              <a:spcBef>
-                <a:spcPts val="0"/>
-              </a:spcBef>
-              <a:buClr>
-                <a:srgbClr val="535353"/>
-              </a:buClr>
-              <a:defRPr sz="5824">
-                <a:solidFill>
-                  <a:srgbClr val="5A5F5E"/>
-                </a:solidFill>
-              </a:defRPr>
-            </a:pPr>
-            <a:r>
-              <a:rPr sz="4800" dirty="0"/>
-              <a:t>Excel automation</a:t>
-            </a:r>
-          </a:p>
-          <a:p>
-            <a:pPr marL="1106703" lvl="1" indent="-436397" defTabSz="751205">
-              <a:spcBef>
-                <a:spcPts val="0"/>
-              </a:spcBef>
-              <a:buClr>
-                <a:srgbClr val="535353"/>
-              </a:buClr>
-              <a:defRPr sz="5824">
-                <a:solidFill>
-                  <a:srgbClr val="5A5F5E"/>
-                </a:solidFill>
-              </a:defRPr>
-            </a:pPr>
-            <a:r>
-              <a:rPr sz="4800" dirty="0"/>
-              <a:t>Integration with other apps/tools</a:t>
+            <a:pPr/>
+            <a:r>
+              <a:t>More References</a:t>
             </a:r>
           </a:p>
         </p:txBody>
       </p:sp>
       <p:pic>
         <p:nvPicPr>
-          <p:cNvPr id="128" name="Girl_and_guy.png"/>
+          <p:cNvPr id="293" name="lrg (1).jpg"/>
           <p:cNvPicPr>
             <a:picLocks noChangeAspect="1"/>
           </p:cNvPicPr>
@@ -5681,8 +6226,8 @@
         </p:blipFill>
         <p:spPr>
           <a:xfrm>
-            <a:off x="17070641" y="3053294"/>
-            <a:ext cx="7340601" cy="10160001"/>
+            <a:off x="9017000" y="3700474"/>
+            <a:ext cx="6350000" cy="8331201"/>
           </a:xfrm>
           <a:prstGeom prst="rect">
             <a:avLst/>
@@ -5692,16 +6237,26 @@
           </a:ln>
         </p:spPr>
       </p:pic>
-      <p:sp>
-        <p:nvSpPr>
-          <p:cNvPr id="129" name="Shape 129"/>
-          <p:cNvSpPr/>
+      <p:pic>
+        <p:nvPicPr>
+          <p:cNvPr id="294" name="lrg (2).jpg"/>
+          <p:cNvPicPr>
+            <a:picLocks noChangeAspect="1"/>
+          </p:cNvPicPr>
           <p:nvPr/>
-        </p:nvSpPr>
-        <p:spPr>
-          <a:xfrm>
-            <a:off x="17843059" y="12614557"/>
-            <a:ext cx="5795765" cy="571501"/>
+        </p:nvPicPr>
+        <p:blipFill>
+          <a:blip r:embed="rId3">
+            <a:extLst/>
+          </a:blip>
+          <a:stretch>
+            <a:fillRect/>
+          </a:stretch>
+        </p:blipFill>
+        <p:spPr>
+          <a:xfrm>
+            <a:off x="16732498" y="3700474"/>
+            <a:ext cx="6350001" cy="8331201"/>
           </a:xfrm>
           <a:prstGeom prst="rect">
             <a:avLst/>
@@ -5709,63 +6264,48 @@
           <a:ln w="12700">
             <a:miter lim="400000"/>
           </a:ln>
-          <a:extLst>
-            <a:ext uri="{C572A759-6A51-4108-AA02-DFA0A04FC94B}">
-              <ma14:wrappingTextBoxFlag xmlns:ma14="http://schemas.microsoft.com/office/mac/drawingml/2011/main" xmlns="" val="1"/>
-            </a:ext>
-          </a:extLst>
-        </p:spPr>
-        <p:txBody>
-          <a:bodyPr wrap="none" lIns="50800" tIns="50800" rIns="50800" bIns="50800" anchor="ctr">
-            <a:spAutoFit/>
-          </a:bodyPr>
-          <a:lstStyle>
-            <a:lvl1pPr algn="l">
-              <a:lnSpc>
-                <a:spcPct val="120000"/>
-              </a:lnSpc>
-              <a:spcBef>
-                <a:spcPts val="6500"/>
-              </a:spcBef>
-              <a:defRPr sz="3200"/>
-            </a:lvl1pPr>
-          </a:lstStyle>
-          <a:p>
-            <a:r>
-              <a:t>* some coding experience required</a:t>
-            </a:r>
-          </a:p>
-        </p:txBody>
-      </p:sp>
+        </p:spPr>
+      </p:pic>
+      <p:pic>
+        <p:nvPicPr>
+          <p:cNvPr id="295" name="lrg.jpg"/>
+          <p:cNvPicPr>
+            <a:picLocks noChangeAspect="1"/>
+          </p:cNvPicPr>
+          <p:nvPr/>
+        </p:nvPicPr>
+        <p:blipFill>
+          <a:blip r:embed="rId4">
+            <a:extLst/>
+          </a:blip>
+          <a:stretch>
+            <a:fillRect/>
+          </a:stretch>
+        </p:blipFill>
+        <p:spPr>
+          <a:xfrm>
+            <a:off x="1301502" y="3700474"/>
+            <a:ext cx="6350001" cy="8331201"/>
+          </a:xfrm>
+          <a:prstGeom prst="rect">
+            <a:avLst/>
+          </a:prstGeom>
+          <a:ln w="12700">
+            <a:miter lim="400000"/>
+          </a:ln>
+        </p:spPr>
+      </p:pic>
     </p:spTree>
   </p:cSld>
   <p:clrMapOvr>
     <a:masterClrMapping/>
   </p:clrMapOvr>
-  <mc:AlternateContent xmlns:mc="http://schemas.openxmlformats.org/markup-compatibility/2006" xmlns:p14="http://schemas.microsoft.com/office/powerpoint/2010/main">
-    <mc:Choice Requires="p14">
-      <p:transition spd="slow" p14:dur="1500">
-        <p:fade thruBlk="1"/>
-      </p:transition>
-    </mc:Choice>
-    <mc:Fallback xmlns="">
-      <p:transition spd="slow">
-        <p:fade/>
-      </p:transition>
-    </mc:Fallback>
-  </mc:AlternateContent>
-  <p:timing>
-    <p:tnLst>
-      <p:par>
-        <p:cTn id="1" dur="indefinite" restart="never" nodeType="tmRoot"/>
-      </p:par>
-    </p:tnLst>
-  </p:timing>
+  <p:transition xmlns:p14="http://schemas.microsoft.com/office/powerpoint/2010/main" spd="med" advClick="1" p14:dur="1000"/>
 </p:sld>
 </file>
 
-<file path=ppt/slides/slide4.xml><?xml version="1.0" encoding="utf-8"?>
-<p:sld xmlns:a="http://schemas.openxmlformats.org/drawingml/2006/main" xmlns:r="http://schemas.openxmlformats.org/officeDocument/2006/relationships" xmlns:p="http://schemas.openxmlformats.org/presentationml/2006/main">
+<file path=ppt/slides/slide3.xml><?xml version="1.0" encoding="utf-8"?>
+<p:sld xmlns:a="http://schemas.openxmlformats.org/drawingml/2006/main" xmlns:r="http://schemas.openxmlformats.org/officeDocument/2006/relationships" xmlns:p="http://schemas.openxmlformats.org/presentationml/2006/main" showMasterSp="1" showMasterPhAnim="1">
   <p:cSld>
     <p:spTree>
       <p:nvGrpSpPr>
@@ -5783,10 +6323,8 @@
       </p:grpSpPr>
       <p:sp>
         <p:nvSpPr>
-          <p:cNvPr id="131" name="Shape 131"/>
-          <p:cNvSpPr>
-            <a:spLocks noGrp="1"/>
-          </p:cNvSpPr>
+          <p:cNvPr id="130" name="Shape 130"/>
+          <p:cNvSpPr/>
           <p:nvPr>
             <p:ph type="title"/>
           </p:nvPr>
@@ -5800,59 +6338,217 @@
           <a:bodyPr/>
           <a:lstStyle/>
           <a:p>
-            <a:pPr lvl="3" algn="l"/>
-            <a:r>
-              <a:t>Data Science</a:t>
-            </a:r>
-          </a:p>
-        </p:txBody>
-      </p:sp>
-      <p:sp>
-        <p:nvSpPr>
-          <p:cNvPr id="132" name="Shape 132"/>
-          <p:cNvSpPr>
-            <a:spLocks noGrp="1"/>
-          </p:cNvSpPr>
+            <a:pPr/>
+            <a:r>
+              <a:t>Who This is for</a:t>
+            </a:r>
+          </a:p>
+        </p:txBody>
+      </p:sp>
+      <p:sp>
+        <p:nvSpPr>
+          <p:cNvPr id="131" name="Shape 131"/>
+          <p:cNvSpPr/>
           <p:nvPr>
-            <p:ph type="body" sz="half" idx="1"/>
+            <p:ph type="body" idx="1"/>
           </p:nvPr>
         </p:nvSpPr>
         <p:spPr>
           <a:xfrm>
-            <a:off x="673100" y="3378913"/>
-            <a:ext cx="23050500" cy="3429001"/>
-          </a:xfrm>
-          <a:prstGeom prst="rect">
-            <a:avLst/>
-          </a:prstGeom>
-        </p:spPr>
-        <p:txBody>
-          <a:bodyPr>
-            <a:normAutofit lnSpcReduction="10000"/>
-          </a:bodyPr>
+            <a:off x="673100" y="3835400"/>
+            <a:ext cx="15275663" cy="8864600"/>
+          </a:xfrm>
+          <a:prstGeom prst="rect">
+            <a:avLst/>
+          </a:prstGeom>
+        </p:spPr>
+        <p:txBody>
+          <a:bodyPr anchor="t"/>
           <a:lstStyle/>
           <a:p>
-            <a:pPr marL="0" lvl="3" indent="685800">
+            <a:pPr marL="0" indent="0" defTabSz="751205">
+              <a:spcBef>
+                <a:spcPts val="0"/>
+              </a:spcBef>
               <a:buSzTx/>
               <a:buNone/>
+              <a:defRPr cap="all" sz="6552"/>
             </a:pPr>
             <a:r>
-              <a:rPr dirty="0"/>
-              <a:t>An interdisciplinary field about processes and systems used to extract knowledge or insights from data in various forms, either structured or unstructured</a:t>
-            </a:r>
-          </a:p>
-        </p:txBody>
-      </p:sp>
-      <p:sp>
-        <p:nvSpPr>
-          <p:cNvPr id="133" name="Shape 133"/>
-          <p:cNvSpPr/>
+              <a:t>Primary Audience</a:t>
+            </a:r>
+          </a:p>
+          <a:p>
+            <a:pPr lvl="1" marL="1106703" indent="-436397" defTabSz="751205">
+              <a:spcBef>
+                <a:spcPts val="0"/>
+              </a:spcBef>
+              <a:buClr>
+                <a:srgbClr val="535353"/>
+              </a:buClr>
+              <a:defRPr sz="5824">
+                <a:solidFill>
+                  <a:srgbClr val="5A5F5E"/>
+                </a:solidFill>
+              </a:defRPr>
+            </a:pPr>
+            <a:r>
+              <a:t>Application developers</a:t>
+            </a:r>
+          </a:p>
+          <a:p>
+            <a:pPr lvl="1" marL="1106703" indent="-436397" defTabSz="751205">
+              <a:spcBef>
+                <a:spcPts val="0"/>
+              </a:spcBef>
+              <a:buClr>
+                <a:srgbClr val="535353"/>
+              </a:buClr>
+              <a:defRPr sz="5824">
+                <a:solidFill>
+                  <a:srgbClr val="5A5F5E"/>
+                </a:solidFill>
+              </a:defRPr>
+            </a:pPr>
+            <a:r>
+              <a:t>Data/Business analysts *</a:t>
+            </a:r>
+          </a:p>
+          <a:p>
+            <a:pPr lvl="1" marL="1106703" indent="-436397" defTabSz="751205">
+              <a:spcBef>
+                <a:spcPts val="0"/>
+              </a:spcBef>
+              <a:buClr>
+                <a:srgbClr val="535353"/>
+              </a:buClr>
+              <a:defRPr sz="5824">
+                <a:solidFill>
+                  <a:srgbClr val="5A5F5E"/>
+                </a:solidFill>
+              </a:defRPr>
+            </a:pPr>
+            <a:r>
+              <a:t>Excel masters *</a:t>
+            </a:r>
+          </a:p>
+          <a:p>
+            <a:pPr marL="0" indent="0" defTabSz="751205">
+              <a:spcBef>
+                <a:spcPts val="0"/>
+              </a:spcBef>
+              <a:buSzTx/>
+              <a:buNone/>
+              <a:defRPr cap="all" sz="6552"/>
+            </a:pPr>
+          </a:p>
+          <a:p>
+            <a:pPr marL="0" indent="0" defTabSz="751205">
+              <a:spcBef>
+                <a:spcPts val="0"/>
+              </a:spcBef>
+              <a:buSzTx/>
+              <a:buNone/>
+              <a:defRPr cap="all" sz="6552"/>
+            </a:pPr>
+            <a:r>
+              <a:t>Anyone interested in</a:t>
+            </a:r>
+          </a:p>
+          <a:p>
+            <a:pPr lvl="1" marL="1106703" indent="-436397" defTabSz="751205">
+              <a:spcBef>
+                <a:spcPts val="0"/>
+              </a:spcBef>
+              <a:buClr>
+                <a:srgbClr val="535353"/>
+              </a:buClr>
+              <a:defRPr sz="5824">
+                <a:solidFill>
+                  <a:srgbClr val="5A5F5E"/>
+                </a:solidFill>
+              </a:defRPr>
+            </a:pPr>
+            <a:r>
+              <a:t>Simple data analysis</a:t>
+            </a:r>
+          </a:p>
+          <a:p>
+            <a:pPr lvl="1" marL="1106703" indent="-436397" defTabSz="751205">
+              <a:spcBef>
+                <a:spcPts val="0"/>
+              </a:spcBef>
+              <a:buClr>
+                <a:srgbClr val="535353"/>
+              </a:buClr>
+              <a:defRPr sz="5824">
+                <a:solidFill>
+                  <a:srgbClr val="5A5F5E"/>
+                </a:solidFill>
+              </a:defRPr>
+            </a:pPr>
+            <a:r>
+              <a:t>Static &amp; Dynamic reporting</a:t>
+            </a:r>
+          </a:p>
+          <a:p>
+            <a:pPr lvl="1" marL="1106703" indent="-436397" defTabSz="751205">
+              <a:spcBef>
+                <a:spcPts val="0"/>
+              </a:spcBef>
+              <a:buClr>
+                <a:srgbClr val="535353"/>
+              </a:buClr>
+              <a:defRPr sz="5824">
+                <a:solidFill>
+                  <a:srgbClr val="5A5F5E"/>
+                </a:solidFill>
+              </a:defRPr>
+            </a:pPr>
+            <a:r>
+              <a:t>Excel automation</a:t>
+            </a:r>
+          </a:p>
+          <a:p>
+            <a:pPr lvl="1" marL="1106703" indent="-436397" defTabSz="751205">
+              <a:spcBef>
+                <a:spcPts val="0"/>
+              </a:spcBef>
+              <a:buClr>
+                <a:srgbClr val="535353"/>
+              </a:buClr>
+              <a:defRPr sz="5824">
+                <a:solidFill>
+                  <a:srgbClr val="5A5F5E"/>
+                </a:solidFill>
+              </a:defRPr>
+            </a:pPr>
+            <a:r>
+              <a:t>Integration with other apps/tools</a:t>
+            </a:r>
+          </a:p>
+        </p:txBody>
+      </p:sp>
+      <p:pic>
+        <p:nvPicPr>
+          <p:cNvPr id="132" name="Girl_and_guy.png"/>
+          <p:cNvPicPr>
+            <a:picLocks noChangeAspect="1"/>
+          </p:cNvPicPr>
           <p:nvPr/>
-        </p:nvSpPr>
-        <p:spPr>
-          <a:xfrm>
-            <a:off x="673100" y="6502400"/>
-            <a:ext cx="23050500" cy="3429000"/>
+        </p:nvPicPr>
+        <p:blipFill>
+          <a:blip r:embed="rId3">
+            <a:extLst/>
+          </a:blip>
+          <a:stretch>
+            <a:fillRect/>
+          </a:stretch>
+        </p:blipFill>
+        <p:spPr>
+          <a:xfrm>
+            <a:off x="17070641" y="3053294"/>
+            <a:ext cx="7340601" cy="10160001"/>
           </a:xfrm>
           <a:prstGeom prst="rect">
             <a:avLst/>
@@ -5860,67 +6556,50 @@
           <a:ln w="12700">
             <a:miter lim="400000"/>
           </a:ln>
+        </p:spPr>
+      </p:pic>
+      <p:sp>
+        <p:nvSpPr>
+          <p:cNvPr id="133" name="Shape 133"/>
+          <p:cNvSpPr/>
+          <p:nvPr/>
+        </p:nvSpPr>
+        <p:spPr>
+          <a:xfrm>
+            <a:off x="17843059" y="12614557"/>
+            <a:ext cx="5795765" cy="571501"/>
+          </a:xfrm>
+          <a:prstGeom prst="rect">
+            <a:avLst/>
+          </a:prstGeom>
+          <a:ln w="12700">
+            <a:miter lim="400000"/>
+          </a:ln>
           <a:extLst>
             <a:ext uri="{C572A759-6A51-4108-AA02-DFA0A04FC94B}">
-              <ma14:wrappingTextBoxFlag xmlns:ma14="http://schemas.microsoft.com/office/mac/drawingml/2011/main" xmlns="" val="1"/>
+              <ma14:wrappingTextBoxFlag xmlns:ma14="http://schemas.microsoft.com/office/mac/drawingml/2011/main" val="1"/>
             </a:ext>
           </a:extLst>
         </p:spPr>
         <p:txBody>
-          <a:bodyPr lIns="50800" tIns="50800" rIns="50800" bIns="50800" anchor="ctr">
-            <a:normAutofit/>
+          <a:bodyPr wrap="none" lIns="50800" tIns="50800" rIns="50800" bIns="50800" anchor="ctr">
+            <a:spAutoFit/>
           </a:bodyPr>
-          <a:lstStyle/>
-          <a:p>
-            <a:pPr lvl="3" algn="l">
-              <a:defRPr sz="10000" cap="all"/>
-            </a:pPr>
-            <a:r>
-              <a:t>Data Analytics</a:t>
-            </a:r>
-          </a:p>
-        </p:txBody>
-      </p:sp>
-      <p:sp>
-        <p:nvSpPr>
-          <p:cNvPr id="134" name="Shape 134"/>
-          <p:cNvSpPr/>
-          <p:nvPr/>
-        </p:nvSpPr>
-        <p:spPr>
-          <a:xfrm>
-            <a:off x="673100" y="9525713"/>
-            <a:ext cx="23050500" cy="2365980"/>
-          </a:xfrm>
-          <a:prstGeom prst="rect">
-            <a:avLst/>
-          </a:prstGeom>
-          <a:ln w="12700">
-            <a:miter lim="400000"/>
-          </a:ln>
-          <a:extLst>
-            <a:ext uri="{C572A759-6A51-4108-AA02-DFA0A04FC94B}">
-              <ma14:wrappingTextBoxFlag xmlns:ma14="http://schemas.microsoft.com/office/mac/drawingml/2011/main" xmlns="" val="1"/>
-            </a:ext>
-          </a:extLst>
-        </p:spPr>
-        <p:txBody>
-          <a:bodyPr lIns="50800" tIns="50800" rIns="50800" bIns="50800" anchor="ctr">
-            <a:normAutofit lnSpcReduction="10000"/>
-          </a:bodyPr>
-          <a:lstStyle/>
-          <a:p>
-            <a:pPr lvl="3" algn="l">
+          <a:lstStyle>
+            <a:lvl1pPr algn="l">
               <a:lnSpc>
                 <a:spcPct val="120000"/>
               </a:lnSpc>
               <a:spcBef>
                 <a:spcPts val="6500"/>
               </a:spcBef>
-              <a:defRPr sz="6400"/>
-            </a:pPr>
-            <a:r>
-              <a:t>The science of examining raw data with the purpose of drawing conclusions about that information.</a:t>
+              <a:defRPr sz="3200"/>
+            </a:lvl1pPr>
+          </a:lstStyle>
+          <a:p>
+            <a:pPr/>
+            <a:r>
+              <a:t>* some coding experience required</a:t>
             </a:r>
           </a:p>
         </p:txBody>
@@ -5930,30 +6609,23 @@
   <p:clrMapOvr>
     <a:masterClrMapping/>
   </p:clrMapOvr>
-  <mc:AlternateContent xmlns:mc="http://schemas.openxmlformats.org/markup-compatibility/2006" xmlns:p14="http://schemas.microsoft.com/office/powerpoint/2010/main">
-    <mc:Choice Requires="p14">
-      <p:transition spd="slow" p14:dur="1500">
+  <mc:AlternateContent xmlns:mc="http://schemas.openxmlformats.org/markup-compatibility/2006">
+    <mc:Choice xmlns:p14="http://schemas.microsoft.com/office/powerpoint/2010/main" Requires="p14">
+      <p:transition spd="slow" advClick="1" p14:dur="1500">
         <p:fade thruBlk="1"/>
       </p:transition>
     </mc:Choice>
-    <mc:Fallback xmlns="">
+    <mc:Fallback>
       <p:transition spd="slow">
         <p:fade/>
       </p:transition>
     </mc:Fallback>
   </mc:AlternateContent>
-  <p:timing>
-    <p:tnLst>
-      <p:par>
-        <p:cTn id="1" dur="indefinite" restart="never" nodeType="tmRoot"/>
-      </p:par>
-    </p:tnLst>
-  </p:timing>
 </p:sld>
 </file>
 
-<file path=ppt/slides/slide5.xml><?xml version="1.0" encoding="utf-8"?>
-<p:sld xmlns:a="http://schemas.openxmlformats.org/drawingml/2006/main" xmlns:r="http://schemas.openxmlformats.org/officeDocument/2006/relationships" xmlns:p="http://schemas.openxmlformats.org/presentationml/2006/main">
+<file path=ppt/slides/slide4.xml><?xml version="1.0" encoding="utf-8"?>
+<p:sld xmlns:a="http://schemas.openxmlformats.org/drawingml/2006/main" xmlns:r="http://schemas.openxmlformats.org/officeDocument/2006/relationships" xmlns:p="http://schemas.openxmlformats.org/presentationml/2006/main" showMasterSp="1" showMasterPhAnim="1">
   <p:cSld>
     <p:spTree>
       <p:nvGrpSpPr>
@@ -5971,7 +6643,181 @@
       </p:grpSpPr>
       <p:sp>
         <p:nvSpPr>
-          <p:cNvPr id="136" name="Shape 136"/>
+          <p:cNvPr id="137" name="Shape 137"/>
+          <p:cNvSpPr/>
+          <p:nvPr>
+            <p:ph type="title"/>
+          </p:nvPr>
+        </p:nvSpPr>
+        <p:spPr>
+          <a:prstGeom prst="rect">
+            <a:avLst/>
+          </a:prstGeom>
+        </p:spPr>
+        <p:txBody>
+          <a:bodyPr/>
+          <a:lstStyle/>
+          <a:p>
+            <a:pPr lvl="3" algn="l"/>
+            <a:r>
+              <a:t>Data Science</a:t>
+            </a:r>
+          </a:p>
+        </p:txBody>
+      </p:sp>
+      <p:sp>
+        <p:nvSpPr>
+          <p:cNvPr id="138" name="Shape 138"/>
+          <p:cNvSpPr/>
+          <p:nvPr>
+            <p:ph type="body" sz="half" idx="1"/>
+          </p:nvPr>
+        </p:nvSpPr>
+        <p:spPr>
+          <a:xfrm>
+            <a:off x="673100" y="3378913"/>
+            <a:ext cx="23050500" cy="3429001"/>
+          </a:xfrm>
+          <a:prstGeom prst="rect">
+            <a:avLst/>
+          </a:prstGeom>
+        </p:spPr>
+        <p:txBody>
+          <a:bodyPr/>
+          <a:lstStyle/>
+          <a:p>
+            <a:pPr lvl="3" marL="0" indent="685800">
+              <a:buSzTx/>
+              <a:buNone/>
+            </a:pPr>
+            <a:r>
+              <a:t>An interdisciplinary field about processes and systems used to extract knowledge or insights from data in various forms, either structured or unstructured</a:t>
+            </a:r>
+          </a:p>
+        </p:txBody>
+      </p:sp>
+      <p:sp>
+        <p:nvSpPr>
+          <p:cNvPr id="139" name="Shape 139"/>
+          <p:cNvSpPr/>
+          <p:nvPr/>
+        </p:nvSpPr>
+        <p:spPr>
+          <a:xfrm>
+            <a:off x="673100" y="6502400"/>
+            <a:ext cx="23050500" cy="3429000"/>
+          </a:xfrm>
+          <a:prstGeom prst="rect">
+            <a:avLst/>
+          </a:prstGeom>
+          <a:ln w="12700">
+            <a:miter lim="400000"/>
+          </a:ln>
+          <a:extLst>
+            <a:ext uri="{C572A759-6A51-4108-AA02-DFA0A04FC94B}">
+              <ma14:wrappingTextBoxFlag xmlns:ma14="http://schemas.microsoft.com/office/mac/drawingml/2011/main" val="1"/>
+            </a:ext>
+          </a:extLst>
+        </p:spPr>
+        <p:txBody>
+          <a:bodyPr lIns="50800" tIns="50800" rIns="50800" bIns="50800" anchor="ctr">
+            <a:normAutofit fontScale="100000" lnSpcReduction="0"/>
+          </a:bodyPr>
+          <a:lstStyle/>
+          <a:p>
+            <a:pPr lvl="3" algn="l">
+              <a:defRPr cap="all" sz="10000"/>
+            </a:pPr>
+            <a:r>
+              <a:t>Data Analytics</a:t>
+            </a:r>
+          </a:p>
+        </p:txBody>
+      </p:sp>
+      <p:sp>
+        <p:nvSpPr>
+          <p:cNvPr id="140" name="Shape 140"/>
+          <p:cNvSpPr/>
+          <p:nvPr/>
+        </p:nvSpPr>
+        <p:spPr>
+          <a:xfrm>
+            <a:off x="673100" y="9525713"/>
+            <a:ext cx="23050500" cy="2365980"/>
+          </a:xfrm>
+          <a:prstGeom prst="rect">
+            <a:avLst/>
+          </a:prstGeom>
+          <a:ln w="12700">
+            <a:miter lim="400000"/>
+          </a:ln>
+          <a:extLst>
+            <a:ext uri="{C572A759-6A51-4108-AA02-DFA0A04FC94B}">
+              <ma14:wrappingTextBoxFlag xmlns:ma14="http://schemas.microsoft.com/office/mac/drawingml/2011/main" val="1"/>
+            </a:ext>
+          </a:extLst>
+        </p:spPr>
+        <p:txBody>
+          <a:bodyPr lIns="50800" tIns="50800" rIns="50800" bIns="50800" anchor="ctr">
+            <a:normAutofit fontScale="100000" lnSpcReduction="0"/>
+          </a:bodyPr>
+          <a:lstStyle/>
+          <a:p>
+            <a:pPr lvl="3" algn="l">
+              <a:lnSpc>
+                <a:spcPct val="120000"/>
+              </a:lnSpc>
+              <a:spcBef>
+                <a:spcPts val="6500"/>
+              </a:spcBef>
+              <a:defRPr sz="6400"/>
+            </a:pPr>
+            <a:r>
+              <a:t>The science of examining raw data with the purpose of drawing conclusions about that information.</a:t>
+            </a:r>
+          </a:p>
+        </p:txBody>
+      </p:sp>
+    </p:spTree>
+  </p:cSld>
+  <p:clrMapOvr>
+    <a:masterClrMapping/>
+  </p:clrMapOvr>
+  <mc:AlternateContent xmlns:mc="http://schemas.openxmlformats.org/markup-compatibility/2006">
+    <mc:Choice xmlns:p14="http://schemas.microsoft.com/office/powerpoint/2010/main" Requires="p14">
+      <p:transition spd="slow" advClick="1" p14:dur="1500">
+        <p:fade thruBlk="1"/>
+      </p:transition>
+    </mc:Choice>
+    <mc:Fallback>
+      <p:transition spd="slow">
+        <p:fade/>
+      </p:transition>
+    </mc:Fallback>
+  </mc:AlternateContent>
+</p:sld>
+</file>
+
+<file path=ppt/slides/slide5.xml><?xml version="1.0" encoding="utf-8"?>
+<p:sld xmlns:a="http://schemas.openxmlformats.org/drawingml/2006/main" xmlns:r="http://schemas.openxmlformats.org/officeDocument/2006/relationships" xmlns:p="http://schemas.openxmlformats.org/presentationml/2006/main" showMasterSp="1" showMasterPhAnim="1">
+  <p:cSld>
+    <p:spTree>
+      <p:nvGrpSpPr>
+        <p:cNvPr id="1" name=""/>
+        <p:cNvGrpSpPr/>
+        <p:nvPr/>
+      </p:nvGrpSpPr>
+      <p:grpSpPr>
+        <a:xfrm>
+          <a:off x="0" y="0"/>
+          <a:ext cx="0" cy="0"/>
+          <a:chOff x="0" y="0"/>
+          <a:chExt cx="0" cy="0"/>
+        </a:xfrm>
+      </p:grpSpPr>
+      <p:sp>
+        <p:nvSpPr>
+          <p:cNvPr id="144" name="Shape 144"/>
           <p:cNvSpPr/>
           <p:nvPr/>
         </p:nvSpPr>
@@ -5988,7 +6834,7 @@
           </a:ln>
           <a:extLst>
             <a:ext uri="{C572A759-6A51-4108-AA02-DFA0A04FC94B}">
-              <ma14:wrappingTextBoxFlag xmlns:ma14="http://schemas.microsoft.com/office/mac/drawingml/2011/main" xmlns="" val="1"/>
+              <ma14:wrappingTextBoxFlag xmlns:ma14="http://schemas.microsoft.com/office/mac/drawingml/2011/main" val="1"/>
             </a:ext>
           </a:extLst>
         </p:spPr>
@@ -6007,6 +6853,7 @@
             </a:lvl1pPr>
           </a:lstStyle>
           <a:p>
+            <a:pPr/>
             <a:r>
               <a:t>Data Science</a:t>
             </a:r>
@@ -6015,7 +6862,7 @@
       </p:sp>
       <p:sp>
         <p:nvSpPr>
-          <p:cNvPr id="137" name="Shape 137"/>
+          <p:cNvPr id="145" name="Shape 145"/>
           <p:cNvSpPr/>
           <p:nvPr/>
         </p:nvSpPr>
@@ -6032,7 +6879,7 @@
           </a:ln>
           <a:extLst>
             <a:ext uri="{C572A759-6A51-4108-AA02-DFA0A04FC94B}">
-              <ma14:wrappingTextBoxFlag xmlns:ma14="http://schemas.microsoft.com/office/mac/drawingml/2011/main" xmlns="" val="1"/>
+              <ma14:wrappingTextBoxFlag xmlns:ma14="http://schemas.microsoft.com/office/mac/drawingml/2011/main" val="1"/>
             </a:ext>
           </a:extLst>
         </p:spPr>
@@ -6051,6 +6898,7 @@
             </a:lvl1pPr>
           </a:lstStyle>
           <a:p>
+            <a:pPr/>
             <a:r>
               <a:t>Data Analytics</a:t>
             </a:r>
@@ -6059,7 +6907,7 @@
       </p:sp>
       <p:sp>
         <p:nvSpPr>
-          <p:cNvPr id="138" name="Shape 138"/>
+          <p:cNvPr id="146" name="Shape 146"/>
           <p:cNvSpPr/>
           <p:nvPr/>
         </p:nvSpPr>
@@ -6076,7 +6924,7 @@
           </a:ln>
           <a:extLst>
             <a:ext uri="{C572A759-6A51-4108-AA02-DFA0A04FC94B}">
-              <ma14:wrappingTextBoxFlag xmlns:ma14="http://schemas.microsoft.com/office/mac/drawingml/2011/main" xmlns="" val="1"/>
+              <ma14:wrappingTextBoxFlag xmlns:ma14="http://schemas.microsoft.com/office/mac/drawingml/2011/main" val="1"/>
             </a:ext>
           </a:extLst>
         </p:spPr>
@@ -6101,6 +6949,7 @@
             </a:lvl1pPr>
           </a:lstStyle>
           <a:p>
+            <a:pPr/>
             <a:r>
               <a:t>Patterns, correlations, models</a:t>
             </a:r>
@@ -6109,7 +6958,7 @@
       </p:sp>
       <p:sp>
         <p:nvSpPr>
-          <p:cNvPr id="139" name="Shape 139"/>
+          <p:cNvPr id="147" name="Shape 147"/>
           <p:cNvSpPr/>
           <p:nvPr/>
         </p:nvSpPr>
@@ -6126,7 +6975,7 @@
           </a:ln>
           <a:extLst>
             <a:ext uri="{C572A759-6A51-4108-AA02-DFA0A04FC94B}">
-              <ma14:wrappingTextBoxFlag xmlns:ma14="http://schemas.microsoft.com/office/mac/drawingml/2011/main" xmlns="" val="1"/>
+              <ma14:wrappingTextBoxFlag xmlns:ma14="http://schemas.microsoft.com/office/mac/drawingml/2011/main" val="1"/>
             </a:ext>
           </a:extLst>
         </p:spPr>
@@ -6151,6 +7000,7 @@
             </a:lvl1pPr>
           </a:lstStyle>
           <a:p>
+            <a:pPr/>
             <a:r>
               <a:t>Exploratory, experimental</a:t>
             </a:r>
@@ -6159,7 +7009,7 @@
       </p:sp>
       <p:sp>
         <p:nvSpPr>
-          <p:cNvPr id="140" name="Shape 140"/>
+          <p:cNvPr id="148" name="Shape 148"/>
           <p:cNvSpPr/>
           <p:nvPr/>
         </p:nvSpPr>
@@ -6176,7 +7026,7 @@
           </a:ln>
           <a:extLst>
             <a:ext uri="{C572A759-6A51-4108-AA02-DFA0A04FC94B}">
-              <ma14:wrappingTextBoxFlag xmlns:ma14="http://schemas.microsoft.com/office/mac/drawingml/2011/main" xmlns="" val="1"/>
+              <ma14:wrappingTextBoxFlag xmlns:ma14="http://schemas.microsoft.com/office/mac/drawingml/2011/main" val="1"/>
             </a:ext>
           </a:extLst>
         </p:spPr>
@@ -6201,6 +7051,7 @@
             </a:lvl1pPr>
           </a:lstStyle>
           <a:p>
+            <a:pPr/>
             <a:r>
               <a:t>On the fly, as-needed</a:t>
             </a:r>
@@ -6209,7 +7060,7 @@
       </p:sp>
       <p:sp>
         <p:nvSpPr>
-          <p:cNvPr id="141" name="Shape 141"/>
+          <p:cNvPr id="149" name="Shape 149"/>
           <p:cNvSpPr/>
           <p:nvPr/>
         </p:nvSpPr>
@@ -6226,7 +7077,7 @@
           </a:ln>
           <a:extLst>
             <a:ext uri="{C572A759-6A51-4108-AA02-DFA0A04FC94B}">
-              <ma14:wrappingTextBoxFlag xmlns:ma14="http://schemas.microsoft.com/office/mac/drawingml/2011/main" xmlns="" val="1"/>
+              <ma14:wrappingTextBoxFlag xmlns:ma14="http://schemas.microsoft.com/office/mac/drawingml/2011/main" val="1"/>
             </a:ext>
           </a:extLst>
         </p:spPr>
@@ -6251,6 +7102,7 @@
             </a:lvl1pPr>
           </a:lstStyle>
           <a:p>
+            <a:pPr/>
             <a:r>
               <a:t>“Good enough”, probability</a:t>
             </a:r>
@@ -6259,7 +7111,7 @@
       </p:sp>
       <p:sp>
         <p:nvSpPr>
-          <p:cNvPr id="142" name="Shape 142"/>
+          <p:cNvPr id="150" name="Shape 150"/>
           <p:cNvSpPr/>
           <p:nvPr/>
         </p:nvSpPr>
@@ -6276,7 +7128,7 @@
           </a:ln>
           <a:extLst>
             <a:ext uri="{C572A759-6A51-4108-AA02-DFA0A04FC94B}">
-              <ma14:wrappingTextBoxFlag xmlns:ma14="http://schemas.microsoft.com/office/mac/drawingml/2011/main" xmlns="" val="1"/>
+              <ma14:wrappingTextBoxFlag xmlns:ma14="http://schemas.microsoft.com/office/mac/drawingml/2011/main" val="1"/>
             </a:ext>
           </a:extLst>
         </p:spPr>
@@ -6301,6 +7153,7 @@
             </a:lvl1pPr>
           </a:lstStyle>
           <a:p>
+            <a:pPr/>
             <a:r>
               <a:t>Predictive, prescriptive</a:t>
             </a:r>
@@ -6309,7 +7162,7 @@
       </p:sp>
       <p:sp>
         <p:nvSpPr>
-          <p:cNvPr id="143" name="Shape 143"/>
+          <p:cNvPr id="151" name="Shape 151"/>
           <p:cNvSpPr/>
           <p:nvPr/>
         </p:nvSpPr>
@@ -6332,13 +7185,13 @@
           <a:bodyPr lIns="50800" tIns="50800" rIns="50800" bIns="50800" anchor="ctr"/>
           <a:lstStyle/>
           <a:p>
-            <a:endParaRPr/>
-          </a:p>
-        </p:txBody>
-      </p:sp>
-      <p:sp>
-        <p:nvSpPr>
-          <p:cNvPr id="144" name="Shape 144"/>
+            <a:pPr/>
+          </a:p>
+        </p:txBody>
+      </p:sp>
+      <p:sp>
+        <p:nvSpPr>
+          <p:cNvPr id="152" name="Shape 152"/>
           <p:cNvSpPr/>
           <p:nvPr/>
         </p:nvSpPr>
@@ -6355,7 +7208,7 @@
           </a:ln>
           <a:extLst>
             <a:ext uri="{C572A759-6A51-4108-AA02-DFA0A04FC94B}">
-              <ma14:wrappingTextBoxFlag xmlns:ma14="http://schemas.microsoft.com/office/mac/drawingml/2011/main" xmlns="" val="1"/>
+              <ma14:wrappingTextBoxFlag xmlns:ma14="http://schemas.microsoft.com/office/mac/drawingml/2011/main" val="1"/>
             </a:ext>
           </a:extLst>
         </p:spPr>
@@ -6377,6 +7230,7 @@
             </a:lvl1pPr>
           </a:lstStyle>
           <a:p>
+            <a:pPr/>
             <a:r>
               <a:t>Reports, KPIs, trends</a:t>
             </a:r>
@@ -6385,7 +7239,7 @@
       </p:sp>
       <p:sp>
         <p:nvSpPr>
-          <p:cNvPr id="145" name="Shape 145"/>
+          <p:cNvPr id="153" name="Shape 153"/>
           <p:cNvSpPr/>
           <p:nvPr/>
         </p:nvSpPr>
@@ -6402,7 +7256,7 @@
           </a:ln>
           <a:extLst>
             <a:ext uri="{C572A759-6A51-4108-AA02-DFA0A04FC94B}">
-              <ma14:wrappingTextBoxFlag xmlns:ma14="http://schemas.microsoft.com/office/mac/drawingml/2011/main" xmlns="" val="1"/>
+              <ma14:wrappingTextBoxFlag xmlns:ma14="http://schemas.microsoft.com/office/mac/drawingml/2011/main" val="1"/>
             </a:ext>
           </a:extLst>
         </p:spPr>
@@ -6424,6 +7278,7 @@
             </a:lvl1pPr>
           </a:lstStyle>
           <a:p>
+            <a:pPr/>
             <a:r>
               <a:t>Static, comparative</a:t>
             </a:r>
@@ -6432,7 +7287,7 @@
       </p:sp>
       <p:sp>
         <p:nvSpPr>
-          <p:cNvPr id="146" name="Shape 146"/>
+          <p:cNvPr id="154" name="Shape 154"/>
           <p:cNvSpPr/>
           <p:nvPr/>
         </p:nvSpPr>
@@ -6449,7 +7304,7 @@
           </a:ln>
           <a:extLst>
             <a:ext uri="{C572A759-6A51-4108-AA02-DFA0A04FC94B}">
-              <ma14:wrappingTextBoxFlag xmlns:ma14="http://schemas.microsoft.com/office/mac/drawingml/2011/main" xmlns="" val="1"/>
+              <ma14:wrappingTextBoxFlag xmlns:ma14="http://schemas.microsoft.com/office/mac/drawingml/2011/main" val="1"/>
             </a:ext>
           </a:extLst>
         </p:spPr>
@@ -6471,6 +7326,7 @@
             </a:lvl1pPr>
           </a:lstStyle>
           <a:p>
+            <a:pPr/>
             <a:r>
               <a:t>Planned, added slowly</a:t>
             </a:r>
@@ -6479,7 +7335,7 @@
       </p:sp>
       <p:sp>
         <p:nvSpPr>
-          <p:cNvPr id="147" name="Shape 147"/>
+          <p:cNvPr id="155" name="Shape 155"/>
           <p:cNvSpPr/>
           <p:nvPr/>
         </p:nvSpPr>
@@ -6496,7 +7352,7 @@
           </a:ln>
           <a:extLst>
             <a:ext uri="{C572A759-6A51-4108-AA02-DFA0A04FC94B}">
-              <ma14:wrappingTextBoxFlag xmlns:ma14="http://schemas.microsoft.com/office/mac/drawingml/2011/main" xmlns="" val="1"/>
+              <ma14:wrappingTextBoxFlag xmlns:ma14="http://schemas.microsoft.com/office/mac/drawingml/2011/main" val="1"/>
             </a:ext>
           </a:extLst>
         </p:spPr>
@@ -6518,6 +7374,7 @@
             </a:lvl1pPr>
           </a:lstStyle>
           <a:p>
+            <a:pPr/>
             <a:r>
               <a:t>Single version of truth</a:t>
             </a:r>
@@ -6526,7 +7383,7 @@
       </p:sp>
       <p:sp>
         <p:nvSpPr>
-          <p:cNvPr id="148" name="Shape 148"/>
+          <p:cNvPr id="156" name="Shape 156"/>
           <p:cNvSpPr/>
           <p:nvPr/>
         </p:nvSpPr>
@@ -6543,7 +7400,7 @@
           </a:ln>
           <a:extLst>
             <a:ext uri="{C572A759-6A51-4108-AA02-DFA0A04FC94B}">
-              <ma14:wrappingTextBoxFlag xmlns:ma14="http://schemas.microsoft.com/office/mac/drawingml/2011/main" xmlns="" val="1"/>
+              <ma14:wrappingTextBoxFlag xmlns:ma14="http://schemas.microsoft.com/office/mac/drawingml/2011/main" val="1"/>
             </a:ext>
           </a:extLst>
         </p:spPr>
@@ -6565,6 +7422,7 @@
             </a:lvl1pPr>
           </a:lstStyle>
           <a:p>
+            <a:pPr/>
             <a:r>
               <a:t>Retrospective, descriptive</a:t>
             </a:r>
@@ -6573,7 +7431,7 @@
       </p:sp>
       <p:sp>
         <p:nvSpPr>
-          <p:cNvPr id="149" name="Shape 149"/>
+          <p:cNvPr id="157" name="Shape 157"/>
           <p:cNvSpPr/>
           <p:nvPr/>
         </p:nvSpPr>
@@ -6599,13 +7457,13 @@
           <a:bodyPr lIns="50800" tIns="50800" rIns="50800" bIns="50800" anchor="ctr"/>
           <a:lstStyle/>
           <a:p>
-            <a:endParaRPr/>
-          </a:p>
-        </p:txBody>
-      </p:sp>
-      <p:sp>
-        <p:nvSpPr>
-          <p:cNvPr id="150" name="Shape 150"/>
+            <a:pPr/>
+          </a:p>
+        </p:txBody>
+      </p:sp>
+      <p:sp>
+        <p:nvSpPr>
+          <p:cNvPr id="158" name="Shape 158"/>
           <p:cNvSpPr/>
           <p:nvPr/>
         </p:nvSpPr>
@@ -6631,13 +7489,13 @@
           <a:bodyPr lIns="50800" tIns="50800" rIns="50800" bIns="50800" anchor="ctr"/>
           <a:lstStyle/>
           <a:p>
-            <a:endParaRPr/>
-          </a:p>
-        </p:txBody>
-      </p:sp>
-      <p:sp>
-        <p:nvSpPr>
-          <p:cNvPr id="151" name="Shape 151"/>
+            <a:pPr/>
+          </a:p>
+        </p:txBody>
+      </p:sp>
+      <p:sp>
+        <p:nvSpPr>
+          <p:cNvPr id="159" name="Shape 159"/>
           <p:cNvSpPr/>
           <p:nvPr/>
         </p:nvSpPr>
@@ -6663,13 +7521,13 @@
           <a:bodyPr lIns="50800" tIns="50800" rIns="50800" bIns="50800" anchor="ctr"/>
           <a:lstStyle/>
           <a:p>
-            <a:endParaRPr/>
-          </a:p>
-        </p:txBody>
-      </p:sp>
-      <p:sp>
-        <p:nvSpPr>
-          <p:cNvPr id="152" name="Shape 152"/>
+            <a:pPr/>
+          </a:p>
+        </p:txBody>
+      </p:sp>
+      <p:sp>
+        <p:nvSpPr>
+          <p:cNvPr id="160" name="Shape 160"/>
           <p:cNvSpPr/>
           <p:nvPr/>
         </p:nvSpPr>
@@ -6695,13 +7553,13 @@
           <a:bodyPr lIns="50800" tIns="50800" rIns="50800" bIns="50800" anchor="ctr"/>
           <a:lstStyle/>
           <a:p>
-            <a:endParaRPr/>
-          </a:p>
-        </p:txBody>
-      </p:sp>
-      <p:sp>
-        <p:nvSpPr>
-          <p:cNvPr id="153" name="Shape 153"/>
+            <a:pPr/>
+          </a:p>
+        </p:txBody>
+      </p:sp>
+      <p:sp>
+        <p:nvSpPr>
+          <p:cNvPr id="161" name="Shape 161"/>
           <p:cNvSpPr/>
           <p:nvPr/>
         </p:nvSpPr>
@@ -6724,13 +7582,13 @@
           <a:bodyPr lIns="50800" tIns="50800" rIns="50800" bIns="50800" anchor="ctr"/>
           <a:lstStyle/>
           <a:p>
-            <a:endParaRPr/>
-          </a:p>
-        </p:txBody>
-      </p:sp>
-      <p:sp>
-        <p:nvSpPr>
-          <p:cNvPr id="154" name="Shape 154"/>
+            <a:pPr/>
+          </a:p>
+        </p:txBody>
+      </p:sp>
+      <p:sp>
+        <p:nvSpPr>
+          <p:cNvPr id="162" name="Shape 162"/>
           <p:cNvSpPr/>
           <p:nvPr/>
         </p:nvSpPr>
@@ -6747,7 +7605,7 @@
           </a:ln>
           <a:extLst>
             <a:ext uri="{C572A759-6A51-4108-AA02-DFA0A04FC94B}">
-              <ma14:wrappingTextBoxFlag xmlns:ma14="http://schemas.microsoft.com/office/mac/drawingml/2011/main" xmlns="" val="1"/>
+              <ma14:wrappingTextBoxFlag xmlns:ma14="http://schemas.microsoft.com/office/mac/drawingml/2011/main" val="1"/>
             </a:ext>
           </a:extLst>
         </p:spPr>
@@ -6757,10 +7615,11 @@
           </a:bodyPr>
           <a:lstStyle>
             <a:lvl1pPr>
-              <a:defRPr sz="10000" cap="all"/>
+              <a:defRPr cap="all" sz="10000"/>
             </a:lvl1pPr>
           </a:lstStyle>
           <a:p>
+            <a:pPr/>
             <a:r>
               <a:t>Different Practices</a:t>
             </a:r>
@@ -6769,7 +7628,7 @@
       </p:sp>
       <p:sp>
         <p:nvSpPr>
-          <p:cNvPr id="155" name="Shape 155"/>
+          <p:cNvPr id="163" name="Shape 163"/>
           <p:cNvSpPr/>
           <p:nvPr/>
         </p:nvSpPr>
@@ -6792,42 +7651,13 @@
           <a:bodyPr lIns="50800" tIns="50800" rIns="50800" bIns="50800" anchor="ctr"/>
           <a:lstStyle/>
           <a:p>
-            <a:endParaRPr/>
+            <a:pPr/>
           </a:p>
         </p:txBody>
       </p:sp>
       <p:pic>
         <p:nvPicPr>
-          <p:cNvPr id="156" name="guy_shadow.png"/>
-          <p:cNvPicPr>
-            <a:picLocks noChangeAspect="1"/>
-          </p:cNvPicPr>
-          <p:nvPr/>
-        </p:nvPicPr>
-        <p:blipFill>
-          <a:blip r:embed="rId2">
-            <a:extLst/>
-          </a:blip>
-          <a:stretch>
-            <a:fillRect/>
-          </a:stretch>
-        </p:blipFill>
-        <p:spPr>
-          <a:xfrm>
-            <a:off x="18481735" y="3091394"/>
-            <a:ext cx="6502401" cy="10160001"/>
-          </a:xfrm>
-          <a:prstGeom prst="rect">
-            <a:avLst/>
-          </a:prstGeom>
-          <a:ln w="12700">
-            <a:miter lim="400000"/>
-          </a:ln>
-        </p:spPr>
-      </p:pic>
-      <p:pic>
-        <p:nvPicPr>
-          <p:cNvPr id="157" name="girl_shadow.png"/>
+          <p:cNvPr id="164" name="guy_shadow.png"/>
           <p:cNvPicPr>
             <a:picLocks noChangeAspect="1"/>
           </p:cNvPicPr>
@@ -6843,6 +7673,35 @@
         </p:blipFill>
         <p:spPr>
           <a:xfrm>
+            <a:off x="18481735" y="3091394"/>
+            <a:ext cx="6502401" cy="10160001"/>
+          </a:xfrm>
+          <a:prstGeom prst="rect">
+            <a:avLst/>
+          </a:prstGeom>
+          <a:ln w="12700">
+            <a:miter lim="400000"/>
+          </a:ln>
+        </p:spPr>
+      </p:pic>
+      <p:pic>
+        <p:nvPicPr>
+          <p:cNvPr id="165" name="girl_shadow.png"/>
+          <p:cNvPicPr>
+            <a:picLocks noChangeAspect="1"/>
+          </p:cNvPicPr>
+          <p:nvPr/>
+        </p:nvPicPr>
+        <p:blipFill>
+          <a:blip r:embed="rId4">
+            <a:extLst/>
+          </a:blip>
+          <a:stretch>
+            <a:fillRect/>
+          </a:stretch>
+        </p:blipFill>
+        <p:spPr>
+          <a:xfrm>
             <a:off x="-504182" y="3091394"/>
             <a:ext cx="6502401" cy="10160001"/>
           </a:xfrm>
@@ -6856,7 +7715,7 @@
       </p:pic>
       <p:sp>
         <p:nvSpPr>
-          <p:cNvPr id="158" name="Shape 158"/>
+          <p:cNvPr id="166" name="Shape 166"/>
           <p:cNvSpPr/>
           <p:nvPr/>
         </p:nvSpPr>
@@ -6879,13 +7738,13 @@
           <a:bodyPr lIns="50800" tIns="50800" rIns="50800" bIns="50800" anchor="ctr"/>
           <a:lstStyle/>
           <a:p>
-            <a:endParaRPr/>
-          </a:p>
-        </p:txBody>
-      </p:sp>
-      <p:sp>
-        <p:nvSpPr>
-          <p:cNvPr id="159" name="Shape 159"/>
+            <a:pPr/>
+          </a:p>
+        </p:txBody>
+      </p:sp>
+      <p:sp>
+        <p:nvSpPr>
+          <p:cNvPr id="167" name="Shape 167"/>
           <p:cNvSpPr/>
           <p:nvPr/>
         </p:nvSpPr>
@@ -6902,7 +7761,7 @@
           </a:ln>
           <a:extLst>
             <a:ext uri="{C572A759-6A51-4108-AA02-DFA0A04FC94B}">
-              <ma14:wrappingTextBoxFlag xmlns:ma14="http://schemas.microsoft.com/office/mac/drawingml/2011/main" xmlns="" val="1"/>
+              <ma14:wrappingTextBoxFlag xmlns:ma14="http://schemas.microsoft.com/office/mac/drawingml/2011/main" val="1"/>
             </a:ext>
           </a:extLst>
         </p:spPr>
@@ -6921,6 +7780,7 @@
             </a:lvl1pPr>
           </a:lstStyle>
           <a:p>
+            <a:pPr/>
             <a:r>
               <a:t>Output</a:t>
             </a:r>
@@ -6929,7 +7789,7 @@
       </p:sp>
       <p:sp>
         <p:nvSpPr>
-          <p:cNvPr id="160" name="Shape 160"/>
+          <p:cNvPr id="168" name="Shape 168"/>
           <p:cNvSpPr/>
           <p:nvPr/>
         </p:nvSpPr>
@@ -6946,7 +7806,7 @@
           </a:ln>
           <a:extLst>
             <a:ext uri="{C572A759-6A51-4108-AA02-DFA0A04FC94B}">
-              <ma14:wrappingTextBoxFlag xmlns:ma14="http://schemas.microsoft.com/office/mac/drawingml/2011/main" xmlns="" val="1"/>
+              <ma14:wrappingTextBoxFlag xmlns:ma14="http://schemas.microsoft.com/office/mac/drawingml/2011/main" val="1"/>
             </a:ext>
           </a:extLst>
         </p:spPr>
@@ -6965,6 +7825,7 @@
             </a:lvl1pPr>
           </a:lstStyle>
           <a:p>
+            <a:pPr/>
             <a:r>
               <a:t>Process</a:t>
             </a:r>
@@ -6973,7 +7834,7 @@
       </p:sp>
       <p:sp>
         <p:nvSpPr>
-          <p:cNvPr id="161" name="Shape 161"/>
+          <p:cNvPr id="169" name="Shape 169"/>
           <p:cNvSpPr/>
           <p:nvPr/>
         </p:nvSpPr>
@@ -6990,7 +7851,7 @@
           </a:ln>
           <a:extLst>
             <a:ext uri="{C572A759-6A51-4108-AA02-DFA0A04FC94B}">
-              <ma14:wrappingTextBoxFlag xmlns:ma14="http://schemas.microsoft.com/office/mac/drawingml/2011/main" xmlns="" val="1"/>
+              <ma14:wrappingTextBoxFlag xmlns:ma14="http://schemas.microsoft.com/office/mac/drawingml/2011/main" val="1"/>
             </a:ext>
           </a:extLst>
         </p:spPr>
@@ -7009,6 +7870,7 @@
             </a:lvl1pPr>
           </a:lstStyle>
           <a:p>
+            <a:pPr/>
             <a:r>
               <a:t>Sources</a:t>
             </a:r>
@@ -7017,7 +7879,7 @@
       </p:sp>
       <p:sp>
         <p:nvSpPr>
-          <p:cNvPr id="162" name="Shape 162"/>
+          <p:cNvPr id="170" name="Shape 170"/>
           <p:cNvSpPr/>
           <p:nvPr/>
         </p:nvSpPr>
@@ -7034,7 +7896,7 @@
           </a:ln>
           <a:extLst>
             <a:ext uri="{C572A759-6A51-4108-AA02-DFA0A04FC94B}">
-              <ma14:wrappingTextBoxFlag xmlns:ma14="http://schemas.microsoft.com/office/mac/drawingml/2011/main" xmlns="" val="1"/>
+              <ma14:wrappingTextBoxFlag xmlns:ma14="http://schemas.microsoft.com/office/mac/drawingml/2011/main" val="1"/>
             </a:ext>
           </a:extLst>
         </p:spPr>
@@ -7053,6 +7915,7 @@
             </a:lvl1pPr>
           </a:lstStyle>
           <a:p>
+            <a:pPr/>
             <a:r>
               <a:t>Quality</a:t>
             </a:r>
@@ -7061,7 +7924,7 @@
       </p:sp>
       <p:sp>
         <p:nvSpPr>
-          <p:cNvPr id="163" name="Shape 163"/>
+          <p:cNvPr id="171" name="Shape 171"/>
           <p:cNvSpPr/>
           <p:nvPr/>
         </p:nvSpPr>
@@ -7078,7 +7941,7 @@
           </a:ln>
           <a:extLst>
             <a:ext uri="{C572A759-6A51-4108-AA02-DFA0A04FC94B}">
-              <ma14:wrappingTextBoxFlag xmlns:ma14="http://schemas.microsoft.com/office/mac/drawingml/2011/main" xmlns="" val="1"/>
+              <ma14:wrappingTextBoxFlag xmlns:ma14="http://schemas.microsoft.com/office/mac/drawingml/2011/main" val="1"/>
             </a:ext>
           </a:extLst>
         </p:spPr>
@@ -7097,6 +7960,7 @@
             </a:lvl1pPr>
           </a:lstStyle>
           <a:p>
+            <a:pPr/>
             <a:r>
               <a:t>Analysis</a:t>
             </a:r>
@@ -7108,30 +7972,23 @@
   <p:clrMapOvr>
     <a:masterClrMapping/>
   </p:clrMapOvr>
-  <mc:AlternateContent xmlns:mc="http://schemas.openxmlformats.org/markup-compatibility/2006" xmlns:p14="http://schemas.microsoft.com/office/powerpoint/2010/main">
-    <mc:Choice Requires="p14">
-      <p:transition spd="slow" p14:dur="1500">
+  <mc:AlternateContent xmlns:mc="http://schemas.openxmlformats.org/markup-compatibility/2006">
+    <mc:Choice xmlns:p14="http://schemas.microsoft.com/office/powerpoint/2010/main" Requires="p14">
+      <p:transition spd="slow" advClick="1" p14:dur="1500">
         <p:fade thruBlk="1"/>
       </p:transition>
     </mc:Choice>
-    <mc:Fallback xmlns="">
+    <mc:Fallback>
       <p:transition spd="slow">
         <p:fade/>
       </p:transition>
     </mc:Fallback>
   </mc:AlternateContent>
-  <p:timing>
-    <p:tnLst>
-      <p:par>
-        <p:cTn id="1" dur="indefinite" restart="never" nodeType="tmRoot"/>
-      </p:par>
-    </p:tnLst>
-  </p:timing>
 </p:sld>
 </file>
 
 <file path=ppt/slides/slide6.xml><?xml version="1.0" encoding="utf-8"?>
-<p:sld xmlns:a="http://schemas.openxmlformats.org/drawingml/2006/main" xmlns:r="http://schemas.openxmlformats.org/officeDocument/2006/relationships" xmlns:p="http://schemas.openxmlformats.org/presentationml/2006/main">
+<p:sld xmlns:a="http://schemas.openxmlformats.org/drawingml/2006/main" xmlns:r="http://schemas.openxmlformats.org/officeDocument/2006/relationships" xmlns:p="http://schemas.openxmlformats.org/presentationml/2006/main" showMasterSp="1" showMasterPhAnim="1">
   <p:cSld>
     <p:spTree>
       <p:nvGrpSpPr>
@@ -7149,7 +8006,7 @@
       </p:grpSpPr>
       <p:sp>
         <p:nvSpPr>
-          <p:cNvPr id="165" name="Shape 165"/>
+          <p:cNvPr id="175" name="Shape 175"/>
           <p:cNvSpPr/>
           <p:nvPr/>
         </p:nvSpPr>
@@ -7166,7 +8023,7 @@
           </a:ln>
           <a:extLst>
             <a:ext uri="{C572A759-6A51-4108-AA02-DFA0A04FC94B}">
-              <ma14:wrappingTextBoxFlag xmlns:ma14="http://schemas.microsoft.com/office/mac/drawingml/2011/main" xmlns="" val="1"/>
+              <ma14:wrappingTextBoxFlag xmlns:ma14="http://schemas.microsoft.com/office/mac/drawingml/2011/main" val="1"/>
             </a:ext>
           </a:extLst>
         </p:spPr>
@@ -7185,6 +8042,7 @@
             </a:lvl1pPr>
           </a:lstStyle>
           <a:p>
+            <a:pPr/>
             <a:r>
               <a:t>Data Scientists</a:t>
             </a:r>
@@ -7193,7 +8051,7 @@
       </p:sp>
       <p:sp>
         <p:nvSpPr>
-          <p:cNvPr id="166" name="Shape 166"/>
+          <p:cNvPr id="176" name="Shape 176"/>
           <p:cNvSpPr/>
           <p:nvPr/>
         </p:nvSpPr>
@@ -7210,7 +8068,7 @@
           </a:ln>
           <a:extLst>
             <a:ext uri="{C572A759-6A51-4108-AA02-DFA0A04FC94B}">
-              <ma14:wrappingTextBoxFlag xmlns:ma14="http://schemas.microsoft.com/office/mac/drawingml/2011/main" xmlns="" val="1"/>
+              <ma14:wrappingTextBoxFlag xmlns:ma14="http://schemas.microsoft.com/office/mac/drawingml/2011/main" val="1"/>
             </a:ext>
           </a:extLst>
         </p:spPr>
@@ -7229,6 +8087,7 @@
             </a:lvl1pPr>
           </a:lstStyle>
           <a:p>
+            <a:pPr/>
             <a:r>
               <a:t>Data Analysts</a:t>
             </a:r>
@@ -7237,7 +8096,7 @@
       </p:sp>
       <p:sp>
         <p:nvSpPr>
-          <p:cNvPr id="167" name="Shape 167"/>
+          <p:cNvPr id="177" name="Shape 177"/>
           <p:cNvSpPr/>
           <p:nvPr/>
         </p:nvSpPr>
@@ -7254,7 +8113,7 @@
           </a:ln>
           <a:extLst>
             <a:ext uri="{C572A759-6A51-4108-AA02-DFA0A04FC94B}">
-              <ma14:wrappingTextBoxFlag xmlns:ma14="http://schemas.microsoft.com/office/mac/drawingml/2011/main" xmlns="" val="1"/>
+              <ma14:wrappingTextBoxFlag xmlns:ma14="http://schemas.microsoft.com/office/mac/drawingml/2011/main" val="1"/>
             </a:ext>
           </a:extLst>
         </p:spPr>
@@ -7305,7 +8164,7 @@
       </p:sp>
       <p:sp>
         <p:nvSpPr>
-          <p:cNvPr id="168" name="Shape 168"/>
+          <p:cNvPr id="178" name="Shape 178"/>
           <p:cNvSpPr/>
           <p:nvPr/>
         </p:nvSpPr>
@@ -7322,7 +8181,7 @@
           </a:ln>
           <a:extLst>
             <a:ext uri="{C572A759-6A51-4108-AA02-DFA0A04FC94B}">
-              <ma14:wrappingTextBoxFlag xmlns:ma14="http://schemas.microsoft.com/office/mac/drawingml/2011/main" xmlns="" val="1"/>
+              <ma14:wrappingTextBoxFlag xmlns:ma14="http://schemas.microsoft.com/office/mac/drawingml/2011/main" val="1"/>
             </a:ext>
           </a:extLst>
         </p:spPr>
@@ -7373,7 +8232,7 @@
       </p:sp>
       <p:sp>
         <p:nvSpPr>
-          <p:cNvPr id="169" name="Shape 169"/>
+          <p:cNvPr id="179" name="Shape 179"/>
           <p:cNvSpPr/>
           <p:nvPr/>
         </p:nvSpPr>
@@ -7390,7 +8249,7 @@
           </a:ln>
           <a:extLst>
             <a:ext uri="{C572A759-6A51-4108-AA02-DFA0A04FC94B}">
-              <ma14:wrappingTextBoxFlag xmlns:ma14="http://schemas.microsoft.com/office/mac/drawingml/2011/main" xmlns="" val="1"/>
+              <ma14:wrappingTextBoxFlag xmlns:ma14="http://schemas.microsoft.com/office/mac/drawingml/2011/main" val="1"/>
             </a:ext>
           </a:extLst>
         </p:spPr>
@@ -7441,7 +8300,7 @@
       </p:sp>
       <p:sp>
         <p:nvSpPr>
-          <p:cNvPr id="170" name="Shape 170"/>
+          <p:cNvPr id="180" name="Shape 180"/>
           <p:cNvSpPr/>
           <p:nvPr/>
         </p:nvSpPr>
@@ -7458,7 +8317,7 @@
           </a:ln>
           <a:extLst>
             <a:ext uri="{C572A759-6A51-4108-AA02-DFA0A04FC94B}">
-              <ma14:wrappingTextBoxFlag xmlns:ma14="http://schemas.microsoft.com/office/mac/drawingml/2011/main" xmlns="" val="1"/>
+              <ma14:wrappingTextBoxFlag xmlns:ma14="http://schemas.microsoft.com/office/mac/drawingml/2011/main" val="1"/>
             </a:ext>
           </a:extLst>
         </p:spPr>
@@ -7509,7 +8368,7 @@
       </p:sp>
       <p:sp>
         <p:nvSpPr>
-          <p:cNvPr id="171" name="Shape 171"/>
+          <p:cNvPr id="181" name="Shape 181"/>
           <p:cNvSpPr/>
           <p:nvPr/>
         </p:nvSpPr>
@@ -7526,7 +8385,7 @@
           </a:ln>
           <a:extLst>
             <a:ext uri="{C572A759-6A51-4108-AA02-DFA0A04FC94B}">
-              <ma14:wrappingTextBoxFlag xmlns:ma14="http://schemas.microsoft.com/office/mac/drawingml/2011/main" xmlns="" val="1"/>
+              <ma14:wrappingTextBoxFlag xmlns:ma14="http://schemas.microsoft.com/office/mac/drawingml/2011/main" val="1"/>
             </a:ext>
           </a:extLst>
         </p:spPr>
@@ -7577,7 +8436,7 @@
       </p:sp>
       <p:sp>
         <p:nvSpPr>
-          <p:cNvPr id="172" name="Shape 172"/>
+          <p:cNvPr id="182" name="Shape 182"/>
           <p:cNvSpPr/>
           <p:nvPr/>
         </p:nvSpPr>
@@ -7600,13 +8459,13 @@
           <a:bodyPr lIns="50800" tIns="50800" rIns="50800" bIns="50800" anchor="ctr"/>
           <a:lstStyle/>
           <a:p>
-            <a:endParaRPr/>
-          </a:p>
-        </p:txBody>
-      </p:sp>
-      <p:sp>
-        <p:nvSpPr>
-          <p:cNvPr id="173" name="Shape 173"/>
+            <a:pPr/>
+          </a:p>
+        </p:txBody>
+      </p:sp>
+      <p:sp>
+        <p:nvSpPr>
+          <p:cNvPr id="183" name="Shape 183"/>
           <p:cNvSpPr/>
           <p:nvPr/>
         </p:nvSpPr>
@@ -7623,7 +8482,7 @@
           </a:ln>
           <a:extLst>
             <a:ext uri="{C572A759-6A51-4108-AA02-DFA0A04FC94B}">
-              <ma14:wrappingTextBoxFlag xmlns:ma14="http://schemas.microsoft.com/office/mac/drawingml/2011/main" xmlns="" val="1"/>
+              <ma14:wrappingTextBoxFlag xmlns:ma14="http://schemas.microsoft.com/office/mac/drawingml/2011/main" val="1"/>
             </a:ext>
           </a:extLst>
         </p:spPr>
@@ -7668,7 +8527,7 @@
       </p:sp>
       <p:sp>
         <p:nvSpPr>
-          <p:cNvPr id="174" name="Shape 174"/>
+          <p:cNvPr id="184" name="Shape 184"/>
           <p:cNvSpPr/>
           <p:nvPr/>
         </p:nvSpPr>
@@ -7685,7 +8544,7 @@
           </a:ln>
           <a:extLst>
             <a:ext uri="{C572A759-6A51-4108-AA02-DFA0A04FC94B}">
-              <ma14:wrappingTextBoxFlag xmlns:ma14="http://schemas.microsoft.com/office/mac/drawingml/2011/main" xmlns="" val="1"/>
+              <ma14:wrappingTextBoxFlag xmlns:ma14="http://schemas.microsoft.com/office/mac/drawingml/2011/main" val="1"/>
             </a:ext>
           </a:extLst>
         </p:spPr>
@@ -7730,7 +8589,7 @@
       </p:sp>
       <p:sp>
         <p:nvSpPr>
-          <p:cNvPr id="175" name="Shape 175"/>
+          <p:cNvPr id="185" name="Shape 185"/>
           <p:cNvSpPr/>
           <p:nvPr/>
         </p:nvSpPr>
@@ -7747,7 +8606,7 @@
           </a:ln>
           <a:extLst>
             <a:ext uri="{C572A759-6A51-4108-AA02-DFA0A04FC94B}">
-              <ma14:wrappingTextBoxFlag xmlns:ma14="http://schemas.microsoft.com/office/mac/drawingml/2011/main" xmlns="" val="1"/>
+              <ma14:wrappingTextBoxFlag xmlns:ma14="http://schemas.microsoft.com/office/mac/drawingml/2011/main" val="1"/>
             </a:ext>
           </a:extLst>
         </p:spPr>
@@ -7792,7 +8651,7 @@
       </p:sp>
       <p:sp>
         <p:nvSpPr>
-          <p:cNvPr id="176" name="Shape 176"/>
+          <p:cNvPr id="186" name="Shape 186"/>
           <p:cNvSpPr/>
           <p:nvPr/>
         </p:nvSpPr>
@@ -7809,7 +8668,7 @@
           </a:ln>
           <a:extLst>
             <a:ext uri="{C572A759-6A51-4108-AA02-DFA0A04FC94B}">
-              <ma14:wrappingTextBoxFlag xmlns:ma14="http://schemas.microsoft.com/office/mac/drawingml/2011/main" xmlns="" val="1"/>
+              <ma14:wrappingTextBoxFlag xmlns:ma14="http://schemas.microsoft.com/office/mac/drawingml/2011/main" val="1"/>
             </a:ext>
           </a:extLst>
         </p:spPr>
@@ -7854,7 +8713,7 @@
       </p:sp>
       <p:sp>
         <p:nvSpPr>
-          <p:cNvPr id="177" name="Shape 177"/>
+          <p:cNvPr id="187" name="Shape 187"/>
           <p:cNvSpPr/>
           <p:nvPr/>
         </p:nvSpPr>
@@ -7871,7 +8730,7 @@
           </a:ln>
           <a:extLst>
             <a:ext uri="{C572A759-6A51-4108-AA02-DFA0A04FC94B}">
-              <ma14:wrappingTextBoxFlag xmlns:ma14="http://schemas.microsoft.com/office/mac/drawingml/2011/main" xmlns="" val="1"/>
+              <ma14:wrappingTextBoxFlag xmlns:ma14="http://schemas.microsoft.com/office/mac/drawingml/2011/main" val="1"/>
             </a:ext>
           </a:extLst>
         </p:spPr>
@@ -7916,7 +8775,7 @@
       </p:sp>
       <p:sp>
         <p:nvSpPr>
-          <p:cNvPr id="178" name="Shape 178"/>
+          <p:cNvPr id="188" name="Shape 188"/>
           <p:cNvSpPr/>
           <p:nvPr/>
         </p:nvSpPr>
@@ -7942,13 +8801,13 @@
           <a:bodyPr lIns="50800" tIns="50800" rIns="50800" bIns="50800" anchor="ctr"/>
           <a:lstStyle/>
           <a:p>
-            <a:endParaRPr/>
-          </a:p>
-        </p:txBody>
-      </p:sp>
-      <p:sp>
-        <p:nvSpPr>
-          <p:cNvPr id="179" name="Shape 179"/>
+            <a:pPr/>
+          </a:p>
+        </p:txBody>
+      </p:sp>
+      <p:sp>
+        <p:nvSpPr>
+          <p:cNvPr id="189" name="Shape 189"/>
           <p:cNvSpPr/>
           <p:nvPr/>
         </p:nvSpPr>
@@ -7974,13 +8833,13 @@
           <a:bodyPr lIns="50800" tIns="50800" rIns="50800" bIns="50800" anchor="ctr"/>
           <a:lstStyle/>
           <a:p>
-            <a:endParaRPr/>
-          </a:p>
-        </p:txBody>
-      </p:sp>
-      <p:sp>
-        <p:nvSpPr>
-          <p:cNvPr id="180" name="Shape 180"/>
+            <a:pPr/>
+          </a:p>
+        </p:txBody>
+      </p:sp>
+      <p:sp>
+        <p:nvSpPr>
+          <p:cNvPr id="190" name="Shape 190"/>
           <p:cNvSpPr/>
           <p:nvPr/>
         </p:nvSpPr>
@@ -8006,13 +8865,13 @@
           <a:bodyPr lIns="50800" tIns="50800" rIns="50800" bIns="50800" anchor="ctr"/>
           <a:lstStyle/>
           <a:p>
-            <a:endParaRPr/>
-          </a:p>
-        </p:txBody>
-      </p:sp>
-      <p:sp>
-        <p:nvSpPr>
-          <p:cNvPr id="181" name="Shape 181"/>
+            <a:pPr/>
+          </a:p>
+        </p:txBody>
+      </p:sp>
+      <p:sp>
+        <p:nvSpPr>
+          <p:cNvPr id="191" name="Shape 191"/>
           <p:cNvSpPr/>
           <p:nvPr/>
         </p:nvSpPr>
@@ -8038,13 +8897,13 @@
           <a:bodyPr lIns="50800" tIns="50800" rIns="50800" bIns="50800" anchor="ctr"/>
           <a:lstStyle/>
           <a:p>
-            <a:endParaRPr/>
-          </a:p>
-        </p:txBody>
-      </p:sp>
-      <p:sp>
-        <p:nvSpPr>
-          <p:cNvPr id="182" name="Shape 182"/>
+            <a:pPr/>
+          </a:p>
+        </p:txBody>
+      </p:sp>
+      <p:sp>
+        <p:nvSpPr>
+          <p:cNvPr id="192" name="Shape 192"/>
           <p:cNvSpPr/>
           <p:nvPr/>
         </p:nvSpPr>
@@ -8067,13 +8926,13 @@
           <a:bodyPr lIns="50800" tIns="50800" rIns="50800" bIns="50800" anchor="ctr"/>
           <a:lstStyle/>
           <a:p>
-            <a:endParaRPr/>
-          </a:p>
-        </p:txBody>
-      </p:sp>
-      <p:sp>
-        <p:nvSpPr>
-          <p:cNvPr id="183" name="Shape 183"/>
+            <a:pPr/>
+          </a:p>
+        </p:txBody>
+      </p:sp>
+      <p:sp>
+        <p:nvSpPr>
+          <p:cNvPr id="193" name="Shape 193"/>
           <p:cNvSpPr/>
           <p:nvPr/>
         </p:nvSpPr>
@@ -8090,7 +8949,7 @@
           </a:ln>
           <a:extLst>
             <a:ext uri="{C572A759-6A51-4108-AA02-DFA0A04FC94B}">
-              <ma14:wrappingTextBoxFlag xmlns:ma14="http://schemas.microsoft.com/office/mac/drawingml/2011/main" xmlns="" val="1"/>
+              <ma14:wrappingTextBoxFlag xmlns:ma14="http://schemas.microsoft.com/office/mac/drawingml/2011/main" val="1"/>
             </a:ext>
           </a:extLst>
         </p:spPr>
@@ -8100,10 +8959,11 @@
           </a:bodyPr>
           <a:lstStyle>
             <a:lvl1pPr>
-              <a:defRPr sz="10000" cap="all"/>
+              <a:defRPr cap="all" sz="10000"/>
             </a:lvl1pPr>
           </a:lstStyle>
           <a:p>
+            <a:pPr/>
             <a:r>
               <a:t>Different practitioners</a:t>
             </a:r>
@@ -8112,7 +8972,7 @@
       </p:sp>
       <p:sp>
         <p:nvSpPr>
-          <p:cNvPr id="184" name="Shape 184"/>
+          <p:cNvPr id="194" name="Shape 194"/>
           <p:cNvSpPr/>
           <p:nvPr/>
         </p:nvSpPr>
@@ -8135,42 +8995,13 @@
           <a:bodyPr lIns="50800" tIns="50800" rIns="50800" bIns="50800" anchor="ctr"/>
           <a:lstStyle/>
           <a:p>
-            <a:endParaRPr/>
+            <a:pPr/>
           </a:p>
         </p:txBody>
       </p:sp>
       <p:pic>
         <p:nvPicPr>
-          <p:cNvPr id="185" name="guy_shadow.png"/>
-          <p:cNvPicPr>
-            <a:picLocks noChangeAspect="1"/>
-          </p:cNvPicPr>
-          <p:nvPr/>
-        </p:nvPicPr>
-        <p:blipFill>
-          <a:blip r:embed="rId2">
-            <a:extLst/>
-          </a:blip>
-          <a:stretch>
-            <a:fillRect/>
-          </a:stretch>
-        </p:blipFill>
-        <p:spPr>
-          <a:xfrm>
-            <a:off x="18481735" y="3091394"/>
-            <a:ext cx="6502401" cy="10160001"/>
-          </a:xfrm>
-          <a:prstGeom prst="rect">
-            <a:avLst/>
-          </a:prstGeom>
-          <a:ln w="12700">
-            <a:miter lim="400000"/>
-          </a:ln>
-        </p:spPr>
-      </p:pic>
-      <p:pic>
-        <p:nvPicPr>
-          <p:cNvPr id="186" name="girl_shadow.png"/>
+          <p:cNvPr id="195" name="guy_shadow.png"/>
           <p:cNvPicPr>
             <a:picLocks noChangeAspect="1"/>
           </p:cNvPicPr>
@@ -8186,6 +9017,35 @@
         </p:blipFill>
         <p:spPr>
           <a:xfrm>
+            <a:off x="18481735" y="3091394"/>
+            <a:ext cx="6502401" cy="10160001"/>
+          </a:xfrm>
+          <a:prstGeom prst="rect">
+            <a:avLst/>
+          </a:prstGeom>
+          <a:ln w="12700">
+            <a:miter lim="400000"/>
+          </a:ln>
+        </p:spPr>
+      </p:pic>
+      <p:pic>
+        <p:nvPicPr>
+          <p:cNvPr id="196" name="girl_shadow.png"/>
+          <p:cNvPicPr>
+            <a:picLocks noChangeAspect="1"/>
+          </p:cNvPicPr>
+          <p:nvPr/>
+        </p:nvPicPr>
+        <p:blipFill>
+          <a:blip r:embed="rId4">
+            <a:extLst/>
+          </a:blip>
+          <a:stretch>
+            <a:fillRect/>
+          </a:stretch>
+        </p:blipFill>
+        <p:spPr>
+          <a:xfrm>
             <a:off x="-504182" y="3091394"/>
             <a:ext cx="6502401" cy="10160001"/>
           </a:xfrm>
@@ -8202,30 +9062,23 @@
   <p:clrMapOvr>
     <a:masterClrMapping/>
   </p:clrMapOvr>
-  <mc:AlternateContent xmlns:mc="http://schemas.openxmlformats.org/markup-compatibility/2006" xmlns:p14="http://schemas.microsoft.com/office/powerpoint/2010/main">
-    <mc:Choice Requires="p14">
-      <p:transition spd="slow" p14:dur="1500">
+  <mc:AlternateContent xmlns:mc="http://schemas.openxmlformats.org/markup-compatibility/2006">
+    <mc:Choice xmlns:p14="http://schemas.microsoft.com/office/powerpoint/2010/main" Requires="p14">
+      <p:transition spd="slow" advClick="1" p14:dur="1500">
         <p:fade thruBlk="1"/>
       </p:transition>
     </mc:Choice>
-    <mc:Fallback xmlns="">
+    <mc:Fallback>
       <p:transition spd="slow">
         <p:fade/>
       </p:transition>
     </mc:Fallback>
   </mc:AlternateContent>
-  <p:timing>
-    <p:tnLst>
-      <p:par>
-        <p:cTn id="1" dur="indefinite" restart="never" nodeType="tmRoot"/>
-      </p:par>
-    </p:tnLst>
-  </p:timing>
 </p:sld>
 </file>
 
 <file path=ppt/slides/slide7.xml><?xml version="1.0" encoding="utf-8"?>
-<p:sld xmlns:a="http://schemas.openxmlformats.org/drawingml/2006/main" xmlns:r="http://schemas.openxmlformats.org/officeDocument/2006/relationships" xmlns:p="http://schemas.openxmlformats.org/presentationml/2006/main">
+<p:sld xmlns:a="http://schemas.openxmlformats.org/drawingml/2006/main" xmlns:r="http://schemas.openxmlformats.org/officeDocument/2006/relationships" xmlns:p="http://schemas.openxmlformats.org/presentationml/2006/main" showMasterSp="1" showMasterPhAnim="1">
   <p:cSld>
     <p:spTree>
       <p:nvGrpSpPr>
@@ -8243,7 +9096,7 @@
       </p:grpSpPr>
       <p:sp>
         <p:nvSpPr>
-          <p:cNvPr id="188" name="Shape 188"/>
+          <p:cNvPr id="200" name="Shape 200"/>
           <p:cNvSpPr/>
           <p:nvPr/>
         </p:nvSpPr>
@@ -8260,7 +9113,7 @@
           </a:ln>
           <a:extLst>
             <a:ext uri="{C572A759-6A51-4108-AA02-DFA0A04FC94B}">
-              <ma14:wrappingTextBoxFlag xmlns:ma14="http://schemas.microsoft.com/office/mac/drawingml/2011/main" xmlns="" val="1"/>
+              <ma14:wrappingTextBoxFlag xmlns:ma14="http://schemas.microsoft.com/office/mac/drawingml/2011/main" val="1"/>
             </a:ext>
           </a:extLst>
         </p:spPr>
@@ -8279,6 +9132,7 @@
             </a:lvl1pPr>
           </a:lstStyle>
           <a:p>
+            <a:pPr/>
             <a:r>
               <a:t>Data Science</a:t>
             </a:r>
@@ -8287,7 +9141,7 @@
       </p:sp>
       <p:sp>
         <p:nvSpPr>
-          <p:cNvPr id="189" name="Shape 189"/>
+          <p:cNvPr id="201" name="Shape 201"/>
           <p:cNvSpPr/>
           <p:nvPr/>
         </p:nvSpPr>
@@ -8304,7 +9158,7 @@
           </a:ln>
           <a:extLst>
             <a:ext uri="{C572A759-6A51-4108-AA02-DFA0A04FC94B}">
-              <ma14:wrappingTextBoxFlag xmlns:ma14="http://schemas.microsoft.com/office/mac/drawingml/2011/main" xmlns="" val="1"/>
+              <ma14:wrappingTextBoxFlag xmlns:ma14="http://schemas.microsoft.com/office/mac/drawingml/2011/main" val="1"/>
             </a:ext>
           </a:extLst>
         </p:spPr>
@@ -8323,6 +9177,7 @@
             </a:lvl1pPr>
           </a:lstStyle>
           <a:p>
+            <a:pPr/>
             <a:r>
               <a:t>Data Analytics</a:t>
             </a:r>
@@ -8331,7 +9186,7 @@
       </p:sp>
       <p:sp>
         <p:nvSpPr>
-          <p:cNvPr id="190" name="Shape 190"/>
+          <p:cNvPr id="202" name="Shape 202"/>
           <p:cNvSpPr/>
           <p:nvPr/>
         </p:nvSpPr>
@@ -8348,7 +9203,7 @@
           </a:ln>
           <a:extLst>
             <a:ext uri="{C572A759-6A51-4108-AA02-DFA0A04FC94B}">
-              <ma14:wrappingTextBoxFlag xmlns:ma14="http://schemas.microsoft.com/office/mac/drawingml/2011/main" xmlns="" val="1"/>
+              <ma14:wrappingTextBoxFlag xmlns:ma14="http://schemas.microsoft.com/office/mac/drawingml/2011/main" val="1"/>
             </a:ext>
           </a:extLst>
         </p:spPr>
@@ -8399,7 +9254,7 @@
       </p:sp>
       <p:sp>
         <p:nvSpPr>
-          <p:cNvPr id="191" name="Shape 191"/>
+          <p:cNvPr id="203" name="Shape 203"/>
           <p:cNvSpPr/>
           <p:nvPr/>
         </p:nvSpPr>
@@ -8416,7 +9271,7 @@
           </a:ln>
           <a:extLst>
             <a:ext uri="{C572A759-6A51-4108-AA02-DFA0A04FC94B}">
-              <ma14:wrappingTextBoxFlag xmlns:ma14="http://schemas.microsoft.com/office/mac/drawingml/2011/main" xmlns="" val="1"/>
+              <ma14:wrappingTextBoxFlag xmlns:ma14="http://schemas.microsoft.com/office/mac/drawingml/2011/main" val="1"/>
             </a:ext>
           </a:extLst>
         </p:spPr>
@@ -8441,6 +9296,7 @@
             </a:lvl1pPr>
           </a:lstStyle>
           <a:p>
+            <a:pPr/>
             <a:r>
               <a:t>R, Python, Excel, SAS, etc…</a:t>
             </a:r>
@@ -8449,7 +9305,7 @@
       </p:sp>
       <p:sp>
         <p:nvSpPr>
-          <p:cNvPr id="192" name="Shape 192"/>
+          <p:cNvPr id="204" name="Shape 204"/>
           <p:cNvSpPr/>
           <p:nvPr/>
         </p:nvSpPr>
@@ -8466,7 +9322,7 @@
           </a:ln>
           <a:extLst>
             <a:ext uri="{C572A759-6A51-4108-AA02-DFA0A04FC94B}">
-              <ma14:wrappingTextBoxFlag xmlns:ma14="http://schemas.microsoft.com/office/mac/drawingml/2011/main" xmlns="" val="1"/>
+              <ma14:wrappingTextBoxFlag xmlns:ma14="http://schemas.microsoft.com/office/mac/drawingml/2011/main" val="1"/>
             </a:ext>
           </a:extLst>
         </p:spPr>
@@ -8536,7 +9392,7 @@
       </p:sp>
       <p:sp>
         <p:nvSpPr>
-          <p:cNvPr id="193" name="Shape 193"/>
+          <p:cNvPr id="205" name="Shape 205"/>
           <p:cNvSpPr/>
           <p:nvPr/>
         </p:nvSpPr>
@@ -8559,13 +9415,13 @@
           <a:bodyPr lIns="50800" tIns="50800" rIns="50800" bIns="50800" anchor="ctr"/>
           <a:lstStyle/>
           <a:p>
-            <a:endParaRPr/>
-          </a:p>
-        </p:txBody>
-      </p:sp>
-      <p:sp>
-        <p:nvSpPr>
-          <p:cNvPr id="194" name="Shape 194"/>
+            <a:pPr/>
+          </a:p>
+        </p:txBody>
+      </p:sp>
+      <p:sp>
+        <p:nvSpPr>
+          <p:cNvPr id="206" name="Shape 206"/>
           <p:cNvSpPr/>
           <p:nvPr/>
         </p:nvSpPr>
@@ -8582,7 +9438,7 @@
           </a:ln>
           <a:extLst>
             <a:ext uri="{C572A759-6A51-4108-AA02-DFA0A04FC94B}">
-              <ma14:wrappingTextBoxFlag xmlns:ma14="http://schemas.microsoft.com/office/mac/drawingml/2011/main" xmlns="" val="1"/>
+              <ma14:wrappingTextBoxFlag xmlns:ma14="http://schemas.microsoft.com/office/mac/drawingml/2011/main" val="1"/>
             </a:ext>
           </a:extLst>
         </p:spPr>
@@ -8604,6 +9460,7 @@
             </a:lvl1pPr>
           </a:lstStyle>
           <a:p>
+            <a:pPr/>
             <a:r>
               <a:t>Excel, VBA, SQL, etc.</a:t>
             </a:r>
@@ -8612,7 +9469,7 @@
       </p:sp>
       <p:sp>
         <p:nvSpPr>
-          <p:cNvPr id="195" name="Shape 195"/>
+          <p:cNvPr id="207" name="Shape 207"/>
           <p:cNvSpPr/>
           <p:nvPr/>
         </p:nvSpPr>
@@ -8629,7 +9486,7 @@
           </a:ln>
           <a:extLst>
             <a:ext uri="{C572A759-6A51-4108-AA02-DFA0A04FC94B}">
-              <ma14:wrappingTextBoxFlag xmlns:ma14="http://schemas.microsoft.com/office/mac/drawingml/2011/main" xmlns="" val="1"/>
+              <ma14:wrappingTextBoxFlag xmlns:ma14="http://schemas.microsoft.com/office/mac/drawingml/2011/main" val="1"/>
             </a:ext>
           </a:extLst>
         </p:spPr>
@@ -8651,6 +9508,7 @@
             </a:lvl1pPr>
           </a:lstStyle>
           <a:p>
+            <a:pPr/>
             <a:r>
               <a:t>Excel, VBA, SQL, etc.</a:t>
             </a:r>
@@ -8659,7 +9517,7 @@
       </p:sp>
       <p:sp>
         <p:nvSpPr>
-          <p:cNvPr id="196" name="Shape 196"/>
+          <p:cNvPr id="208" name="Shape 208"/>
           <p:cNvSpPr/>
           <p:nvPr/>
         </p:nvSpPr>
@@ -8676,7 +9534,7 @@
           </a:ln>
           <a:extLst>
             <a:ext uri="{C572A759-6A51-4108-AA02-DFA0A04FC94B}">
-              <ma14:wrappingTextBoxFlag xmlns:ma14="http://schemas.microsoft.com/office/mac/drawingml/2011/main" xmlns="" val="1"/>
+              <ma14:wrappingTextBoxFlag xmlns:ma14="http://schemas.microsoft.com/office/mac/drawingml/2011/main" val="1"/>
             </a:ext>
           </a:extLst>
         </p:spPr>
@@ -8698,6 +9556,7 @@
             </a:lvl1pPr>
           </a:lstStyle>
           <a:p>
+            <a:pPr/>
             <a:r>
               <a:t>Excel, Business objects, etc.</a:t>
             </a:r>
@@ -8706,7 +9565,7 @@
       </p:sp>
       <p:sp>
         <p:nvSpPr>
-          <p:cNvPr id="197" name="Shape 197"/>
+          <p:cNvPr id="209" name="Shape 209"/>
           <p:cNvSpPr/>
           <p:nvPr/>
         </p:nvSpPr>
@@ -8732,13 +9591,13 @@
           <a:bodyPr lIns="50800" tIns="50800" rIns="50800" bIns="50800" anchor="ctr"/>
           <a:lstStyle/>
           <a:p>
-            <a:endParaRPr/>
-          </a:p>
-        </p:txBody>
-      </p:sp>
-      <p:sp>
-        <p:nvSpPr>
-          <p:cNvPr id="198" name="Shape 198"/>
+            <a:pPr/>
+          </a:p>
+        </p:txBody>
+      </p:sp>
+      <p:sp>
+        <p:nvSpPr>
+          <p:cNvPr id="210" name="Shape 210"/>
           <p:cNvSpPr/>
           <p:nvPr/>
         </p:nvSpPr>
@@ -8764,13 +9623,13 @@
           <a:bodyPr lIns="50800" tIns="50800" rIns="50800" bIns="50800" anchor="ctr"/>
           <a:lstStyle/>
           <a:p>
-            <a:endParaRPr/>
-          </a:p>
-        </p:txBody>
-      </p:sp>
-      <p:sp>
-        <p:nvSpPr>
-          <p:cNvPr id="199" name="Shape 199"/>
+            <a:pPr/>
+          </a:p>
+        </p:txBody>
+      </p:sp>
+      <p:sp>
+        <p:nvSpPr>
+          <p:cNvPr id="211" name="Shape 211"/>
           <p:cNvSpPr/>
           <p:nvPr/>
         </p:nvSpPr>
@@ -8793,13 +9652,13 @@
           <a:bodyPr lIns="50800" tIns="50800" rIns="50800" bIns="50800" anchor="ctr"/>
           <a:lstStyle/>
           <a:p>
-            <a:endParaRPr/>
-          </a:p>
-        </p:txBody>
-      </p:sp>
-      <p:sp>
-        <p:nvSpPr>
-          <p:cNvPr id="200" name="Shape 200"/>
+            <a:pPr/>
+          </a:p>
+        </p:txBody>
+      </p:sp>
+      <p:sp>
+        <p:nvSpPr>
+          <p:cNvPr id="212" name="Shape 212"/>
           <p:cNvSpPr/>
           <p:nvPr/>
         </p:nvSpPr>
@@ -8816,7 +9675,7 @@
           </a:ln>
           <a:extLst>
             <a:ext uri="{C572A759-6A51-4108-AA02-DFA0A04FC94B}">
-              <ma14:wrappingTextBoxFlag xmlns:ma14="http://schemas.microsoft.com/office/mac/drawingml/2011/main" xmlns="" val="1"/>
+              <ma14:wrappingTextBoxFlag xmlns:ma14="http://schemas.microsoft.com/office/mac/drawingml/2011/main" val="1"/>
             </a:ext>
           </a:extLst>
         </p:spPr>
@@ -8826,10 +9685,11 @@
           </a:bodyPr>
           <a:lstStyle>
             <a:lvl1pPr>
-              <a:defRPr sz="10000" cap="all"/>
+              <a:defRPr cap="all" sz="10000"/>
             </a:lvl1pPr>
           </a:lstStyle>
           <a:p>
+            <a:pPr/>
             <a:r>
               <a:t>Different Tools</a:t>
             </a:r>
@@ -8838,7 +9698,7 @@
       </p:sp>
       <p:sp>
         <p:nvSpPr>
-          <p:cNvPr id="201" name="Shape 201"/>
+          <p:cNvPr id="213" name="Shape 213"/>
           <p:cNvSpPr/>
           <p:nvPr/>
         </p:nvSpPr>
@@ -8861,42 +9721,13 @@
           <a:bodyPr lIns="50800" tIns="50800" rIns="50800" bIns="50800" anchor="ctr"/>
           <a:lstStyle/>
           <a:p>
-            <a:endParaRPr/>
+            <a:pPr/>
           </a:p>
         </p:txBody>
       </p:sp>
       <p:pic>
         <p:nvPicPr>
-          <p:cNvPr id="202" name="guy_shadow.png"/>
-          <p:cNvPicPr>
-            <a:picLocks noChangeAspect="1"/>
-          </p:cNvPicPr>
-          <p:nvPr/>
-        </p:nvPicPr>
-        <p:blipFill>
-          <a:blip r:embed="rId2">
-            <a:extLst/>
-          </a:blip>
-          <a:stretch>
-            <a:fillRect/>
-          </a:stretch>
-        </p:blipFill>
-        <p:spPr>
-          <a:xfrm>
-            <a:off x="18481735" y="3091394"/>
-            <a:ext cx="6502401" cy="10160001"/>
-          </a:xfrm>
-          <a:prstGeom prst="rect">
-            <a:avLst/>
-          </a:prstGeom>
-          <a:ln w="12700">
-            <a:miter lim="400000"/>
-          </a:ln>
-        </p:spPr>
-      </p:pic>
-      <p:pic>
-        <p:nvPicPr>
-          <p:cNvPr id="203" name="girl_shadow.png"/>
+          <p:cNvPr id="214" name="guy_shadow.png"/>
           <p:cNvPicPr>
             <a:picLocks noChangeAspect="1"/>
           </p:cNvPicPr>
@@ -8912,6 +9743,35 @@
         </p:blipFill>
         <p:spPr>
           <a:xfrm>
+            <a:off x="18481735" y="3091394"/>
+            <a:ext cx="6502401" cy="10160001"/>
+          </a:xfrm>
+          <a:prstGeom prst="rect">
+            <a:avLst/>
+          </a:prstGeom>
+          <a:ln w="12700">
+            <a:miter lim="400000"/>
+          </a:ln>
+        </p:spPr>
+      </p:pic>
+      <p:pic>
+        <p:nvPicPr>
+          <p:cNvPr id="215" name="girl_shadow.png"/>
+          <p:cNvPicPr>
+            <a:picLocks noChangeAspect="1"/>
+          </p:cNvPicPr>
+          <p:nvPr/>
+        </p:nvPicPr>
+        <p:blipFill>
+          <a:blip r:embed="rId4">
+            <a:extLst/>
+          </a:blip>
+          <a:stretch>
+            <a:fillRect/>
+          </a:stretch>
+        </p:blipFill>
+        <p:spPr>
+          <a:xfrm>
             <a:off x="-504182" y="3091394"/>
             <a:ext cx="6502401" cy="10160001"/>
           </a:xfrm>
@@ -8925,7 +9785,7 @@
       </p:pic>
       <p:sp>
         <p:nvSpPr>
-          <p:cNvPr id="204" name="Shape 204"/>
+          <p:cNvPr id="216" name="Shape 216"/>
           <p:cNvSpPr/>
           <p:nvPr/>
         </p:nvSpPr>
@@ -8948,13 +9808,13 @@
           <a:bodyPr lIns="50800" tIns="50800" rIns="50800" bIns="50800" anchor="ctr"/>
           <a:lstStyle/>
           <a:p>
-            <a:endParaRPr/>
-          </a:p>
-        </p:txBody>
-      </p:sp>
-      <p:sp>
-        <p:nvSpPr>
-          <p:cNvPr id="205" name="Shape 205"/>
+            <a:pPr/>
+          </a:p>
+        </p:txBody>
+      </p:sp>
+      <p:sp>
+        <p:nvSpPr>
+          <p:cNvPr id="217" name="Shape 217"/>
           <p:cNvSpPr/>
           <p:nvPr/>
         </p:nvSpPr>
@@ -8971,7 +9831,7 @@
           </a:ln>
           <a:extLst>
             <a:ext uri="{C572A759-6A51-4108-AA02-DFA0A04FC94B}">
-              <ma14:wrappingTextBoxFlag xmlns:ma14="http://schemas.microsoft.com/office/mac/drawingml/2011/main" xmlns="" val="1"/>
+              <ma14:wrappingTextBoxFlag xmlns:ma14="http://schemas.microsoft.com/office/mac/drawingml/2011/main" val="1"/>
             </a:ext>
           </a:extLst>
         </p:spPr>
@@ -8990,6 +9850,7 @@
             </a:lvl1pPr>
           </a:lstStyle>
           <a:p>
+            <a:pPr/>
             <a:r>
               <a:t>Capture</a:t>
             </a:r>
@@ -8998,7 +9859,7 @@
       </p:sp>
       <p:sp>
         <p:nvSpPr>
-          <p:cNvPr id="206" name="Shape 206"/>
+          <p:cNvPr id="218" name="Shape 218"/>
           <p:cNvSpPr/>
           <p:nvPr/>
         </p:nvSpPr>
@@ -9015,7 +9876,7 @@
           </a:ln>
           <a:extLst>
             <a:ext uri="{C572A759-6A51-4108-AA02-DFA0A04FC94B}">
-              <ma14:wrappingTextBoxFlag xmlns:ma14="http://schemas.microsoft.com/office/mac/drawingml/2011/main" xmlns="" val="1"/>
+              <ma14:wrappingTextBoxFlag xmlns:ma14="http://schemas.microsoft.com/office/mac/drawingml/2011/main" val="1"/>
             </a:ext>
           </a:extLst>
         </p:spPr>
@@ -9034,6 +9895,7 @@
             </a:lvl1pPr>
           </a:lstStyle>
           <a:p>
+            <a:pPr/>
             <a:r>
               <a:t>Analyze</a:t>
             </a:r>
@@ -9042,7 +9904,7 @@
       </p:sp>
       <p:sp>
         <p:nvSpPr>
-          <p:cNvPr id="207" name="Shape 207"/>
+          <p:cNvPr id="219" name="Shape 219"/>
           <p:cNvSpPr/>
           <p:nvPr/>
         </p:nvSpPr>
@@ -9059,7 +9921,7 @@
           </a:ln>
           <a:extLst>
             <a:ext uri="{C572A759-6A51-4108-AA02-DFA0A04FC94B}">
-              <ma14:wrappingTextBoxFlag xmlns:ma14="http://schemas.microsoft.com/office/mac/drawingml/2011/main" xmlns="" val="1"/>
+              <ma14:wrappingTextBoxFlag xmlns:ma14="http://schemas.microsoft.com/office/mac/drawingml/2011/main" val="1"/>
             </a:ext>
           </a:extLst>
         </p:spPr>
@@ -9078,6 +9940,7 @@
             </a:lvl1pPr>
           </a:lstStyle>
           <a:p>
+            <a:pPr/>
             <a:r>
               <a:t>Present</a:t>
             </a:r>
@@ -9089,30 +9952,23 @@
   <p:clrMapOvr>
     <a:masterClrMapping/>
   </p:clrMapOvr>
-  <mc:AlternateContent xmlns:mc="http://schemas.openxmlformats.org/markup-compatibility/2006" xmlns:p14="http://schemas.microsoft.com/office/powerpoint/2010/main">
-    <mc:Choice Requires="p14">
-      <p:transition spd="slow" p14:dur="1500">
+  <mc:AlternateContent xmlns:mc="http://schemas.openxmlformats.org/markup-compatibility/2006">
+    <mc:Choice xmlns:p14="http://schemas.microsoft.com/office/powerpoint/2010/main" Requires="p14">
+      <p:transition spd="slow" advClick="1" p14:dur="1500">
         <p:fade thruBlk="1"/>
       </p:transition>
     </mc:Choice>
-    <mc:Fallback xmlns="">
+    <mc:Fallback>
       <p:transition spd="slow">
         <p:fade/>
       </p:transition>
     </mc:Fallback>
   </mc:AlternateContent>
-  <p:timing>
-    <p:tnLst>
-      <p:par>
-        <p:cTn id="1" dur="indefinite" restart="never" nodeType="tmRoot"/>
-      </p:par>
-    </p:tnLst>
-  </p:timing>
 </p:sld>
 </file>
 
 <file path=ppt/slides/slide8.xml><?xml version="1.0" encoding="utf-8"?>
-<p:sld xmlns:a="http://schemas.openxmlformats.org/drawingml/2006/main" xmlns:r="http://schemas.openxmlformats.org/officeDocument/2006/relationships" xmlns:p="http://schemas.openxmlformats.org/presentationml/2006/main">
+<p:sld xmlns:a="http://schemas.openxmlformats.org/drawingml/2006/main" xmlns:r="http://schemas.openxmlformats.org/officeDocument/2006/relationships" xmlns:p="http://schemas.openxmlformats.org/presentationml/2006/main" showMasterSp="1" showMasterPhAnim="1">
   <p:cSld>
     <p:spTree>
       <p:nvGrpSpPr>
@@ -9130,10 +9986,8 @@
       </p:grpSpPr>
       <p:sp>
         <p:nvSpPr>
-          <p:cNvPr id="209" name="Shape 209"/>
-          <p:cNvSpPr>
-            <a:spLocks noGrp="1"/>
-          </p:cNvSpPr>
+          <p:cNvPr id="223" name="Shape 223"/>
+          <p:cNvSpPr/>
           <p:nvPr>
             <p:ph type="title"/>
           </p:nvPr>
@@ -9147,6 +10001,7 @@
           <a:bodyPr/>
           <a:lstStyle/>
           <a:p>
+            <a:pPr/>
             <a:r>
               <a:t>With that said</a:t>
             </a:r>
@@ -9155,10 +10010,8 @@
       </p:sp>
       <p:sp>
         <p:nvSpPr>
-          <p:cNvPr id="210" name="Shape 210"/>
-          <p:cNvSpPr>
-            <a:spLocks noGrp="1"/>
-          </p:cNvSpPr>
+          <p:cNvPr id="224" name="Shape 224"/>
+          <p:cNvSpPr/>
           <p:nvPr>
             <p:ph type="body" idx="1"/>
           </p:nvPr>
@@ -9173,9 +10026,7 @@
           </a:prstGeom>
         </p:spPr>
         <p:txBody>
-          <a:bodyPr anchor="t">
-            <a:normAutofit/>
-          </a:bodyPr>
+          <a:bodyPr anchor="t"/>
           <a:lstStyle/>
           <a:p>
             <a:pPr marL="0" indent="0" defTabSz="800735">
@@ -9190,7 +10041,6 @@
               <a:defRPr sz="6208"/>
             </a:pPr>
             <a:r>
-              <a:rPr sz="5400" dirty="0"/>
               <a:t>There is commonality, but huge differences…</a:t>
             </a:r>
           </a:p>
@@ -9209,7 +10059,6 @@
               </a:defRPr>
             </a:pPr>
             <a:r>
-              <a:rPr sz="3600" dirty="0"/>
               <a:t>Both leverage scripting languages, but usually for different purposes</a:t>
             </a:r>
           </a:p>
@@ -9228,7 +10077,6 @@
               </a:defRPr>
             </a:pPr>
             <a:r>
-              <a:rPr sz="3600" dirty="0"/>
               <a:t>Both source from SQL databases and flat files, but at very different scale</a:t>
             </a:r>
           </a:p>
@@ -9247,7 +10095,6 @@
               </a:defRPr>
             </a:pPr>
             <a:r>
-              <a:rPr sz="3600" dirty="0"/>
               <a:t>Both use Excel all over the place, but only one is reliant on it</a:t>
             </a:r>
           </a:p>
@@ -9264,7 +10111,6 @@
               <a:defRPr sz="6208"/>
             </a:pPr>
             <a:r>
-              <a:rPr sz="5400" dirty="0"/>
               <a:t>So today, our focus is on simple analytics only…</a:t>
             </a:r>
           </a:p>
@@ -9283,7 +10129,6 @@
               </a:defRPr>
             </a:pPr>
             <a:r>
-              <a:rPr sz="3600" dirty="0"/>
               <a:t>Automating our complicated Excel tasks</a:t>
             </a:r>
           </a:p>
@@ -9302,7 +10147,6 @@
               </a:defRPr>
             </a:pPr>
             <a:r>
-              <a:rPr sz="3600" dirty="0"/>
               <a:t>Simplifying analysis tasks and report generation</a:t>
             </a:r>
           </a:p>
@@ -9321,7 +10165,6 @@
               </a:defRPr>
             </a:pPr>
             <a:r>
-              <a:rPr sz="3600" dirty="0"/>
               <a:t>Creating sophisticated visualizations</a:t>
             </a:r>
           </a:p>
@@ -9340,7 +10183,6 @@
               </a:defRPr>
             </a:pPr>
             <a:r>
-              <a:rPr sz="3600" dirty="0"/>
               <a:t>Integrating with other applications/tools</a:t>
             </a:r>
           </a:p>
@@ -9357,7 +10199,6 @@
               <a:defRPr sz="6208"/>
             </a:pPr>
             <a:r>
-              <a:rPr sz="5400" dirty="0"/>
               <a:t>With the goal of taking our current skill sets…</a:t>
             </a:r>
           </a:p>
@@ -9365,14 +10206,14 @@
       </p:sp>
       <p:pic>
         <p:nvPicPr>
-          <p:cNvPr id="211" name="Girl_and_guy.png"/>
+          <p:cNvPr id="225" name="Girl_and_guy.png"/>
           <p:cNvPicPr>
             <a:picLocks noChangeAspect="1"/>
           </p:cNvPicPr>
           <p:nvPr/>
         </p:nvPicPr>
         <p:blipFill>
-          <a:blip r:embed="rId2">
+          <a:blip r:embed="rId3">
             <a:extLst/>
           </a:blip>
           <a:stretch>
@@ -9397,30 +10238,23 @@
   <p:clrMapOvr>
     <a:masterClrMapping/>
   </p:clrMapOvr>
-  <mc:AlternateContent xmlns:mc="http://schemas.openxmlformats.org/markup-compatibility/2006" xmlns:p14="http://schemas.microsoft.com/office/powerpoint/2010/main">
-    <mc:Choice Requires="p14">
-      <p:transition spd="slow" p14:dur="1500">
+  <mc:AlternateContent xmlns:mc="http://schemas.openxmlformats.org/markup-compatibility/2006">
+    <mc:Choice xmlns:p14="http://schemas.microsoft.com/office/powerpoint/2010/main" Requires="p14">
+      <p:transition spd="slow" advClick="1" p14:dur="1500">
         <p:fade thruBlk="1"/>
       </p:transition>
     </mc:Choice>
-    <mc:Fallback xmlns="">
+    <mc:Fallback>
       <p:transition spd="slow">
         <p:fade/>
       </p:transition>
     </mc:Fallback>
   </mc:AlternateContent>
-  <p:timing>
-    <p:tnLst>
-      <p:par>
-        <p:cTn id="1" dur="indefinite" restart="never" nodeType="tmRoot"/>
-      </p:par>
-    </p:tnLst>
-  </p:timing>
 </p:sld>
 </file>
 
 <file path=ppt/slides/slide9.xml><?xml version="1.0" encoding="utf-8"?>
-<p:sld xmlns:a="http://schemas.openxmlformats.org/drawingml/2006/main" xmlns:r="http://schemas.openxmlformats.org/officeDocument/2006/relationships" xmlns:p="http://schemas.openxmlformats.org/presentationml/2006/main">
+<p:sld xmlns:a="http://schemas.openxmlformats.org/drawingml/2006/main" xmlns:r="http://schemas.openxmlformats.org/officeDocument/2006/relationships" xmlns:p="http://schemas.openxmlformats.org/presentationml/2006/main" showMasterSp="1" showMasterPhAnim="1">
   <p:cSld>
     <p:spTree>
       <p:nvGrpSpPr>
@@ -9438,61 +10272,7 @@
       </p:grpSpPr>
       <p:pic>
         <p:nvPicPr>
-          <p:cNvPr id="213" name="pasted-image.tiff"/>
-          <p:cNvPicPr>
-            <a:picLocks noChangeAspect="1"/>
-          </p:cNvPicPr>
-          <p:nvPr/>
-        </p:nvPicPr>
-        <p:blipFill>
-          <a:blip r:embed="rId2">
-            <a:extLst/>
-          </a:blip>
-          <a:stretch>
-            <a:fillRect/>
-          </a:stretch>
-        </p:blipFill>
-        <p:spPr>
-          <a:xfrm>
-            <a:off x="4800784" y="12499455"/>
-            <a:ext cx="5839747" cy="807120"/>
-          </a:xfrm>
-          <a:prstGeom prst="rect">
-            <a:avLst/>
-          </a:prstGeom>
-          <a:ln w="12700">
-            <a:miter lim="400000"/>
-          </a:ln>
-        </p:spPr>
-      </p:pic>
-      <p:sp>
-        <p:nvSpPr>
-          <p:cNvPr id="214" name="Shape 214"/>
-          <p:cNvSpPr>
-            <a:spLocks noGrp="1"/>
-          </p:cNvSpPr>
-          <p:nvPr>
-            <p:ph type="title"/>
-          </p:nvPr>
-        </p:nvSpPr>
-        <p:spPr>
-          <a:prstGeom prst="rect">
-            <a:avLst/>
-          </a:prstGeom>
-        </p:spPr>
-        <p:txBody>
-          <a:bodyPr/>
-          <a:lstStyle/>
-          <a:p>
-            <a:r>
-              <a:t>from here…</a:t>
-            </a:r>
-          </a:p>
-        </p:txBody>
-      </p:sp>
-      <p:pic>
-        <p:nvPicPr>
-          <p:cNvPr id="215" name="venn_diagram.png"/>
+          <p:cNvPr id="229" name="pasted-image.tiff"/>
           <p:cNvPicPr>
             <a:picLocks noChangeAspect="1"/>
           </p:cNvPicPr>
@@ -9508,6 +10288,59 @@
         </p:blipFill>
         <p:spPr>
           <a:xfrm>
+            <a:off x="4800784" y="12499454"/>
+            <a:ext cx="5839747" cy="807121"/>
+          </a:xfrm>
+          <a:prstGeom prst="rect">
+            <a:avLst/>
+          </a:prstGeom>
+          <a:ln w="12700">
+            <a:miter lim="400000"/>
+          </a:ln>
+        </p:spPr>
+      </p:pic>
+      <p:sp>
+        <p:nvSpPr>
+          <p:cNvPr id="230" name="Shape 230"/>
+          <p:cNvSpPr/>
+          <p:nvPr>
+            <p:ph type="title"/>
+          </p:nvPr>
+        </p:nvSpPr>
+        <p:spPr>
+          <a:prstGeom prst="rect">
+            <a:avLst/>
+          </a:prstGeom>
+        </p:spPr>
+        <p:txBody>
+          <a:bodyPr/>
+          <a:lstStyle/>
+          <a:p>
+            <a:pPr/>
+            <a:r>
+              <a:t>from here…</a:t>
+            </a:r>
+          </a:p>
+        </p:txBody>
+      </p:sp>
+      <p:pic>
+        <p:nvPicPr>
+          <p:cNvPr id="231" name="venn_diagram.png"/>
+          <p:cNvPicPr>
+            <a:picLocks noChangeAspect="1"/>
+          </p:cNvPicPr>
+          <p:nvPr/>
+        </p:nvPicPr>
+        <p:blipFill>
+          <a:blip r:embed="rId4">
+            <a:extLst/>
+          </a:blip>
+          <a:stretch>
+            <a:fillRect/>
+          </a:stretch>
+        </p:blipFill>
+        <p:spPr>
+          <a:xfrm>
             <a:off x="6271220" y="2520842"/>
             <a:ext cx="11841545" cy="10970678"/>
           </a:xfrm>
@@ -9521,7 +10354,7 @@
       </p:pic>
       <p:sp>
         <p:nvSpPr>
-          <p:cNvPr id="216" name="Shape 216"/>
+          <p:cNvPr id="232" name="Shape 232"/>
           <p:cNvSpPr/>
           <p:nvPr/>
         </p:nvSpPr>
@@ -9543,7 +10376,7 @@
             <a:miter lim="400000"/>
           </a:ln>
           <a:effectLst>
-            <a:outerShdw blurRad="101600" dir="18900000" rotWithShape="0">
+            <a:outerShdw sx="100000" sy="100000" kx="0" ky="0" algn="b" rotWithShape="0" blurRad="101600" dist="0" dir="18900000">
               <a:srgbClr val="000000">
                 <a:alpha val="80000"/>
               </a:srgbClr>
@@ -9561,13 +10394,12 @@
                 </a:solidFill>
               </a:defRPr>
             </a:pPr>
-            <a:endParaRPr/>
-          </a:p>
-        </p:txBody>
-      </p:sp>
-      <p:sp>
-        <p:nvSpPr>
-          <p:cNvPr id="217" name="Shape 217"/>
+          </a:p>
+        </p:txBody>
+      </p:sp>
+      <p:sp>
+        <p:nvSpPr>
+          <p:cNvPr id="233" name="Shape 233"/>
           <p:cNvSpPr/>
           <p:nvPr/>
         </p:nvSpPr>
@@ -9596,7 +10428,7 @@
             </a:cxnLst>
             <a:rect l="0" t="0" r="r" b="b"/>
             <a:pathLst>
-              <a:path w="21600" h="21600" extrusionOk="0">
+              <a:path w="21600" h="21600" fill="norm" stroke="1" extrusionOk="0">
                 <a:moveTo>
                   <a:pt x="3982" y="14256"/>
                 </a:moveTo>
@@ -9629,7 +10461,7 @@
             <a:miter lim="400000"/>
           </a:ln>
           <a:effectLst>
-            <a:outerShdw blurRad="101600" dir="18900000" rotWithShape="0">
+            <a:outerShdw sx="100000" sy="100000" kx="0" ky="0" algn="b" rotWithShape="0" blurRad="101600" dist="0" dir="18900000">
               <a:srgbClr val="000000">
                 <a:alpha val="80000"/>
               </a:srgbClr>
@@ -9647,13 +10479,12 @@
                 </a:solidFill>
               </a:defRPr>
             </a:pPr>
-            <a:endParaRPr/>
-          </a:p>
-        </p:txBody>
-      </p:sp>
-      <p:sp>
-        <p:nvSpPr>
-          <p:cNvPr id="218" name="Shape 218"/>
+          </a:p>
+        </p:txBody>
+      </p:sp>
+      <p:sp>
+        <p:nvSpPr>
+          <p:cNvPr id="234" name="Shape 234"/>
           <p:cNvSpPr/>
           <p:nvPr/>
         </p:nvSpPr>
@@ -9682,7 +10513,7 @@
             </a:cxnLst>
             <a:rect l="0" t="0" r="r" b="b"/>
             <a:pathLst>
-              <a:path w="21565" h="21304" extrusionOk="0">
+              <a:path w="21565" h="21304" fill="norm" stroke="1" extrusionOk="0">
                 <a:moveTo>
                   <a:pt x="12333" y="0"/>
                 </a:moveTo>
@@ -9731,13 +10562,13 @@
           <a:bodyPr lIns="50800" tIns="50800" rIns="50800" bIns="50800" anchor="ctr"/>
           <a:lstStyle/>
           <a:p>
-            <a:endParaRPr/>
-          </a:p>
-        </p:txBody>
-      </p:sp>
-      <p:sp>
-        <p:nvSpPr>
-          <p:cNvPr id="219" name="Shape 219"/>
+            <a:pPr/>
+          </a:p>
+        </p:txBody>
+      </p:sp>
+      <p:sp>
+        <p:nvSpPr>
+          <p:cNvPr id="235" name="Shape 235"/>
           <p:cNvSpPr/>
           <p:nvPr/>
         </p:nvSpPr>
@@ -9766,7 +10597,7 @@
             </a:cxnLst>
             <a:rect l="0" t="0" r="r" b="b"/>
             <a:pathLst>
-              <a:path w="21569" h="21378" extrusionOk="0">
+              <a:path w="21569" h="21378" fill="norm" stroke="1" extrusionOk="0">
                 <a:moveTo>
                   <a:pt x="8878" y="0"/>
                 </a:moveTo>
@@ -9815,42 +10646,13 @@
           <a:bodyPr lIns="50800" tIns="50800" rIns="50800" bIns="50800" anchor="ctr"/>
           <a:lstStyle/>
           <a:p>
-            <a:endParaRPr/>
+            <a:pPr/>
           </a:p>
         </p:txBody>
       </p:sp>
       <p:pic>
         <p:nvPicPr>
-          <p:cNvPr id="220" name="guy_shadow.png"/>
-          <p:cNvPicPr>
-            <a:picLocks noChangeAspect="1"/>
-          </p:cNvPicPr>
-          <p:nvPr/>
-        </p:nvPicPr>
-        <p:blipFill>
-          <a:blip r:embed="rId4">
-            <a:extLst/>
-          </a:blip>
-          <a:stretch>
-            <a:fillRect/>
-          </a:stretch>
-        </p:blipFill>
-        <p:spPr>
-          <a:xfrm>
-            <a:off x="18481735" y="3091394"/>
-            <a:ext cx="6502401" cy="10160001"/>
-          </a:xfrm>
-          <a:prstGeom prst="rect">
-            <a:avLst/>
-          </a:prstGeom>
-          <a:ln w="12700">
-            <a:miter lim="400000"/>
-          </a:ln>
-        </p:spPr>
-      </p:pic>
-      <p:pic>
-        <p:nvPicPr>
-          <p:cNvPr id="221" name="girl_shadow.png"/>
+          <p:cNvPr id="236" name="guy_shadow.png"/>
           <p:cNvPicPr>
             <a:picLocks noChangeAspect="1"/>
           </p:cNvPicPr>
@@ -9866,6 +10668,35 @@
         </p:blipFill>
         <p:spPr>
           <a:xfrm>
+            <a:off x="18481735" y="3091394"/>
+            <a:ext cx="6502401" cy="10160001"/>
+          </a:xfrm>
+          <a:prstGeom prst="rect">
+            <a:avLst/>
+          </a:prstGeom>
+          <a:ln w="12700">
+            <a:miter lim="400000"/>
+          </a:ln>
+        </p:spPr>
+      </p:pic>
+      <p:pic>
+        <p:nvPicPr>
+          <p:cNvPr id="237" name="girl_shadow.png"/>
+          <p:cNvPicPr>
+            <a:picLocks noChangeAspect="1"/>
+          </p:cNvPicPr>
+          <p:nvPr/>
+        </p:nvPicPr>
+        <p:blipFill>
+          <a:blip r:embed="rId6">
+            <a:extLst/>
+          </a:blip>
+          <a:stretch>
+            <a:fillRect/>
+          </a:stretch>
+        </p:blipFill>
+        <p:spPr>
+          <a:xfrm>
             <a:off x="-504182" y="3091394"/>
             <a:ext cx="6502401" cy="10160001"/>
           </a:xfrm>
@@ -9882,30 +10713,23 @@
   <p:clrMapOvr>
     <a:masterClrMapping/>
   </p:clrMapOvr>
-  <mc:AlternateContent xmlns:mc="http://schemas.openxmlformats.org/markup-compatibility/2006" xmlns:p14="http://schemas.microsoft.com/office/powerpoint/2010/main">
-    <mc:Choice Requires="p14">
-      <p:transition spd="slow" p14:dur="1500">
+  <mc:AlternateContent xmlns:mc="http://schemas.openxmlformats.org/markup-compatibility/2006">
+    <mc:Choice xmlns:p14="http://schemas.microsoft.com/office/powerpoint/2010/main" Requires="p14">
+      <p:transition spd="slow" advClick="1" p14:dur="1500">
         <p:fade thruBlk="1"/>
       </p:transition>
     </mc:Choice>
-    <mc:Fallback xmlns="">
+    <mc:Fallback>
       <p:transition spd="slow">
         <p:fade/>
       </p:transition>
     </mc:Fallback>
   </mc:AlternateContent>
-  <p:timing>
-    <p:tnLst>
-      <p:par>
-        <p:cTn id="1" dur="indefinite" restart="never" nodeType="tmRoot"/>
-      </p:par>
-    </p:tnLst>
-  </p:timing>
 </p:sld>
 </file>
 
 <file path=ppt/theme/theme1.xml><?xml version="1.0" encoding="utf-8"?>
-<a:theme xmlns:a="http://schemas.openxmlformats.org/drawingml/2006/main" name="Showroom">
+<a:theme xmlns:a="http://schemas.openxmlformats.org/drawingml/2006/main" xmlns:r="http://schemas.openxmlformats.org/officeDocument/2006/relationships" name="Showroom">
   <a:themeElements>
     <a:clrScheme name="Showroom">
       <a:dk1>
@@ -10104,7 +10928,7 @@
         <a:effectLst/>
         <a:sp3d/>
       </a:spPr>
-      <a:bodyPr rot="0" spcFirstLastPara="1" vertOverflow="overflow" horzOverflow="overflow" vert="horz" wrap="square" lIns="50800" tIns="50800" rIns="50800" bIns="50800" numCol="1" spcCol="38100" rtlCol="0" anchor="ctr">
+      <a:bodyPr rot="0" spcFirstLastPara="1" vertOverflow="overflow" horzOverflow="overflow" vert="horz" wrap="square" lIns="50800" tIns="50800" rIns="50800" bIns="50800" numCol="1" spcCol="38100" rtlCol="0" anchor="ctr" upright="0">
         <a:spAutoFit/>
       </a:bodyPr>
       <a:lstStyle>
@@ -10123,7 +10947,7 @@
           <a:buFontTx/>
           <a:buNone/>
           <a:tabLst/>
-          <a:defRPr kumimoji="0" sz="5000" b="0" i="0" u="none" strike="noStrike" cap="none" spc="0" normalizeH="0" baseline="0">
+          <a:defRPr b="0" baseline="0" cap="none" i="0" spc="0" strike="noStrike" sz="5000" u="none" kumimoji="0" normalizeH="0">
             <a:ln>
               <a:noFill/>
             </a:ln>
@@ -10153,7 +10977,7 @@
           <a:buFontTx/>
           <a:buNone/>
           <a:tabLst/>
-          <a:defRPr kumimoji="0" sz="1800" b="0" i="0" u="none" strike="noStrike" cap="none" spc="0" normalizeH="0" baseline="0">
+          <a:defRPr b="0" baseline="0" cap="none" i="0" spc="0" strike="noStrike" sz="1800" u="none" kumimoji="0" normalizeH="0">
             <a:ln>
               <a:noFill/>
             </a:ln>
@@ -10179,7 +11003,7 @@
           <a:buFontTx/>
           <a:buNone/>
           <a:tabLst/>
-          <a:defRPr kumimoji="0" sz="1800" b="0" i="0" u="none" strike="noStrike" cap="none" spc="0" normalizeH="0" baseline="0">
+          <a:defRPr b="0" baseline="0" cap="none" i="0" spc="0" strike="noStrike" sz="1800" u="none" kumimoji="0" normalizeH="0">
             <a:ln>
               <a:noFill/>
             </a:ln>
@@ -10205,7 +11029,7 @@
           <a:buFontTx/>
           <a:buNone/>
           <a:tabLst/>
-          <a:defRPr kumimoji="0" sz="1800" b="0" i="0" u="none" strike="noStrike" cap="none" spc="0" normalizeH="0" baseline="0">
+          <a:defRPr b="0" baseline="0" cap="none" i="0" spc="0" strike="noStrike" sz="1800" u="none" kumimoji="0" normalizeH="0">
             <a:ln>
               <a:noFill/>
             </a:ln>
@@ -10231,7 +11055,7 @@
           <a:buFontTx/>
           <a:buNone/>
           <a:tabLst/>
-          <a:defRPr kumimoji="0" sz="1800" b="0" i="0" u="none" strike="noStrike" cap="none" spc="0" normalizeH="0" baseline="0">
+          <a:defRPr b="0" baseline="0" cap="none" i="0" spc="0" strike="noStrike" sz="1800" u="none" kumimoji="0" normalizeH="0">
             <a:ln>
               <a:noFill/>
             </a:ln>
@@ -10257,7 +11081,7 @@
           <a:buFontTx/>
           <a:buNone/>
           <a:tabLst/>
-          <a:defRPr kumimoji="0" sz="1800" b="0" i="0" u="none" strike="noStrike" cap="none" spc="0" normalizeH="0" baseline="0">
+          <a:defRPr b="0" baseline="0" cap="none" i="0" spc="0" strike="noStrike" sz="1800" u="none" kumimoji="0" normalizeH="0">
             <a:ln>
               <a:noFill/>
             </a:ln>
@@ -10283,7 +11107,7 @@
           <a:buFontTx/>
           <a:buNone/>
           <a:tabLst/>
-          <a:defRPr kumimoji="0" sz="1800" b="0" i="0" u="none" strike="noStrike" cap="none" spc="0" normalizeH="0" baseline="0">
+          <a:defRPr b="0" baseline="0" cap="none" i="0" spc="0" strike="noStrike" sz="1800" u="none" kumimoji="0" normalizeH="0">
             <a:ln>
               <a:noFill/>
             </a:ln>
@@ -10309,7 +11133,7 @@
           <a:buFontTx/>
           <a:buNone/>
           <a:tabLst/>
-          <a:defRPr kumimoji="0" sz="1800" b="0" i="0" u="none" strike="noStrike" cap="none" spc="0" normalizeH="0" baseline="0">
+          <a:defRPr b="0" baseline="0" cap="none" i="0" spc="0" strike="noStrike" sz="1800" u="none" kumimoji="0" normalizeH="0">
             <a:ln>
               <a:noFill/>
             </a:ln>
@@ -10335,7 +11159,7 @@
           <a:buFontTx/>
           <a:buNone/>
           <a:tabLst/>
-          <a:defRPr kumimoji="0" sz="1800" b="0" i="0" u="none" strike="noStrike" cap="none" spc="0" normalizeH="0" baseline="0">
+          <a:defRPr b="0" baseline="0" cap="none" i="0" spc="0" strike="noStrike" sz="1800" u="none" kumimoji="0" normalizeH="0">
             <a:ln>
               <a:noFill/>
             </a:ln>
@@ -10361,7 +11185,7 @@
           <a:buFontTx/>
           <a:buNone/>
           <a:tabLst/>
-          <a:defRPr kumimoji="0" sz="1800" b="0" i="0" u="none" strike="noStrike" cap="none" spc="0" normalizeH="0" baseline="0">
+          <a:defRPr b="0" baseline="0" cap="none" i="0" spc="0" strike="noStrike" sz="1800" u="none" kumimoji="0" normalizeH="0">
             <a:ln>
               <a:noFill/>
             </a:ln>
@@ -10374,15 +11198,9 @@
         </a:lvl9pPr>
       </a:lstStyle>
       <a:style>
-        <a:lnRef idx="0">
-          <a:scrgbClr r="0" g="0" b="0"/>
-        </a:lnRef>
-        <a:fillRef idx="0">
-          <a:scrgbClr r="0" g="0" b="0"/>
-        </a:fillRef>
-        <a:effectRef idx="0">
-          <a:scrgbClr r="0" g="0" b="0"/>
-        </a:effectRef>
+        <a:lnRef idx="0"/>
+        <a:fillRef idx="0"/>
+        <a:effectRef idx="0"/>
         <a:fontRef idx="none"/>
       </a:style>
     </a:spDef>
@@ -10399,7 +11217,7 @@
         <a:effectLst/>
         <a:sp3d/>
       </a:spPr>
-      <a:bodyPr rot="0" spcFirstLastPara="1" vertOverflow="overflow" horzOverflow="overflow" vert="horz" wrap="square" lIns="91439" tIns="45719" rIns="91439" bIns="45719" numCol="1" spcCol="38100" rtlCol="0" anchor="t">
+      <a:bodyPr rot="0" spcFirstLastPara="1" vertOverflow="overflow" horzOverflow="overflow" vert="horz" wrap="square" lIns="91439" tIns="45719" rIns="91439" bIns="45719" numCol="1" spcCol="38100" rtlCol="0" anchor="t" upright="0">
         <a:noAutofit/>
       </a:bodyPr>
       <a:lstStyle>
@@ -10418,7 +11236,7 @@
           <a:buFontTx/>
           <a:buNone/>
           <a:tabLst/>
-          <a:defRPr kumimoji="0" sz="1800" b="0" i="0" u="none" strike="noStrike" cap="none" spc="0" normalizeH="0" baseline="0">
+          <a:defRPr b="0" baseline="0" cap="none" i="0" spc="0" strike="noStrike" sz="1800" u="none" kumimoji="0" normalizeH="0">
             <a:ln>
               <a:noFill/>
             </a:ln>
@@ -10444,7 +11262,7 @@
           <a:buFontTx/>
           <a:buNone/>
           <a:tabLst/>
-          <a:defRPr kumimoji="0" sz="1800" b="0" i="0" u="none" strike="noStrike" cap="none" spc="0" normalizeH="0" baseline="0">
+          <a:defRPr b="0" baseline="0" cap="none" i="0" spc="0" strike="noStrike" sz="1800" u="none" kumimoji="0" normalizeH="0">
             <a:ln>
               <a:noFill/>
             </a:ln>
@@ -10470,7 +11288,7 @@
           <a:buFontTx/>
           <a:buNone/>
           <a:tabLst/>
-          <a:defRPr kumimoji="0" sz="1800" b="0" i="0" u="none" strike="noStrike" cap="none" spc="0" normalizeH="0" baseline="0">
+          <a:defRPr b="0" baseline="0" cap="none" i="0" spc="0" strike="noStrike" sz="1800" u="none" kumimoji="0" normalizeH="0">
             <a:ln>
               <a:noFill/>
             </a:ln>
@@ -10496,7 +11314,7 @@
           <a:buFontTx/>
           <a:buNone/>
           <a:tabLst/>
-          <a:defRPr kumimoji="0" sz="1800" b="0" i="0" u="none" strike="noStrike" cap="none" spc="0" normalizeH="0" baseline="0">
+          <a:defRPr b="0" baseline="0" cap="none" i="0" spc="0" strike="noStrike" sz="1800" u="none" kumimoji="0" normalizeH="0">
             <a:ln>
               <a:noFill/>
             </a:ln>
@@ -10522,7 +11340,7 @@
           <a:buFontTx/>
           <a:buNone/>
           <a:tabLst/>
-          <a:defRPr kumimoji="0" sz="1800" b="0" i="0" u="none" strike="noStrike" cap="none" spc="0" normalizeH="0" baseline="0">
+          <a:defRPr b="0" baseline="0" cap="none" i="0" spc="0" strike="noStrike" sz="1800" u="none" kumimoji="0" normalizeH="0">
             <a:ln>
               <a:noFill/>
             </a:ln>
@@ -10548,7 +11366,7 @@
           <a:buFontTx/>
           <a:buNone/>
           <a:tabLst/>
-          <a:defRPr kumimoji="0" sz="1800" b="0" i="0" u="none" strike="noStrike" cap="none" spc="0" normalizeH="0" baseline="0">
+          <a:defRPr b="0" baseline="0" cap="none" i="0" spc="0" strike="noStrike" sz="1800" u="none" kumimoji="0" normalizeH="0">
             <a:ln>
               <a:noFill/>
             </a:ln>
@@ -10574,7 +11392,7 @@
           <a:buFontTx/>
           <a:buNone/>
           <a:tabLst/>
-          <a:defRPr kumimoji="0" sz="1800" b="0" i="0" u="none" strike="noStrike" cap="none" spc="0" normalizeH="0" baseline="0">
+          <a:defRPr b="0" baseline="0" cap="none" i="0" spc="0" strike="noStrike" sz="1800" u="none" kumimoji="0" normalizeH="0">
             <a:ln>
               <a:noFill/>
             </a:ln>
@@ -10600,7 +11418,7 @@
           <a:buFontTx/>
           <a:buNone/>
           <a:tabLst/>
-          <a:defRPr kumimoji="0" sz="1800" b="0" i="0" u="none" strike="noStrike" cap="none" spc="0" normalizeH="0" baseline="0">
+          <a:defRPr b="0" baseline="0" cap="none" i="0" spc="0" strike="noStrike" sz="1800" u="none" kumimoji="0" normalizeH="0">
             <a:ln>
               <a:noFill/>
             </a:ln>
@@ -10626,7 +11444,7 @@
           <a:buFontTx/>
           <a:buNone/>
           <a:tabLst/>
-          <a:defRPr kumimoji="0" sz="1800" b="0" i="0" u="none" strike="noStrike" cap="none" spc="0" normalizeH="0" baseline="0">
+          <a:defRPr b="0" baseline="0" cap="none" i="0" spc="0" strike="noStrike" sz="1800" u="none" kumimoji="0" normalizeH="0">
             <a:ln>
               <a:noFill/>
             </a:ln>
@@ -10652,7 +11470,7 @@
           <a:buFontTx/>
           <a:buNone/>
           <a:tabLst/>
-          <a:defRPr kumimoji="0" sz="1800" b="0" i="0" u="none" strike="noStrike" cap="none" spc="0" normalizeH="0" baseline="0">
+          <a:defRPr b="0" baseline="0" cap="none" i="0" spc="0" strike="noStrike" sz="1800" u="none" kumimoji="0" normalizeH="0">
             <a:ln>
               <a:noFill/>
             </a:ln>
@@ -10665,15 +11483,9 @@
         </a:lvl9pPr>
       </a:lstStyle>
       <a:style>
-        <a:lnRef idx="0">
-          <a:scrgbClr r="0" g="0" b="0"/>
-        </a:lnRef>
-        <a:fillRef idx="0">
-          <a:scrgbClr r="0" g="0" b="0"/>
-        </a:fillRef>
-        <a:effectRef idx="0">
-          <a:scrgbClr r="0" g="0" b="0"/>
-        </a:effectRef>
+        <a:lnRef idx="0"/>
+        <a:fillRef idx="0"/>
+        <a:effectRef idx="0"/>
         <a:fontRef idx="none"/>
       </a:style>
     </a:lnDef>
@@ -10687,7 +11499,7 @@
         <a:effectLst/>
         <a:sp3d/>
       </a:spPr>
-      <a:bodyPr rot="0" spcFirstLastPara="1" vertOverflow="overflow" horzOverflow="overflow" vert="horz" wrap="square" lIns="50800" tIns="50800" rIns="50800" bIns="50800" numCol="1" spcCol="38100" rtlCol="0" anchor="ctr">
+      <a:bodyPr rot="0" spcFirstLastPara="1" vertOverflow="overflow" horzOverflow="overflow" vert="horz" wrap="square" lIns="50800" tIns="50800" rIns="50800" bIns="50800" numCol="1" spcCol="38100" rtlCol="0" anchor="ctr" upright="0">
         <a:spAutoFit/>
       </a:bodyPr>
       <a:lstStyle>
@@ -10706,7 +11518,7 @@
           <a:buFontTx/>
           <a:buNone/>
           <a:tabLst/>
-          <a:defRPr kumimoji="0" sz="5000" b="0" i="0" u="none" strike="noStrike" cap="none" spc="0" normalizeH="0" baseline="0">
+          <a:defRPr b="0" baseline="0" cap="none" i="0" spc="0" strike="noStrike" sz="5000" u="none" kumimoji="0" normalizeH="0">
             <a:ln>
               <a:noFill/>
             </a:ln>
@@ -10736,7 +11548,7 @@
           <a:buFontTx/>
           <a:buNone/>
           <a:tabLst/>
-          <a:defRPr kumimoji="0" sz="1800" b="0" i="0" u="none" strike="noStrike" cap="none" spc="0" normalizeH="0" baseline="0">
+          <a:defRPr b="0" baseline="0" cap="none" i="0" spc="0" strike="noStrike" sz="1800" u="none" kumimoji="0" normalizeH="0">
             <a:ln>
               <a:noFill/>
             </a:ln>
@@ -10762,7 +11574,7 @@
           <a:buFontTx/>
           <a:buNone/>
           <a:tabLst/>
-          <a:defRPr kumimoji="0" sz="1800" b="0" i="0" u="none" strike="noStrike" cap="none" spc="0" normalizeH="0" baseline="0">
+          <a:defRPr b="0" baseline="0" cap="none" i="0" spc="0" strike="noStrike" sz="1800" u="none" kumimoji="0" normalizeH="0">
             <a:ln>
               <a:noFill/>
             </a:ln>
@@ -10788,7 +11600,7 @@
           <a:buFontTx/>
           <a:buNone/>
           <a:tabLst/>
-          <a:defRPr kumimoji="0" sz="1800" b="0" i="0" u="none" strike="noStrike" cap="none" spc="0" normalizeH="0" baseline="0">
+          <a:defRPr b="0" baseline="0" cap="none" i="0" spc="0" strike="noStrike" sz="1800" u="none" kumimoji="0" normalizeH="0">
             <a:ln>
               <a:noFill/>
             </a:ln>
@@ -10814,7 +11626,7 @@
           <a:buFontTx/>
           <a:buNone/>
           <a:tabLst/>
-          <a:defRPr kumimoji="0" sz="1800" b="0" i="0" u="none" strike="noStrike" cap="none" spc="0" normalizeH="0" baseline="0">
+          <a:defRPr b="0" baseline="0" cap="none" i="0" spc="0" strike="noStrike" sz="1800" u="none" kumimoji="0" normalizeH="0">
             <a:ln>
               <a:noFill/>
             </a:ln>
@@ -10840,7 +11652,7 @@
           <a:buFontTx/>
           <a:buNone/>
           <a:tabLst/>
-          <a:defRPr kumimoji="0" sz="1800" b="0" i="0" u="none" strike="noStrike" cap="none" spc="0" normalizeH="0" baseline="0">
+          <a:defRPr b="0" baseline="0" cap="none" i="0" spc="0" strike="noStrike" sz="1800" u="none" kumimoji="0" normalizeH="0">
             <a:ln>
               <a:noFill/>
             </a:ln>
@@ -10866,7 +11678,7 @@
           <a:buFontTx/>
           <a:buNone/>
           <a:tabLst/>
-          <a:defRPr kumimoji="0" sz="1800" b="0" i="0" u="none" strike="noStrike" cap="none" spc="0" normalizeH="0" baseline="0">
+          <a:defRPr b="0" baseline="0" cap="none" i="0" spc="0" strike="noStrike" sz="1800" u="none" kumimoji="0" normalizeH="0">
             <a:ln>
               <a:noFill/>
             </a:ln>
@@ -10892,7 +11704,7 @@
           <a:buFontTx/>
           <a:buNone/>
           <a:tabLst/>
-          <a:defRPr kumimoji="0" sz="1800" b="0" i="0" u="none" strike="noStrike" cap="none" spc="0" normalizeH="0" baseline="0">
+          <a:defRPr b="0" baseline="0" cap="none" i="0" spc="0" strike="noStrike" sz="1800" u="none" kumimoji="0" normalizeH="0">
             <a:ln>
               <a:noFill/>
             </a:ln>
@@ -10918,7 +11730,7 @@
           <a:buFontTx/>
           <a:buNone/>
           <a:tabLst/>
-          <a:defRPr kumimoji="0" sz="1800" b="0" i="0" u="none" strike="noStrike" cap="none" spc="0" normalizeH="0" baseline="0">
+          <a:defRPr b="0" baseline="0" cap="none" i="0" spc="0" strike="noStrike" sz="1800" u="none" kumimoji="0" normalizeH="0">
             <a:ln>
               <a:noFill/>
             </a:ln>
@@ -10944,7 +11756,7 @@
           <a:buFontTx/>
           <a:buNone/>
           <a:tabLst/>
-          <a:defRPr kumimoji="0" sz="1800" b="0" i="0" u="none" strike="noStrike" cap="none" spc="0" normalizeH="0" baseline="0">
+          <a:defRPr b="0" baseline="0" cap="none" i="0" spc="0" strike="noStrike" sz="1800" u="none" kumimoji="0" normalizeH="0">
             <a:ln>
               <a:noFill/>
             </a:ln>
@@ -10957,25 +11769,18 @@
         </a:lvl9pPr>
       </a:lstStyle>
       <a:style>
-        <a:lnRef idx="0">
-          <a:scrgbClr r="0" g="0" b="0"/>
-        </a:lnRef>
-        <a:fillRef idx="0">
-          <a:scrgbClr r="0" g="0" b="0"/>
-        </a:fillRef>
-        <a:effectRef idx="0">
-          <a:scrgbClr r="0" g="0" b="0"/>
-        </a:effectRef>
+        <a:lnRef idx="0"/>
+        <a:fillRef idx="0"/>
+        <a:effectRef idx="0"/>
         <a:fontRef idx="none"/>
       </a:style>
     </a:txDef>
   </a:objectDefaults>
-  <a:extraClrSchemeLst/>
 </a:theme>
 </file>
 
 <file path=ppt/theme/theme2.xml><?xml version="1.0" encoding="utf-8"?>
-<a:theme xmlns:a="http://schemas.openxmlformats.org/drawingml/2006/main" name="Showroom">
+<a:theme xmlns:a="http://schemas.openxmlformats.org/drawingml/2006/main" xmlns:r="http://schemas.openxmlformats.org/officeDocument/2006/relationships" name="Showroom">
   <a:themeElements>
     <a:clrScheme name="Showroom">
       <a:dk1>
@@ -11174,7 +11979,7 @@
         <a:effectLst/>
         <a:sp3d/>
       </a:spPr>
-      <a:bodyPr rot="0" spcFirstLastPara="1" vertOverflow="overflow" horzOverflow="overflow" vert="horz" wrap="square" lIns="50800" tIns="50800" rIns="50800" bIns="50800" numCol="1" spcCol="38100" rtlCol="0" anchor="ctr">
+      <a:bodyPr rot="0" spcFirstLastPara="1" vertOverflow="overflow" horzOverflow="overflow" vert="horz" wrap="square" lIns="50800" tIns="50800" rIns="50800" bIns="50800" numCol="1" spcCol="38100" rtlCol="0" anchor="ctr" upright="0">
         <a:spAutoFit/>
       </a:bodyPr>
       <a:lstStyle>
@@ -11193,7 +11998,7 @@
           <a:buFontTx/>
           <a:buNone/>
           <a:tabLst/>
-          <a:defRPr kumimoji="0" sz="5000" b="0" i="0" u="none" strike="noStrike" cap="none" spc="0" normalizeH="0" baseline="0">
+          <a:defRPr b="0" baseline="0" cap="none" i="0" spc="0" strike="noStrike" sz="5000" u="none" kumimoji="0" normalizeH="0">
             <a:ln>
               <a:noFill/>
             </a:ln>
@@ -11223,7 +12028,7 @@
           <a:buFontTx/>
           <a:buNone/>
           <a:tabLst/>
-          <a:defRPr kumimoji="0" sz="1800" b="0" i="0" u="none" strike="noStrike" cap="none" spc="0" normalizeH="0" baseline="0">
+          <a:defRPr b="0" baseline="0" cap="none" i="0" spc="0" strike="noStrike" sz="1800" u="none" kumimoji="0" normalizeH="0">
             <a:ln>
               <a:noFill/>
             </a:ln>
@@ -11249,7 +12054,7 @@
           <a:buFontTx/>
           <a:buNone/>
           <a:tabLst/>
-          <a:defRPr kumimoji="0" sz="1800" b="0" i="0" u="none" strike="noStrike" cap="none" spc="0" normalizeH="0" baseline="0">
+          <a:defRPr b="0" baseline="0" cap="none" i="0" spc="0" strike="noStrike" sz="1800" u="none" kumimoji="0" normalizeH="0">
             <a:ln>
               <a:noFill/>
             </a:ln>
@@ -11275,7 +12080,7 @@
           <a:buFontTx/>
           <a:buNone/>
           <a:tabLst/>
-          <a:defRPr kumimoji="0" sz="1800" b="0" i="0" u="none" strike="noStrike" cap="none" spc="0" normalizeH="0" baseline="0">
+          <a:defRPr b="0" baseline="0" cap="none" i="0" spc="0" strike="noStrike" sz="1800" u="none" kumimoji="0" normalizeH="0">
             <a:ln>
               <a:noFill/>
             </a:ln>
@@ -11301,7 +12106,7 @@
           <a:buFontTx/>
           <a:buNone/>
           <a:tabLst/>
-          <a:defRPr kumimoji="0" sz="1800" b="0" i="0" u="none" strike="noStrike" cap="none" spc="0" normalizeH="0" baseline="0">
+          <a:defRPr b="0" baseline="0" cap="none" i="0" spc="0" strike="noStrike" sz="1800" u="none" kumimoji="0" normalizeH="0">
             <a:ln>
               <a:noFill/>
             </a:ln>
@@ -11327,7 +12132,7 @@
           <a:buFontTx/>
           <a:buNone/>
           <a:tabLst/>
-          <a:defRPr kumimoji="0" sz="1800" b="0" i="0" u="none" strike="noStrike" cap="none" spc="0" normalizeH="0" baseline="0">
+          <a:defRPr b="0" baseline="0" cap="none" i="0" spc="0" strike="noStrike" sz="1800" u="none" kumimoji="0" normalizeH="0">
             <a:ln>
               <a:noFill/>
             </a:ln>
@@ -11353,7 +12158,7 @@
           <a:buFontTx/>
           <a:buNone/>
           <a:tabLst/>
-          <a:defRPr kumimoji="0" sz="1800" b="0" i="0" u="none" strike="noStrike" cap="none" spc="0" normalizeH="0" baseline="0">
+          <a:defRPr b="0" baseline="0" cap="none" i="0" spc="0" strike="noStrike" sz="1800" u="none" kumimoji="0" normalizeH="0">
             <a:ln>
               <a:noFill/>
             </a:ln>
@@ -11379,7 +12184,7 @@
           <a:buFontTx/>
           <a:buNone/>
           <a:tabLst/>
-          <a:defRPr kumimoji="0" sz="1800" b="0" i="0" u="none" strike="noStrike" cap="none" spc="0" normalizeH="0" baseline="0">
+          <a:defRPr b="0" baseline="0" cap="none" i="0" spc="0" strike="noStrike" sz="1800" u="none" kumimoji="0" normalizeH="0">
             <a:ln>
               <a:noFill/>
             </a:ln>
@@ -11405,7 +12210,7 @@
           <a:buFontTx/>
           <a:buNone/>
           <a:tabLst/>
-          <a:defRPr kumimoji="0" sz="1800" b="0" i="0" u="none" strike="noStrike" cap="none" spc="0" normalizeH="0" baseline="0">
+          <a:defRPr b="0" baseline="0" cap="none" i="0" spc="0" strike="noStrike" sz="1800" u="none" kumimoji="0" normalizeH="0">
             <a:ln>
               <a:noFill/>
             </a:ln>
@@ -11431,7 +12236,7 @@
           <a:buFontTx/>
           <a:buNone/>
           <a:tabLst/>
-          <a:defRPr kumimoji="0" sz="1800" b="0" i="0" u="none" strike="noStrike" cap="none" spc="0" normalizeH="0" baseline="0">
+          <a:defRPr b="0" baseline="0" cap="none" i="0" spc="0" strike="noStrike" sz="1800" u="none" kumimoji="0" normalizeH="0">
             <a:ln>
               <a:noFill/>
             </a:ln>
@@ -11444,15 +12249,9 @@
         </a:lvl9pPr>
       </a:lstStyle>
       <a:style>
-        <a:lnRef idx="0">
-          <a:scrgbClr r="0" g="0" b="0"/>
-        </a:lnRef>
-        <a:fillRef idx="0">
-          <a:scrgbClr r="0" g="0" b="0"/>
-        </a:fillRef>
-        <a:effectRef idx="0">
-          <a:scrgbClr r="0" g="0" b="0"/>
-        </a:effectRef>
+        <a:lnRef idx="0"/>
+        <a:fillRef idx="0"/>
+        <a:effectRef idx="0"/>
         <a:fontRef idx="none"/>
       </a:style>
     </a:spDef>
@@ -11469,7 +12268,7 @@
         <a:effectLst/>
         <a:sp3d/>
       </a:spPr>
-      <a:bodyPr rot="0" spcFirstLastPara="1" vertOverflow="overflow" horzOverflow="overflow" vert="horz" wrap="square" lIns="91439" tIns="45719" rIns="91439" bIns="45719" numCol="1" spcCol="38100" rtlCol="0" anchor="t">
+      <a:bodyPr rot="0" spcFirstLastPara="1" vertOverflow="overflow" horzOverflow="overflow" vert="horz" wrap="square" lIns="91439" tIns="45719" rIns="91439" bIns="45719" numCol="1" spcCol="38100" rtlCol="0" anchor="t" upright="0">
         <a:noAutofit/>
       </a:bodyPr>
       <a:lstStyle>
@@ -11488,7 +12287,7 @@
           <a:buFontTx/>
           <a:buNone/>
           <a:tabLst/>
-          <a:defRPr kumimoji="0" sz="1800" b="0" i="0" u="none" strike="noStrike" cap="none" spc="0" normalizeH="0" baseline="0">
+          <a:defRPr b="0" baseline="0" cap="none" i="0" spc="0" strike="noStrike" sz="1800" u="none" kumimoji="0" normalizeH="0">
             <a:ln>
               <a:noFill/>
             </a:ln>
@@ -11514,7 +12313,7 @@
           <a:buFontTx/>
           <a:buNone/>
           <a:tabLst/>
-          <a:defRPr kumimoji="0" sz="1800" b="0" i="0" u="none" strike="noStrike" cap="none" spc="0" normalizeH="0" baseline="0">
+          <a:defRPr b="0" baseline="0" cap="none" i="0" spc="0" strike="noStrike" sz="1800" u="none" kumimoji="0" normalizeH="0">
             <a:ln>
               <a:noFill/>
             </a:ln>
@@ -11540,7 +12339,7 @@
           <a:buFontTx/>
           <a:buNone/>
           <a:tabLst/>
-          <a:defRPr kumimoji="0" sz="1800" b="0" i="0" u="none" strike="noStrike" cap="none" spc="0" normalizeH="0" baseline="0">
+          <a:defRPr b="0" baseline="0" cap="none" i="0" spc="0" strike="noStrike" sz="1800" u="none" kumimoji="0" normalizeH="0">
             <a:ln>
               <a:noFill/>
             </a:ln>
@@ -11566,7 +12365,7 @@
           <a:buFontTx/>
           <a:buNone/>
           <a:tabLst/>
-          <a:defRPr kumimoji="0" sz="1800" b="0" i="0" u="none" strike="noStrike" cap="none" spc="0" normalizeH="0" baseline="0">
+          <a:defRPr b="0" baseline="0" cap="none" i="0" spc="0" strike="noStrike" sz="1800" u="none" kumimoji="0" normalizeH="0">
             <a:ln>
               <a:noFill/>
             </a:ln>
@@ -11592,7 +12391,7 @@
           <a:buFontTx/>
           <a:buNone/>
           <a:tabLst/>
-          <a:defRPr kumimoji="0" sz="1800" b="0" i="0" u="none" strike="noStrike" cap="none" spc="0" normalizeH="0" baseline="0">
+          <a:defRPr b="0" baseline="0" cap="none" i="0" spc="0" strike="noStrike" sz="1800" u="none" kumimoji="0" normalizeH="0">
             <a:ln>
               <a:noFill/>
             </a:ln>
@@ -11618,7 +12417,7 @@
           <a:buFontTx/>
           <a:buNone/>
           <a:tabLst/>
-          <a:defRPr kumimoji="0" sz="1800" b="0" i="0" u="none" strike="noStrike" cap="none" spc="0" normalizeH="0" baseline="0">
+          <a:defRPr b="0" baseline="0" cap="none" i="0" spc="0" strike="noStrike" sz="1800" u="none" kumimoji="0" normalizeH="0">
             <a:ln>
               <a:noFill/>
             </a:ln>
@@ -11644,7 +12443,7 @@
           <a:buFontTx/>
           <a:buNone/>
           <a:tabLst/>
-          <a:defRPr kumimoji="0" sz="1800" b="0" i="0" u="none" strike="noStrike" cap="none" spc="0" normalizeH="0" baseline="0">
+          <a:defRPr b="0" baseline="0" cap="none" i="0" spc="0" strike="noStrike" sz="1800" u="none" kumimoji="0" normalizeH="0">
             <a:ln>
               <a:noFill/>
             </a:ln>
@@ -11670,7 +12469,7 @@
           <a:buFontTx/>
           <a:buNone/>
           <a:tabLst/>
-          <a:defRPr kumimoji="0" sz="1800" b="0" i="0" u="none" strike="noStrike" cap="none" spc="0" normalizeH="0" baseline="0">
+          <a:defRPr b="0" baseline="0" cap="none" i="0" spc="0" strike="noStrike" sz="1800" u="none" kumimoji="0" normalizeH="0">
             <a:ln>
               <a:noFill/>
             </a:ln>
@@ -11696,7 +12495,7 @@
           <a:buFontTx/>
           <a:buNone/>
           <a:tabLst/>
-          <a:defRPr kumimoji="0" sz="1800" b="0" i="0" u="none" strike="noStrike" cap="none" spc="0" normalizeH="0" baseline="0">
+          <a:defRPr b="0" baseline="0" cap="none" i="0" spc="0" strike="noStrike" sz="1800" u="none" kumimoji="0" normalizeH="0">
             <a:ln>
               <a:noFill/>
             </a:ln>
@@ -11722,7 +12521,7 @@
           <a:buFontTx/>
           <a:buNone/>
           <a:tabLst/>
-          <a:defRPr kumimoji="0" sz="1800" b="0" i="0" u="none" strike="noStrike" cap="none" spc="0" normalizeH="0" baseline="0">
+          <a:defRPr b="0" baseline="0" cap="none" i="0" spc="0" strike="noStrike" sz="1800" u="none" kumimoji="0" normalizeH="0">
             <a:ln>
               <a:noFill/>
             </a:ln>
@@ -11735,15 +12534,9 @@
         </a:lvl9pPr>
       </a:lstStyle>
       <a:style>
-        <a:lnRef idx="0">
-          <a:scrgbClr r="0" g="0" b="0"/>
-        </a:lnRef>
-        <a:fillRef idx="0">
-          <a:scrgbClr r="0" g="0" b="0"/>
-        </a:fillRef>
-        <a:effectRef idx="0">
-          <a:scrgbClr r="0" g="0" b="0"/>
-        </a:effectRef>
+        <a:lnRef idx="0"/>
+        <a:fillRef idx="0"/>
+        <a:effectRef idx="0"/>
         <a:fontRef idx="none"/>
       </a:style>
     </a:lnDef>
@@ -11757,7 +12550,7 @@
         <a:effectLst/>
         <a:sp3d/>
       </a:spPr>
-      <a:bodyPr rot="0" spcFirstLastPara="1" vertOverflow="overflow" horzOverflow="overflow" vert="horz" wrap="square" lIns="50800" tIns="50800" rIns="50800" bIns="50800" numCol="1" spcCol="38100" rtlCol="0" anchor="ctr">
+      <a:bodyPr rot="0" spcFirstLastPara="1" vertOverflow="overflow" horzOverflow="overflow" vert="horz" wrap="square" lIns="50800" tIns="50800" rIns="50800" bIns="50800" numCol="1" spcCol="38100" rtlCol="0" anchor="ctr" upright="0">
         <a:spAutoFit/>
       </a:bodyPr>
       <a:lstStyle>
@@ -11776,7 +12569,7 @@
           <a:buFontTx/>
           <a:buNone/>
           <a:tabLst/>
-          <a:defRPr kumimoji="0" sz="5000" b="0" i="0" u="none" strike="noStrike" cap="none" spc="0" normalizeH="0" baseline="0">
+          <a:defRPr b="0" baseline="0" cap="none" i="0" spc="0" strike="noStrike" sz="5000" u="none" kumimoji="0" normalizeH="0">
             <a:ln>
               <a:noFill/>
             </a:ln>
@@ -11806,7 +12599,7 @@
           <a:buFontTx/>
           <a:buNone/>
           <a:tabLst/>
-          <a:defRPr kumimoji="0" sz="1800" b="0" i="0" u="none" strike="noStrike" cap="none" spc="0" normalizeH="0" baseline="0">
+          <a:defRPr b="0" baseline="0" cap="none" i="0" spc="0" strike="noStrike" sz="1800" u="none" kumimoji="0" normalizeH="0">
             <a:ln>
               <a:noFill/>
             </a:ln>
@@ -11832,7 +12625,7 @@
           <a:buFontTx/>
           <a:buNone/>
           <a:tabLst/>
-          <a:defRPr kumimoji="0" sz="1800" b="0" i="0" u="none" strike="noStrike" cap="none" spc="0" normalizeH="0" baseline="0">
+          <a:defRPr b="0" baseline="0" cap="none" i="0" spc="0" strike="noStrike" sz="1800" u="none" kumimoji="0" normalizeH="0">
             <a:ln>
               <a:noFill/>
             </a:ln>
@@ -11858,7 +12651,7 @@
           <a:buFontTx/>
           <a:buNone/>
           <a:tabLst/>
-          <a:defRPr kumimoji="0" sz="1800" b="0" i="0" u="none" strike="noStrike" cap="none" spc="0" normalizeH="0" baseline="0">
+          <a:defRPr b="0" baseline="0" cap="none" i="0" spc="0" strike="noStrike" sz="1800" u="none" kumimoji="0" normalizeH="0">
             <a:ln>
               <a:noFill/>
             </a:ln>
@@ -11884,7 +12677,7 @@
           <a:buFontTx/>
           <a:buNone/>
           <a:tabLst/>
-          <a:defRPr kumimoji="0" sz="1800" b="0" i="0" u="none" strike="noStrike" cap="none" spc="0" normalizeH="0" baseline="0">
+          <a:defRPr b="0" baseline="0" cap="none" i="0" spc="0" strike="noStrike" sz="1800" u="none" kumimoji="0" normalizeH="0">
             <a:ln>
               <a:noFill/>
             </a:ln>
@@ -11910,7 +12703,7 @@
           <a:buFontTx/>
           <a:buNone/>
           <a:tabLst/>
-          <a:defRPr kumimoji="0" sz="1800" b="0" i="0" u="none" strike="noStrike" cap="none" spc="0" normalizeH="0" baseline="0">
+          <a:defRPr b="0" baseline="0" cap="none" i="0" spc="0" strike="noStrike" sz="1800" u="none" kumimoji="0" normalizeH="0">
             <a:ln>
               <a:noFill/>
             </a:ln>
@@ -11936,7 +12729,7 @@
           <a:buFontTx/>
           <a:buNone/>
           <a:tabLst/>
-          <a:defRPr kumimoji="0" sz="1800" b="0" i="0" u="none" strike="noStrike" cap="none" spc="0" normalizeH="0" baseline="0">
+          <a:defRPr b="0" baseline="0" cap="none" i="0" spc="0" strike="noStrike" sz="1800" u="none" kumimoji="0" normalizeH="0">
             <a:ln>
               <a:noFill/>
             </a:ln>
@@ -11962,7 +12755,7 @@
           <a:buFontTx/>
           <a:buNone/>
           <a:tabLst/>
-          <a:defRPr kumimoji="0" sz="1800" b="0" i="0" u="none" strike="noStrike" cap="none" spc="0" normalizeH="0" baseline="0">
+          <a:defRPr b="0" baseline="0" cap="none" i="0" spc="0" strike="noStrike" sz="1800" u="none" kumimoji="0" normalizeH="0">
             <a:ln>
               <a:noFill/>
             </a:ln>
@@ -11988,7 +12781,7 @@
           <a:buFontTx/>
           <a:buNone/>
           <a:tabLst/>
-          <a:defRPr kumimoji="0" sz="1800" b="0" i="0" u="none" strike="noStrike" cap="none" spc="0" normalizeH="0" baseline="0">
+          <a:defRPr b="0" baseline="0" cap="none" i="0" spc="0" strike="noStrike" sz="1800" u="none" kumimoji="0" normalizeH="0">
             <a:ln>
               <a:noFill/>
             </a:ln>
@@ -12014,7 +12807,7 @@
           <a:buFontTx/>
           <a:buNone/>
           <a:tabLst/>
-          <a:defRPr kumimoji="0" sz="1800" b="0" i="0" u="none" strike="noStrike" cap="none" spc="0" normalizeH="0" baseline="0">
+          <a:defRPr b="0" baseline="0" cap="none" i="0" spc="0" strike="noStrike" sz="1800" u="none" kumimoji="0" normalizeH="0">
             <a:ln>
               <a:noFill/>
             </a:ln>
@@ -12027,19 +12820,12 @@
         </a:lvl9pPr>
       </a:lstStyle>
       <a:style>
-        <a:lnRef idx="0">
-          <a:scrgbClr r="0" g="0" b="0"/>
-        </a:lnRef>
-        <a:fillRef idx="0">
-          <a:scrgbClr r="0" g="0" b="0"/>
-        </a:fillRef>
-        <a:effectRef idx="0">
-          <a:scrgbClr r="0" g="0" b="0"/>
-        </a:effectRef>
+        <a:lnRef idx="0"/>
+        <a:fillRef idx="0"/>
+        <a:effectRef idx="0"/>
         <a:fontRef idx="none"/>
       </a:style>
     </a:txDef>
   </a:objectDefaults>
-  <a:extraClrSchemeLst/>
 </a:theme>
 </file>